--- a/Sookta_Artha/agni_sookta.pptx
+++ b/Sookta_Artha/agni_sookta.pptx
@@ -113,6 +113,11 @@
       </a:defRPr>
     </a:lvl9pPr>
   </p:defaultTextStyle>
+  <p:extLst>
+    <p:ext uri="{EFAFB233-063F-42B5-8137-9DF3F51BA10A}">
+      <p15:sldGuideLst xmlns:p15="http://schemas.microsoft.com/office/powerpoint/2012/main"/>
+    </p:ext>
+  </p:extLst>
 </p:presentation>
 </file>
 
@@ -3141,7 +3146,34 @@
             </a:r>
             <a:r>
               <a:rPr lang="sa-IN" sz="3200" dirty="0" smtClean="0"/>
-              <a:t> ।</a:t>
+              <a:t> </a:t>
+            </a:r>
+            <a:r>
+              <a:rPr lang="sa-IN" sz="3200" dirty="0" smtClean="0"/>
+              <a:t>।</a:t>
+            </a:r>
+            <a:r>
+              <a:rPr lang="en-IN" sz="3200" dirty="0" smtClean="0"/>
+              <a:t/>
+            </a:r>
+            <a:br>
+              <a:rPr lang="en-IN" sz="3200" dirty="0" smtClean="0"/>
+            </a:br>
+            <a:r>
+              <a:rPr lang="en-IN" sz="3200" dirty="0"/>
+              <a:t>	</a:t>
+            </a:r>
+            <a:r>
+              <a:rPr lang="en-IN" sz="3200" dirty="0" smtClean="0"/>
+              <a:t>	</a:t>
+            </a:r>
+            <a:r>
+              <a:rPr lang="sa-IN" sz="3200" smtClean="0"/>
+              <a:t>		अग्निसूक्त </a:t>
+            </a:r>
+            <a:r>
+              <a:rPr lang="sa-IN" sz="3200" dirty="0" smtClean="0"/>
+              <a:t>1</a:t>
             </a:r>
             <a:endParaRPr lang="en-IN" sz="3200" dirty="0"/>
           </a:p>

--- a/Sookta_Artha/agni_sookta.pptx
+++ b/Sookta_Artha/agni_sookta.pptx
@@ -3017,7 +3017,11 @@
               </a:lnSpc>
             </a:pPr>
             <a:r>
-              <a:rPr lang="sa-IN" sz="3200" dirty="0" smtClean="0"/>
+              <a:rPr lang="sa-IN" sz="3200" dirty="0" smtClean="0">
+                <a:solidFill>
+                  <a:srgbClr val="FF0000"/>
+                </a:solidFill>
+              </a:rPr>
               <a:t>हे अग्ने देव त्वं </a:t>
             </a:r>
             <a:r>
@@ -3026,7 +3030,15 @@
             </a:r>
             <a:r>
               <a:rPr lang="sa-IN" sz="3200" dirty="0" smtClean="0"/>
-              <a:t> विश्वानि वयुनानि</a:t>
+              <a:t> </a:t>
+            </a:r>
+            <a:r>
+              <a:rPr lang="sa-IN" sz="3200" dirty="0" smtClean="0">
+                <a:solidFill>
+                  <a:srgbClr val="FF0000"/>
+                </a:solidFill>
+              </a:rPr>
+              <a:t>विश्वानि वयुनानि</a:t>
             </a:r>
             <a:r>
               <a:rPr lang="kn-IN" sz="3200" dirty="0" smtClean="0"/>
@@ -3034,7 +3046,15 @@
             </a:r>
             <a:r>
               <a:rPr lang="sa-IN" sz="3200" dirty="0" smtClean="0"/>
-              <a:t> विद्वान् </a:t>
+              <a:t> </a:t>
+            </a:r>
+            <a:r>
+              <a:rPr lang="sa-IN" sz="3200" dirty="0" smtClean="0">
+                <a:solidFill>
+                  <a:srgbClr val="FF0000"/>
+                </a:solidFill>
+              </a:rPr>
+              <a:t>विद्वान् </a:t>
             </a:r>
             <a:r>
               <a:rPr lang="kn-IN" sz="3200" dirty="0" smtClean="0"/>
@@ -3042,7 +3062,15 @@
             </a:r>
             <a:r>
               <a:rPr lang="sa-IN" sz="3200" dirty="0" smtClean="0"/>
-              <a:t>। राये</a:t>
+              <a:t>। </a:t>
+            </a:r>
+            <a:r>
+              <a:rPr lang="sa-IN" sz="3200" dirty="0" smtClean="0">
+                <a:solidFill>
+                  <a:srgbClr val="FF0000"/>
+                </a:solidFill>
+              </a:rPr>
+              <a:t>राये</a:t>
             </a:r>
             <a:r>
               <a:rPr lang="kn-IN" sz="3200" dirty="0" smtClean="0"/>
@@ -3050,7 +3078,15 @@
             </a:r>
             <a:r>
               <a:rPr lang="sa-IN" sz="3200" dirty="0" smtClean="0"/>
-              <a:t> अस्मान्</a:t>
+              <a:t> </a:t>
+            </a:r>
+            <a:r>
+              <a:rPr lang="sa-IN" sz="3200" dirty="0" smtClean="0">
+                <a:solidFill>
+                  <a:srgbClr val="FF0000"/>
+                </a:solidFill>
+              </a:rPr>
+              <a:t>अस्मान्</a:t>
             </a:r>
             <a:r>
               <a:rPr lang="kn-IN" sz="3200" dirty="0" smtClean="0"/>
@@ -3058,19 +3094,51 @@
             </a:r>
             <a:r>
               <a:rPr lang="sa-IN" sz="3200" dirty="0" smtClean="0"/>
-              <a:t> सुपथा</a:t>
+              <a:t> </a:t>
+            </a:r>
+            <a:r>
+              <a:rPr lang="sa-IN" sz="3200" dirty="0" smtClean="0">
+                <a:solidFill>
+                  <a:srgbClr val="FF0000"/>
+                </a:solidFill>
+              </a:rPr>
+              <a:t>सुपथा</a:t>
+            </a:r>
+            <a:r>
+              <a:rPr lang="kn-IN" sz="3200" dirty="0" smtClean="0">
+                <a:solidFill>
+                  <a:srgbClr val="FF0000"/>
+                </a:solidFill>
+              </a:rPr>
+              <a:t> </a:t>
             </a:r>
             <a:r>
               <a:rPr lang="kn-IN" sz="3200" dirty="0" smtClean="0"/>
-              <a:t> ಒಳ್ಳೆಯ ಧರ್ಮಮಾರ್ಗದಿಂದ</a:t>
+              <a:t>ಒಳ್ಳೆಯ ಧರ್ಮಮಾರ್ಗದಿಂದ</a:t>
             </a:r>
             <a:r>
               <a:rPr lang="sa-IN" sz="3200" dirty="0" smtClean="0"/>
-              <a:t> नय</a:t>
+              <a:t> </a:t>
+            </a:r>
+            <a:r>
+              <a:rPr lang="sa-IN" sz="3200" dirty="0" smtClean="0">
+                <a:solidFill>
+                  <a:srgbClr val="FF0000"/>
+                </a:solidFill>
+              </a:rPr>
+              <a:t>नय</a:t>
+            </a:r>
+            <a:r>
+              <a:rPr lang="kn-IN" sz="3200" dirty="0" smtClean="0">
+                <a:solidFill>
+                  <a:srgbClr val="FF0000"/>
+                </a:solidFill>
+              </a:rPr>
+              <a:t> </a:t>
             </a:r>
             <a:r>
               <a:rPr lang="kn-IN" sz="3200" dirty="0" smtClean="0"/>
-              <a:t> ನಡೆಸು</a:t>
+              <a:t>ನಡೆಸು</a:t>
             </a:r>
             <a:r>
               <a:rPr lang="sa-IN" sz="3200" dirty="0" smtClean="0"/>
@@ -3081,7 +3149,11 @@
               <a:t> </a:t>
             </a:r>
             <a:r>
-              <a:rPr lang="sa-IN" sz="3200" dirty="0" smtClean="0"/>
+              <a:rPr lang="sa-IN" sz="3200" dirty="0" smtClean="0">
+                <a:solidFill>
+                  <a:srgbClr val="FF0000"/>
+                </a:solidFill>
+              </a:rPr>
               <a:t>जुहुराणं</a:t>
             </a:r>
             <a:r>
@@ -3090,7 +3162,15 @@
             </a:r>
             <a:r>
               <a:rPr lang="sa-IN" sz="3200" dirty="0" smtClean="0"/>
-              <a:t> एनः</a:t>
+              <a:t> </a:t>
+            </a:r>
+            <a:r>
+              <a:rPr lang="sa-IN" sz="3200" dirty="0" smtClean="0">
+                <a:solidFill>
+                  <a:srgbClr val="FF0000"/>
+                </a:solidFill>
+              </a:rPr>
+              <a:t>एनः</a:t>
             </a:r>
             <a:r>
               <a:rPr lang="kn-IN" sz="3200" dirty="0" smtClean="0"/>
@@ -3098,7 +3178,15 @@
             </a:r>
             <a:r>
               <a:rPr lang="sa-IN" sz="3200" dirty="0" smtClean="0"/>
-              <a:t> अस्मत्</a:t>
+              <a:t> </a:t>
+            </a:r>
+            <a:r>
+              <a:rPr lang="sa-IN" sz="3200" dirty="0" smtClean="0">
+                <a:solidFill>
+                  <a:srgbClr val="FF0000"/>
+                </a:solidFill>
+              </a:rPr>
+              <a:t>अस्मत्</a:t>
             </a:r>
             <a:r>
               <a:rPr lang="kn-IN" sz="3200" dirty="0" smtClean="0"/>
@@ -3106,7 +3194,15 @@
             </a:r>
             <a:r>
               <a:rPr lang="sa-IN" sz="3200" dirty="0" smtClean="0"/>
-              <a:t> युयोधि</a:t>
+              <a:t> </a:t>
+            </a:r>
+            <a:r>
+              <a:rPr lang="sa-IN" sz="3200" dirty="0" smtClean="0">
+                <a:solidFill>
+                  <a:srgbClr val="FF0000"/>
+                </a:solidFill>
+              </a:rPr>
+              <a:t>युयोधि</a:t>
             </a:r>
             <a:r>
               <a:rPr lang="kn-IN" sz="3200" dirty="0" smtClean="0"/>
@@ -3114,30 +3210,74 @@
             </a:r>
             <a:r>
               <a:rPr lang="sa-IN" sz="3200" dirty="0" smtClean="0"/>
-              <a:t> । ते</a:t>
+              <a:t> । </a:t>
+            </a:r>
+            <a:r>
+              <a:rPr lang="sa-IN" sz="3200" dirty="0" smtClean="0">
+                <a:solidFill>
+                  <a:srgbClr val="FF0000"/>
+                </a:solidFill>
+              </a:rPr>
+              <a:t>ते</a:t>
+            </a:r>
+            <a:r>
+              <a:rPr lang="kn-IN" sz="3200" dirty="0" smtClean="0">
+                <a:solidFill>
+                  <a:srgbClr val="FF0000"/>
+                </a:solidFill>
+              </a:rPr>
+              <a:t> </a:t>
             </a:r>
             <a:r>
               <a:rPr lang="kn-IN" sz="3200" dirty="0" smtClean="0"/>
-              <a:t> ನಿನಗೆ</a:t>
+              <a:t>ನಿನಗೆ</a:t>
             </a:r>
             <a:r>
               <a:rPr lang="sa-IN" sz="3200" dirty="0" smtClean="0"/>
-              <a:t> भूयिष्ठां</a:t>
+              <a:t> </a:t>
+            </a:r>
+            <a:r>
+              <a:rPr lang="sa-IN" sz="3200" dirty="0" smtClean="0">
+                <a:solidFill>
+                  <a:srgbClr val="FF0000"/>
+                </a:solidFill>
+              </a:rPr>
+              <a:t>भूयिष्ठां</a:t>
+            </a:r>
+            <a:r>
+              <a:rPr lang="kn-IN" sz="3200" dirty="0" smtClean="0">
+                <a:solidFill>
+                  <a:srgbClr val="FF0000"/>
+                </a:solidFill>
+              </a:rPr>
+              <a:t> </a:t>
             </a:r>
             <a:r>
               <a:rPr lang="kn-IN" sz="3200" dirty="0" smtClean="0"/>
-              <a:t> ಹೆಚ್ಚಾದ</a:t>
+              <a:t>ಹೆಚ್ಚಾದ</a:t>
             </a:r>
             <a:r>
               <a:rPr lang="sa-IN" sz="3200" dirty="0" smtClean="0"/>
-              <a:t> नमउक्तिं </a:t>
+              <a:t> </a:t>
+            </a:r>
+            <a:r>
+              <a:rPr lang="sa-IN" sz="3200" dirty="0" smtClean="0">
+                <a:solidFill>
+                  <a:srgbClr val="FF0000"/>
+                </a:solidFill>
+              </a:rPr>
+              <a:t>नमउक्तिं </a:t>
             </a:r>
             <a:r>
               <a:rPr lang="kn-IN" sz="3200" dirty="0" smtClean="0"/>
               <a:t>ನಮಸ್ಕಾರಪೂರ್ವಕ ಸ್ತುತಿಯನ್ನು </a:t>
             </a:r>
             <a:r>
-              <a:rPr lang="sa-IN" sz="3200" dirty="0" smtClean="0"/>
+              <a:rPr lang="sa-IN" sz="3200" dirty="0" smtClean="0">
+                <a:solidFill>
+                  <a:srgbClr val="FF0000"/>
+                </a:solidFill>
+              </a:rPr>
               <a:t>विधेम</a:t>
             </a:r>
             <a:r>
@@ -3146,11 +3286,7 @@
             </a:r>
             <a:r>
               <a:rPr lang="sa-IN" sz="3200" dirty="0" smtClean="0"/>
-              <a:t> </a:t>
-            </a:r>
-            <a:r>
-              <a:rPr lang="sa-IN" sz="3200" dirty="0" smtClean="0"/>
-              <a:t>।</a:t>
+              <a:t> ।</a:t>
             </a:r>
             <a:r>
               <a:rPr lang="en-IN" sz="3200" dirty="0" smtClean="0"/>
@@ -3168,12 +3304,8 @@
               <a:t>	</a:t>
             </a:r>
             <a:r>
-              <a:rPr lang="sa-IN" sz="3200" smtClean="0"/>
-              <a:t>		अग्निसूक्त </a:t>
-            </a:r>
-            <a:r>
               <a:rPr lang="sa-IN" sz="3200" dirty="0" smtClean="0"/>
-              <a:t>1</a:t>
+              <a:t>		अग्निसूक्त 1</a:t>
             </a:r>
             <a:endParaRPr lang="en-IN" sz="3200" dirty="0"/>
           </a:p>

--- a/Sookta_Artha/agni_sookta.pptx
+++ b/Sookta_Artha/agni_sookta.pptx
@@ -252,7 +252,7 @@
           <a:p>
             <a:fld id="{BF1F22D6-1FD5-4F0B-A69E-C6566BAAF5BA}" type="datetimeFigureOut">
               <a:rPr lang="en-IN" smtClean="0"/>
-              <a:t>22-03-2022</a:t>
+              <a:t>23-03-2022</a:t>
             </a:fld>
             <a:endParaRPr lang="en-IN"/>
           </a:p>
@@ -422,7 +422,7 @@
           <a:p>
             <a:fld id="{BF1F22D6-1FD5-4F0B-A69E-C6566BAAF5BA}" type="datetimeFigureOut">
               <a:rPr lang="en-IN" smtClean="0"/>
-              <a:t>22-03-2022</a:t>
+              <a:t>23-03-2022</a:t>
             </a:fld>
             <a:endParaRPr lang="en-IN"/>
           </a:p>
@@ -602,7 +602,7 @@
           <a:p>
             <a:fld id="{BF1F22D6-1FD5-4F0B-A69E-C6566BAAF5BA}" type="datetimeFigureOut">
               <a:rPr lang="en-IN" smtClean="0"/>
-              <a:t>22-03-2022</a:t>
+              <a:t>23-03-2022</a:t>
             </a:fld>
             <a:endParaRPr lang="en-IN"/>
           </a:p>
@@ -772,7 +772,7 @@
           <a:p>
             <a:fld id="{BF1F22D6-1FD5-4F0B-A69E-C6566BAAF5BA}" type="datetimeFigureOut">
               <a:rPr lang="en-IN" smtClean="0"/>
-              <a:t>22-03-2022</a:t>
+              <a:t>23-03-2022</a:t>
             </a:fld>
             <a:endParaRPr lang="en-IN"/>
           </a:p>
@@ -1016,7 +1016,7 @@
           <a:p>
             <a:fld id="{BF1F22D6-1FD5-4F0B-A69E-C6566BAAF5BA}" type="datetimeFigureOut">
               <a:rPr lang="en-IN" smtClean="0"/>
-              <a:t>22-03-2022</a:t>
+              <a:t>23-03-2022</a:t>
             </a:fld>
             <a:endParaRPr lang="en-IN"/>
           </a:p>
@@ -1248,7 +1248,7 @@
           <a:p>
             <a:fld id="{BF1F22D6-1FD5-4F0B-A69E-C6566BAAF5BA}" type="datetimeFigureOut">
               <a:rPr lang="en-IN" smtClean="0"/>
-              <a:t>22-03-2022</a:t>
+              <a:t>23-03-2022</a:t>
             </a:fld>
             <a:endParaRPr lang="en-IN"/>
           </a:p>
@@ -1615,7 +1615,7 @@
           <a:p>
             <a:fld id="{BF1F22D6-1FD5-4F0B-A69E-C6566BAAF5BA}" type="datetimeFigureOut">
               <a:rPr lang="en-IN" smtClean="0"/>
-              <a:t>22-03-2022</a:t>
+              <a:t>23-03-2022</a:t>
             </a:fld>
             <a:endParaRPr lang="en-IN"/>
           </a:p>
@@ -1733,7 +1733,7 @@
           <a:p>
             <a:fld id="{BF1F22D6-1FD5-4F0B-A69E-C6566BAAF5BA}" type="datetimeFigureOut">
               <a:rPr lang="en-IN" smtClean="0"/>
-              <a:t>22-03-2022</a:t>
+              <a:t>23-03-2022</a:t>
             </a:fld>
             <a:endParaRPr lang="en-IN"/>
           </a:p>
@@ -1828,7 +1828,7 @@
           <a:p>
             <a:fld id="{BF1F22D6-1FD5-4F0B-A69E-C6566BAAF5BA}" type="datetimeFigureOut">
               <a:rPr lang="en-IN" smtClean="0"/>
-              <a:t>22-03-2022</a:t>
+              <a:t>23-03-2022</a:t>
             </a:fld>
             <a:endParaRPr lang="en-IN"/>
           </a:p>
@@ -2105,7 +2105,7 @@
           <a:p>
             <a:fld id="{BF1F22D6-1FD5-4F0B-A69E-C6566BAAF5BA}" type="datetimeFigureOut">
               <a:rPr lang="en-IN" smtClean="0"/>
-              <a:t>22-03-2022</a:t>
+              <a:t>23-03-2022</a:t>
             </a:fld>
             <a:endParaRPr lang="en-IN"/>
           </a:p>
@@ -2362,7 +2362,7 @@
           <a:p>
             <a:fld id="{BF1F22D6-1FD5-4F0B-A69E-C6566BAAF5BA}" type="datetimeFigureOut">
               <a:rPr lang="en-IN" smtClean="0"/>
-              <a:t>22-03-2022</a:t>
+              <a:t>23-03-2022</a:t>
             </a:fld>
             <a:endParaRPr lang="en-IN"/>
           </a:p>
@@ -2575,7 +2575,7 @@
           <a:p>
             <a:fld id="{BF1F22D6-1FD5-4F0B-A69E-C6566BAAF5BA}" type="datetimeFigureOut">
               <a:rPr lang="en-IN" smtClean="0"/>
-              <a:t>22-03-2022</a:t>
+              <a:t>23-03-2022</a:t>
             </a:fld>
             <a:endParaRPr lang="en-IN"/>
           </a:p>
@@ -3022,11 +3022,23 @@
                   <a:srgbClr val="FF0000"/>
                 </a:solidFill>
               </a:rPr>
-              <a:t>हे अग्ने देव त्वं </a:t>
+              <a:t>हे अग्ने </a:t>
+            </a:r>
+            <a:r>
+              <a:rPr lang="sa-IN" sz="3200" dirty="0" smtClean="0">
+                <a:solidFill>
+                  <a:srgbClr val="FF0000"/>
+                </a:solidFill>
+              </a:rPr>
+              <a:t>देव </a:t>
             </a:r>
             <a:r>
               <a:rPr lang="kn-IN" sz="3200" dirty="0" smtClean="0"/>
-              <a:t>ಹೇ ಅಗ್ನಿ ದೇವನೇ , ನೀನು</a:t>
+              <a:t>ಹೇ ಅಗ್ನಿ </a:t>
+            </a:r>
+            <a:r>
+              <a:rPr lang="kn-IN" sz="3200" dirty="0" smtClean="0"/>
+              <a:t>ದೇವನೇ</a:t>
             </a:r>
             <a:r>
               <a:rPr lang="sa-IN" sz="3200" dirty="0" smtClean="0"/>

--- a/Sookta_Artha/agni_sookta.pptx
+++ b/Sookta_Artha/agni_sookta.pptx
@@ -3,18 +3,22 @@
 <p:presentation xmlns:a="http://schemas.openxmlformats.org/drawingml/2006/main" xmlns:r="http://schemas.openxmlformats.org/officeDocument/2006/relationships" xmlns:p="http://schemas.openxmlformats.org/presentationml/2006/main" saveSubsetFonts="1">
   <p:sldMasterIdLst>
     <p:sldMasterId id="2147483744" r:id="rId1"/>
+    <p:sldMasterId id="2147483774" r:id="rId2"/>
   </p:sldMasterIdLst>
   <p:sldIdLst>
-    <p:sldId id="256" r:id="rId2"/>
-    <p:sldId id="257" r:id="rId3"/>
-    <p:sldId id="258" r:id="rId4"/>
-    <p:sldId id="259" r:id="rId5"/>
-    <p:sldId id="260" r:id="rId6"/>
-    <p:sldId id="261" r:id="rId7"/>
-    <p:sldId id="262" r:id="rId8"/>
-    <p:sldId id="263" r:id="rId9"/>
-    <p:sldId id="264" r:id="rId10"/>
-    <p:sldId id="265" r:id="rId11"/>
+    <p:sldId id="256" r:id="rId3"/>
+    <p:sldId id="266" r:id="rId4"/>
+    <p:sldId id="267" r:id="rId5"/>
+    <p:sldId id="268" r:id="rId6"/>
+    <p:sldId id="257" r:id="rId7"/>
+    <p:sldId id="258" r:id="rId8"/>
+    <p:sldId id="259" r:id="rId9"/>
+    <p:sldId id="260" r:id="rId10"/>
+    <p:sldId id="261" r:id="rId11"/>
+    <p:sldId id="262" r:id="rId12"/>
+    <p:sldId id="263" r:id="rId13"/>
+    <p:sldId id="264" r:id="rId14"/>
+    <p:sldId id="265" r:id="rId15"/>
   </p:sldIdLst>
   <p:sldSz cx="6858000" cy="10287000" type="35mm"/>
   <p:notesSz cx="6858000" cy="9144000"/>
@@ -663,6 +667,1933 @@
 </p:sldLayout>
 </file>
 
+<file path=ppt/slideLayouts/slideLayout12.xml><?xml version="1.0" encoding="utf-8"?>
+<p:sldLayout xmlns:a="http://schemas.openxmlformats.org/drawingml/2006/main" xmlns:r="http://schemas.openxmlformats.org/officeDocument/2006/relationships" xmlns:p="http://schemas.openxmlformats.org/presentationml/2006/main" type="title" preserve="1">
+  <p:cSld name="Title Slide">
+    <p:spTree>
+      <p:nvGrpSpPr>
+        <p:cNvPr id="1" name=""/>
+        <p:cNvGrpSpPr/>
+        <p:nvPr/>
+      </p:nvGrpSpPr>
+      <p:grpSpPr>
+        <a:xfrm>
+          <a:off x="0" y="0"/>
+          <a:ext cx="0" cy="0"/>
+          <a:chOff x="0" y="0"/>
+          <a:chExt cx="0" cy="0"/>
+        </a:xfrm>
+      </p:grpSpPr>
+      <p:sp>
+        <p:nvSpPr>
+          <p:cNvPr id="2" name="Title 1"/>
+          <p:cNvSpPr>
+            <a:spLocks noGrp="1"/>
+          </p:cNvSpPr>
+          <p:nvPr>
+            <p:ph type="ctrTitle"/>
+          </p:nvPr>
+        </p:nvSpPr>
+        <p:spPr>
+          <a:xfrm>
+            <a:off x="614485" y="894028"/>
+            <a:ext cx="5632880" cy="4820973"/>
+          </a:xfrm>
+        </p:spPr>
+        <p:txBody>
+          <a:bodyPr anchor="b">
+            <a:normAutofit/>
+          </a:bodyPr>
+          <a:lstStyle>
+            <a:lvl1pPr algn="ctr">
+              <a:defRPr sz="3000">
+                <a:effectLst>
+                  <a:glow rad="38100">
+                    <a:schemeClr val="bg1">
+                      <a:lumMod val="65000"/>
+                      <a:lumOff val="35000"/>
+                      <a:alpha val="50000"/>
+                    </a:schemeClr>
+                  </a:glow>
+                  <a:outerShdw blurRad="28575" dist="31750" dir="13200000" algn="tl" rotWithShape="0">
+                    <a:srgbClr val="000000">
+                      <a:alpha val="25000"/>
+                    </a:srgbClr>
+                  </a:outerShdw>
+                </a:effectLst>
+              </a:defRPr>
+            </a:lvl1pPr>
+          </a:lstStyle>
+          <a:p>
+            <a:r>
+              <a:rPr lang="en-US" smtClean="0"/>
+              <a:t>Click to edit Master title style</a:t>
+            </a:r>
+            <a:endParaRPr lang="en-US" dirty="0"/>
+          </a:p>
+        </p:txBody>
+      </p:sp>
+      <p:sp>
+        <p:nvSpPr>
+          <p:cNvPr id="3" name="Subtitle 2"/>
+          <p:cNvSpPr>
+            <a:spLocks noGrp="1"/>
+          </p:cNvSpPr>
+          <p:nvPr>
+            <p:ph type="subTitle" idx="1"/>
+          </p:nvPr>
+        </p:nvSpPr>
+        <p:spPr>
+          <a:xfrm>
+            <a:off x="614485" y="5829300"/>
+            <a:ext cx="5632880" cy="3328662"/>
+          </a:xfrm>
+        </p:spPr>
+        <p:txBody>
+          <a:bodyPr anchor="t">
+            <a:normAutofit/>
+          </a:bodyPr>
+          <a:lstStyle>
+            <a:lvl1pPr marL="0" indent="0" algn="ctr">
+              <a:buNone/>
+              <a:defRPr sz="1350">
+                <a:gradFill flip="none" rotWithShape="1">
+                  <a:gsLst>
+                    <a:gs pos="0">
+                      <a:schemeClr val="tx1"/>
+                    </a:gs>
+                    <a:gs pos="100000">
+                      <a:schemeClr val="tx1">
+                        <a:lumMod val="75000"/>
+                      </a:schemeClr>
+                    </a:gs>
+                  </a:gsLst>
+                  <a:lin ang="0" scaled="1"/>
+                  <a:tileRect/>
+                </a:gradFill>
+              </a:defRPr>
+            </a:lvl1pPr>
+            <a:lvl2pPr marL="342900" indent="0" algn="ctr">
+              <a:buNone/>
+              <a:defRPr>
+                <a:solidFill>
+                  <a:schemeClr val="tx1">
+                    <a:tint val="75000"/>
+                  </a:schemeClr>
+                </a:solidFill>
+              </a:defRPr>
+            </a:lvl2pPr>
+            <a:lvl3pPr marL="685800" indent="0" algn="ctr">
+              <a:buNone/>
+              <a:defRPr>
+                <a:solidFill>
+                  <a:schemeClr val="tx1">
+                    <a:tint val="75000"/>
+                  </a:schemeClr>
+                </a:solidFill>
+              </a:defRPr>
+            </a:lvl3pPr>
+            <a:lvl4pPr marL="1028700" indent="0" algn="ctr">
+              <a:buNone/>
+              <a:defRPr>
+                <a:solidFill>
+                  <a:schemeClr val="tx1">
+                    <a:tint val="75000"/>
+                  </a:schemeClr>
+                </a:solidFill>
+              </a:defRPr>
+            </a:lvl4pPr>
+            <a:lvl5pPr marL="1371600" indent="0" algn="ctr">
+              <a:buNone/>
+              <a:defRPr>
+                <a:solidFill>
+                  <a:schemeClr val="tx1">
+                    <a:tint val="75000"/>
+                  </a:schemeClr>
+                </a:solidFill>
+              </a:defRPr>
+            </a:lvl5pPr>
+            <a:lvl6pPr marL="1714500" indent="0" algn="ctr">
+              <a:buNone/>
+              <a:defRPr>
+                <a:solidFill>
+                  <a:schemeClr val="tx1">
+                    <a:tint val="75000"/>
+                  </a:schemeClr>
+                </a:solidFill>
+              </a:defRPr>
+            </a:lvl6pPr>
+            <a:lvl7pPr marL="2057400" indent="0" algn="ctr">
+              <a:buNone/>
+              <a:defRPr>
+                <a:solidFill>
+                  <a:schemeClr val="tx1">
+                    <a:tint val="75000"/>
+                  </a:schemeClr>
+                </a:solidFill>
+              </a:defRPr>
+            </a:lvl7pPr>
+            <a:lvl8pPr marL="2400300" indent="0" algn="ctr">
+              <a:buNone/>
+              <a:defRPr>
+                <a:solidFill>
+                  <a:schemeClr val="tx1">
+                    <a:tint val="75000"/>
+                  </a:schemeClr>
+                </a:solidFill>
+              </a:defRPr>
+            </a:lvl8pPr>
+            <a:lvl9pPr marL="2743200" indent="0" algn="ctr">
+              <a:buNone/>
+              <a:defRPr>
+                <a:solidFill>
+                  <a:schemeClr val="tx1">
+                    <a:tint val="75000"/>
+                  </a:schemeClr>
+                </a:solidFill>
+              </a:defRPr>
+            </a:lvl9pPr>
+          </a:lstStyle>
+          <a:p>
+            <a:r>
+              <a:rPr lang="en-US" smtClean="0"/>
+              <a:t>Click to edit Master subtitle style</a:t>
+            </a:r>
+            <a:endParaRPr lang="en-US" dirty="0"/>
+          </a:p>
+        </p:txBody>
+      </p:sp>
+      <p:sp>
+        <p:nvSpPr>
+          <p:cNvPr id="4" name="Date Placeholder 3"/>
+          <p:cNvSpPr>
+            <a:spLocks noGrp="1"/>
+          </p:cNvSpPr>
+          <p:nvPr>
+            <p:ph type="dt" sz="half" idx="10"/>
+          </p:nvPr>
+        </p:nvSpPr>
+        <p:spPr/>
+        <p:txBody>
+          <a:bodyPr/>
+          <a:lstStyle/>
+          <a:p>
+            <a:fld id="{BF1F22D6-1FD5-4F0B-A69E-C6566BAAF5BA}" type="datetimeFigureOut">
+              <a:rPr lang="en-IN" smtClean="0"/>
+              <a:t>23-03-2022</a:t>
+            </a:fld>
+            <a:endParaRPr lang="en-IN"/>
+          </a:p>
+        </p:txBody>
+      </p:sp>
+      <p:sp>
+        <p:nvSpPr>
+          <p:cNvPr id="5" name="Footer Placeholder 4"/>
+          <p:cNvSpPr>
+            <a:spLocks noGrp="1"/>
+          </p:cNvSpPr>
+          <p:nvPr>
+            <p:ph type="ftr" sz="quarter" idx="11"/>
+          </p:nvPr>
+        </p:nvSpPr>
+        <p:spPr/>
+        <p:txBody>
+          <a:bodyPr/>
+          <a:lstStyle/>
+          <a:p>
+            <a:endParaRPr lang="en-IN"/>
+          </a:p>
+        </p:txBody>
+      </p:sp>
+      <p:sp>
+        <p:nvSpPr>
+          <p:cNvPr id="6" name="Slide Number Placeholder 5"/>
+          <p:cNvSpPr>
+            <a:spLocks noGrp="1"/>
+          </p:cNvSpPr>
+          <p:nvPr>
+            <p:ph type="sldNum" sz="quarter" idx="12"/>
+          </p:nvPr>
+        </p:nvSpPr>
+        <p:spPr/>
+        <p:txBody>
+          <a:bodyPr/>
+          <a:lstStyle/>
+          <a:p>
+            <a:fld id="{49E5A28C-2F04-4BDA-9B23-0F0F2AF73AE0}" type="slidenum">
+              <a:rPr lang="en-IN" smtClean="0"/>
+              <a:t>‹#›</a:t>
+            </a:fld>
+            <a:endParaRPr lang="en-IN"/>
+          </a:p>
+        </p:txBody>
+      </p:sp>
+    </p:spTree>
+    <p:extLst>
+      <p:ext uri="{BB962C8B-B14F-4D97-AF65-F5344CB8AC3E}">
+        <p14:creationId xmlns:p14="http://schemas.microsoft.com/office/powerpoint/2010/main" val="111952793"/>
+      </p:ext>
+    </p:extLst>
+  </p:cSld>
+  <p:clrMapOvr>
+    <a:masterClrMapping/>
+  </p:clrMapOvr>
+</p:sldLayout>
+</file>
+
+<file path=ppt/slideLayouts/slideLayout13.xml><?xml version="1.0" encoding="utf-8"?>
+<p:sldLayout xmlns:a="http://schemas.openxmlformats.org/drawingml/2006/main" xmlns:r="http://schemas.openxmlformats.org/officeDocument/2006/relationships" xmlns:p="http://schemas.openxmlformats.org/presentationml/2006/main" type="obj" preserve="1">
+  <p:cSld name="Title and Content">
+    <p:spTree>
+      <p:nvGrpSpPr>
+        <p:cNvPr id="1" name=""/>
+        <p:cNvGrpSpPr/>
+        <p:nvPr/>
+      </p:nvGrpSpPr>
+      <p:grpSpPr>
+        <a:xfrm>
+          <a:off x="0" y="0"/>
+          <a:ext cx="0" cy="0"/>
+          <a:chOff x="0" y="0"/>
+          <a:chExt cx="0" cy="0"/>
+        </a:xfrm>
+      </p:grpSpPr>
+      <p:sp>
+        <p:nvSpPr>
+          <p:cNvPr id="2" name="Title 1"/>
+          <p:cNvSpPr>
+            <a:spLocks noGrp="1"/>
+          </p:cNvSpPr>
+          <p:nvPr>
+            <p:ph type="title"/>
+          </p:nvPr>
+        </p:nvSpPr>
+        <p:spPr/>
+        <p:txBody>
+          <a:bodyPr/>
+          <a:lstStyle/>
+          <a:p>
+            <a:r>
+              <a:rPr lang="en-US" smtClean="0"/>
+              <a:t>Click to edit Master title style</a:t>
+            </a:r>
+            <a:endParaRPr lang="en-US" dirty="0"/>
+          </a:p>
+        </p:txBody>
+      </p:sp>
+      <p:sp>
+        <p:nvSpPr>
+          <p:cNvPr id="3" name="Content Placeholder 2"/>
+          <p:cNvSpPr>
+            <a:spLocks noGrp="1"/>
+          </p:cNvSpPr>
+          <p:nvPr>
+            <p:ph idx="1"/>
+          </p:nvPr>
+        </p:nvSpPr>
+        <p:spPr/>
+        <p:txBody>
+          <a:bodyPr anchor="ctr"/>
+          <a:lstStyle/>
+          <a:p>
+            <a:pPr lvl="0"/>
+            <a:r>
+              <a:rPr lang="en-US" smtClean="0"/>
+              <a:t>Edit Master text styles</a:t>
+            </a:r>
+          </a:p>
+          <a:p>
+            <a:pPr lvl="1"/>
+            <a:r>
+              <a:rPr lang="en-US" smtClean="0"/>
+              <a:t>Second level</a:t>
+            </a:r>
+          </a:p>
+          <a:p>
+            <a:pPr lvl="2"/>
+            <a:r>
+              <a:rPr lang="en-US" smtClean="0"/>
+              <a:t>Third level</a:t>
+            </a:r>
+          </a:p>
+          <a:p>
+            <a:pPr lvl="3"/>
+            <a:r>
+              <a:rPr lang="en-US" smtClean="0"/>
+              <a:t>Fourth level</a:t>
+            </a:r>
+          </a:p>
+          <a:p>
+            <a:pPr lvl="4"/>
+            <a:r>
+              <a:rPr lang="en-US" smtClean="0"/>
+              <a:t>Fifth level</a:t>
+            </a:r>
+            <a:endParaRPr lang="en-US" dirty="0"/>
+          </a:p>
+        </p:txBody>
+      </p:sp>
+      <p:sp>
+        <p:nvSpPr>
+          <p:cNvPr id="4" name="Date Placeholder 3"/>
+          <p:cNvSpPr>
+            <a:spLocks noGrp="1"/>
+          </p:cNvSpPr>
+          <p:nvPr>
+            <p:ph type="dt" sz="half" idx="10"/>
+          </p:nvPr>
+        </p:nvSpPr>
+        <p:spPr/>
+        <p:txBody>
+          <a:bodyPr/>
+          <a:lstStyle/>
+          <a:p>
+            <a:fld id="{BF1F22D6-1FD5-4F0B-A69E-C6566BAAF5BA}" type="datetimeFigureOut">
+              <a:rPr lang="en-IN" smtClean="0"/>
+              <a:t>23-03-2022</a:t>
+            </a:fld>
+            <a:endParaRPr lang="en-IN"/>
+          </a:p>
+        </p:txBody>
+      </p:sp>
+      <p:sp>
+        <p:nvSpPr>
+          <p:cNvPr id="5" name="Footer Placeholder 4"/>
+          <p:cNvSpPr>
+            <a:spLocks noGrp="1"/>
+          </p:cNvSpPr>
+          <p:nvPr>
+            <p:ph type="ftr" sz="quarter" idx="11"/>
+          </p:nvPr>
+        </p:nvSpPr>
+        <p:spPr/>
+        <p:txBody>
+          <a:bodyPr/>
+          <a:lstStyle/>
+          <a:p>
+            <a:endParaRPr lang="en-IN"/>
+          </a:p>
+        </p:txBody>
+      </p:sp>
+      <p:sp>
+        <p:nvSpPr>
+          <p:cNvPr id="6" name="Slide Number Placeholder 5"/>
+          <p:cNvSpPr>
+            <a:spLocks noGrp="1"/>
+          </p:cNvSpPr>
+          <p:nvPr>
+            <p:ph type="sldNum" sz="quarter" idx="12"/>
+          </p:nvPr>
+        </p:nvSpPr>
+        <p:spPr/>
+        <p:txBody>
+          <a:bodyPr/>
+          <a:lstStyle/>
+          <a:p>
+            <a:fld id="{49E5A28C-2F04-4BDA-9B23-0F0F2AF73AE0}" type="slidenum">
+              <a:rPr lang="en-IN" smtClean="0"/>
+              <a:t>‹#›</a:t>
+            </a:fld>
+            <a:endParaRPr lang="en-IN"/>
+          </a:p>
+        </p:txBody>
+      </p:sp>
+    </p:spTree>
+    <p:extLst>
+      <p:ext uri="{BB962C8B-B14F-4D97-AF65-F5344CB8AC3E}">
+        <p14:creationId xmlns:p14="http://schemas.microsoft.com/office/powerpoint/2010/main" val="3326451266"/>
+      </p:ext>
+    </p:extLst>
+  </p:cSld>
+  <p:clrMapOvr>
+    <a:masterClrMapping/>
+  </p:clrMapOvr>
+</p:sldLayout>
+</file>
+
+<file path=ppt/slideLayouts/slideLayout14.xml><?xml version="1.0" encoding="utf-8"?>
+<p:sldLayout xmlns:a="http://schemas.openxmlformats.org/drawingml/2006/main" xmlns:r="http://schemas.openxmlformats.org/officeDocument/2006/relationships" xmlns:p="http://schemas.openxmlformats.org/presentationml/2006/main" type="secHead" preserve="1">
+  <p:cSld name="Section Header">
+    <p:spTree>
+      <p:nvGrpSpPr>
+        <p:cNvPr id="1" name=""/>
+        <p:cNvGrpSpPr/>
+        <p:nvPr/>
+      </p:nvGrpSpPr>
+      <p:grpSpPr>
+        <a:xfrm>
+          <a:off x="0" y="0"/>
+          <a:ext cx="0" cy="0"/>
+          <a:chOff x="0" y="0"/>
+          <a:chExt cx="0" cy="0"/>
+        </a:xfrm>
+      </p:grpSpPr>
+      <p:sp>
+        <p:nvSpPr>
+          <p:cNvPr id="2" name="Title 1"/>
+          <p:cNvSpPr>
+            <a:spLocks noGrp="1"/>
+          </p:cNvSpPr>
+          <p:nvPr>
+            <p:ph type="title"/>
+          </p:nvPr>
+        </p:nvSpPr>
+        <p:spPr>
+          <a:xfrm>
+            <a:off x="614485" y="4906048"/>
+            <a:ext cx="5632880" cy="2734958"/>
+          </a:xfrm>
+        </p:spPr>
+        <p:txBody>
+          <a:bodyPr anchor="b">
+            <a:normAutofit/>
+          </a:bodyPr>
+          <a:lstStyle>
+            <a:lvl1pPr algn="r">
+              <a:defRPr sz="2100" b="0" cap="all"/>
+            </a:lvl1pPr>
+          </a:lstStyle>
+          <a:p>
+            <a:r>
+              <a:rPr lang="en-US" smtClean="0"/>
+              <a:t>Click to edit Master title style</a:t>
+            </a:r>
+            <a:endParaRPr lang="en-US" dirty="0"/>
+          </a:p>
+        </p:txBody>
+      </p:sp>
+      <p:sp>
+        <p:nvSpPr>
+          <p:cNvPr id="3" name="Text Placeholder 2"/>
+          <p:cNvSpPr>
+            <a:spLocks noGrp="1"/>
+          </p:cNvSpPr>
+          <p:nvPr>
+            <p:ph type="body" idx="1"/>
+          </p:nvPr>
+        </p:nvSpPr>
+        <p:spPr>
+          <a:xfrm>
+            <a:off x="614485" y="7655715"/>
+            <a:ext cx="5632880" cy="1497375"/>
+          </a:xfrm>
+        </p:spPr>
+        <p:txBody>
+          <a:bodyPr anchor="t">
+            <a:normAutofit/>
+          </a:bodyPr>
+          <a:lstStyle>
+            <a:lvl1pPr marL="0" indent="0" algn="r">
+              <a:buNone/>
+              <a:defRPr sz="1350">
+                <a:gradFill flip="none" rotWithShape="1">
+                  <a:gsLst>
+                    <a:gs pos="0">
+                      <a:schemeClr val="tx1"/>
+                    </a:gs>
+                    <a:gs pos="100000">
+                      <a:schemeClr val="tx1">
+                        <a:lumMod val="75000"/>
+                      </a:schemeClr>
+                    </a:gs>
+                  </a:gsLst>
+                  <a:lin ang="5400000" scaled="0"/>
+                  <a:tileRect/>
+                </a:gradFill>
+              </a:defRPr>
+            </a:lvl1pPr>
+            <a:lvl2pPr marL="342900" indent="0">
+              <a:buNone/>
+              <a:defRPr sz="1350">
+                <a:solidFill>
+                  <a:schemeClr val="tx1">
+                    <a:tint val="75000"/>
+                  </a:schemeClr>
+                </a:solidFill>
+              </a:defRPr>
+            </a:lvl2pPr>
+            <a:lvl3pPr marL="685800" indent="0">
+              <a:buNone/>
+              <a:defRPr sz="1200">
+                <a:solidFill>
+                  <a:schemeClr val="tx1">
+                    <a:tint val="75000"/>
+                  </a:schemeClr>
+                </a:solidFill>
+              </a:defRPr>
+            </a:lvl3pPr>
+            <a:lvl4pPr marL="1028700" indent="0">
+              <a:buNone/>
+              <a:defRPr sz="1050">
+                <a:solidFill>
+                  <a:schemeClr val="tx1">
+                    <a:tint val="75000"/>
+                  </a:schemeClr>
+                </a:solidFill>
+              </a:defRPr>
+            </a:lvl4pPr>
+            <a:lvl5pPr marL="1371600" indent="0">
+              <a:buNone/>
+              <a:defRPr sz="1050">
+                <a:solidFill>
+                  <a:schemeClr val="tx1">
+                    <a:tint val="75000"/>
+                  </a:schemeClr>
+                </a:solidFill>
+              </a:defRPr>
+            </a:lvl5pPr>
+            <a:lvl6pPr marL="1714500" indent="0">
+              <a:buNone/>
+              <a:defRPr sz="1050">
+                <a:solidFill>
+                  <a:schemeClr val="tx1">
+                    <a:tint val="75000"/>
+                  </a:schemeClr>
+                </a:solidFill>
+              </a:defRPr>
+            </a:lvl6pPr>
+            <a:lvl7pPr marL="2057400" indent="0">
+              <a:buNone/>
+              <a:defRPr sz="1050">
+                <a:solidFill>
+                  <a:schemeClr val="tx1">
+                    <a:tint val="75000"/>
+                  </a:schemeClr>
+                </a:solidFill>
+              </a:defRPr>
+            </a:lvl7pPr>
+            <a:lvl8pPr marL="2400300" indent="0">
+              <a:buNone/>
+              <a:defRPr sz="1050">
+                <a:solidFill>
+                  <a:schemeClr val="tx1">
+                    <a:tint val="75000"/>
+                  </a:schemeClr>
+                </a:solidFill>
+              </a:defRPr>
+            </a:lvl8pPr>
+            <a:lvl9pPr marL="2743200" indent="0">
+              <a:buNone/>
+              <a:defRPr sz="1050">
+                <a:solidFill>
+                  <a:schemeClr val="tx1">
+                    <a:tint val="75000"/>
+                  </a:schemeClr>
+                </a:solidFill>
+              </a:defRPr>
+            </a:lvl9pPr>
+          </a:lstStyle>
+          <a:p>
+            <a:pPr lvl="0"/>
+            <a:r>
+              <a:rPr lang="en-US" smtClean="0"/>
+              <a:t>Edit Master text styles</a:t>
+            </a:r>
+          </a:p>
+        </p:txBody>
+      </p:sp>
+      <p:sp>
+        <p:nvSpPr>
+          <p:cNvPr id="4" name="Date Placeholder 3"/>
+          <p:cNvSpPr>
+            <a:spLocks noGrp="1"/>
+          </p:cNvSpPr>
+          <p:nvPr>
+            <p:ph type="dt" sz="half" idx="10"/>
+          </p:nvPr>
+        </p:nvSpPr>
+        <p:spPr/>
+        <p:txBody>
+          <a:bodyPr/>
+          <a:lstStyle/>
+          <a:p>
+            <a:fld id="{BF1F22D6-1FD5-4F0B-A69E-C6566BAAF5BA}" type="datetimeFigureOut">
+              <a:rPr lang="en-IN" smtClean="0"/>
+              <a:t>23-03-2022</a:t>
+            </a:fld>
+            <a:endParaRPr lang="en-IN"/>
+          </a:p>
+        </p:txBody>
+      </p:sp>
+      <p:sp>
+        <p:nvSpPr>
+          <p:cNvPr id="5" name="Footer Placeholder 4"/>
+          <p:cNvSpPr>
+            <a:spLocks noGrp="1"/>
+          </p:cNvSpPr>
+          <p:nvPr>
+            <p:ph type="ftr" sz="quarter" idx="11"/>
+          </p:nvPr>
+        </p:nvSpPr>
+        <p:spPr/>
+        <p:txBody>
+          <a:bodyPr/>
+          <a:lstStyle/>
+          <a:p>
+            <a:endParaRPr lang="en-IN"/>
+          </a:p>
+        </p:txBody>
+      </p:sp>
+      <p:sp>
+        <p:nvSpPr>
+          <p:cNvPr id="6" name="Slide Number Placeholder 5"/>
+          <p:cNvSpPr>
+            <a:spLocks noGrp="1"/>
+          </p:cNvSpPr>
+          <p:nvPr>
+            <p:ph type="sldNum" sz="quarter" idx="12"/>
+          </p:nvPr>
+        </p:nvSpPr>
+        <p:spPr/>
+        <p:txBody>
+          <a:bodyPr/>
+          <a:lstStyle/>
+          <a:p>
+            <a:fld id="{49E5A28C-2F04-4BDA-9B23-0F0F2AF73AE0}" type="slidenum">
+              <a:rPr lang="en-IN" smtClean="0"/>
+              <a:t>‹#›</a:t>
+            </a:fld>
+            <a:endParaRPr lang="en-IN"/>
+          </a:p>
+        </p:txBody>
+      </p:sp>
+    </p:spTree>
+    <p:extLst>
+      <p:ext uri="{BB962C8B-B14F-4D97-AF65-F5344CB8AC3E}">
+        <p14:creationId xmlns:p14="http://schemas.microsoft.com/office/powerpoint/2010/main" val="793042597"/>
+      </p:ext>
+    </p:extLst>
+  </p:cSld>
+  <p:clrMapOvr>
+    <a:masterClrMapping/>
+  </p:clrMapOvr>
+</p:sldLayout>
+</file>
+
+<file path=ppt/slideLayouts/slideLayout15.xml><?xml version="1.0" encoding="utf-8"?>
+<p:sldLayout xmlns:a="http://schemas.openxmlformats.org/drawingml/2006/main" xmlns:r="http://schemas.openxmlformats.org/officeDocument/2006/relationships" xmlns:p="http://schemas.openxmlformats.org/presentationml/2006/main" type="twoObj" preserve="1">
+  <p:cSld name="Two Content">
+    <p:spTree>
+      <p:nvGrpSpPr>
+        <p:cNvPr id="1" name=""/>
+        <p:cNvGrpSpPr/>
+        <p:nvPr/>
+      </p:nvGrpSpPr>
+      <p:grpSpPr>
+        <a:xfrm>
+          <a:off x="0" y="0"/>
+          <a:ext cx="0" cy="0"/>
+          <a:chOff x="0" y="0"/>
+          <a:chExt cx="0" cy="0"/>
+        </a:xfrm>
+      </p:grpSpPr>
+      <p:sp>
+        <p:nvSpPr>
+          <p:cNvPr id="2" name="Title 1"/>
+          <p:cNvSpPr>
+            <a:spLocks noGrp="1"/>
+          </p:cNvSpPr>
+          <p:nvPr>
+            <p:ph type="title"/>
+          </p:nvPr>
+        </p:nvSpPr>
+        <p:spPr/>
+        <p:txBody>
+          <a:bodyPr/>
+          <a:lstStyle/>
+          <a:p>
+            <a:r>
+              <a:rPr lang="en-US" smtClean="0"/>
+              <a:t>Click to edit Master title style</a:t>
+            </a:r>
+            <a:endParaRPr lang="en-US" dirty="0"/>
+          </a:p>
+        </p:txBody>
+      </p:sp>
+      <p:sp>
+        <p:nvSpPr>
+          <p:cNvPr id="3" name="Content Placeholder 2"/>
+          <p:cNvSpPr>
+            <a:spLocks noGrp="1"/>
+          </p:cNvSpPr>
+          <p:nvPr>
+            <p:ph sz="half" idx="1"/>
+          </p:nvPr>
+        </p:nvSpPr>
+        <p:spPr>
+          <a:xfrm>
+            <a:off x="613761" y="3091348"/>
+            <a:ext cx="2763805" cy="6046997"/>
+          </a:xfrm>
+        </p:spPr>
+        <p:txBody>
+          <a:bodyPr>
+            <a:normAutofit/>
+          </a:bodyPr>
+          <a:lstStyle>
+            <a:lvl1pPr>
+              <a:defRPr sz="1200"/>
+            </a:lvl1pPr>
+            <a:lvl2pPr>
+              <a:defRPr sz="1050"/>
+            </a:lvl2pPr>
+            <a:lvl3pPr>
+              <a:defRPr sz="900"/>
+            </a:lvl3pPr>
+            <a:lvl4pPr>
+              <a:defRPr sz="825"/>
+            </a:lvl4pPr>
+            <a:lvl5pPr>
+              <a:defRPr sz="825"/>
+            </a:lvl5pPr>
+            <a:lvl6pPr>
+              <a:defRPr sz="825"/>
+            </a:lvl6pPr>
+            <a:lvl7pPr>
+              <a:defRPr sz="825"/>
+            </a:lvl7pPr>
+            <a:lvl8pPr>
+              <a:defRPr sz="825"/>
+            </a:lvl8pPr>
+            <a:lvl9pPr>
+              <a:defRPr sz="825"/>
+            </a:lvl9pPr>
+          </a:lstStyle>
+          <a:p>
+            <a:pPr lvl="0"/>
+            <a:r>
+              <a:rPr lang="en-US" smtClean="0"/>
+              <a:t>Edit Master text styles</a:t>
+            </a:r>
+          </a:p>
+          <a:p>
+            <a:pPr lvl="1"/>
+            <a:r>
+              <a:rPr lang="en-US" smtClean="0"/>
+              <a:t>Second level</a:t>
+            </a:r>
+          </a:p>
+          <a:p>
+            <a:pPr lvl="2"/>
+            <a:r>
+              <a:rPr lang="en-US" smtClean="0"/>
+              <a:t>Third level</a:t>
+            </a:r>
+          </a:p>
+          <a:p>
+            <a:pPr lvl="3"/>
+            <a:r>
+              <a:rPr lang="en-US" smtClean="0"/>
+              <a:t>Fourth level</a:t>
+            </a:r>
+          </a:p>
+          <a:p>
+            <a:pPr lvl="4"/>
+            <a:r>
+              <a:rPr lang="en-US" smtClean="0"/>
+              <a:t>Fifth level</a:t>
+            </a:r>
+            <a:endParaRPr lang="en-US" dirty="0"/>
+          </a:p>
+        </p:txBody>
+      </p:sp>
+      <p:sp>
+        <p:nvSpPr>
+          <p:cNvPr id="4" name="Content Placeholder 3"/>
+          <p:cNvSpPr>
+            <a:spLocks noGrp="1"/>
+          </p:cNvSpPr>
+          <p:nvPr>
+            <p:ph sz="half" idx="2"/>
+          </p:nvPr>
+        </p:nvSpPr>
+        <p:spPr>
+          <a:xfrm>
+            <a:off x="3480436" y="3091347"/>
+            <a:ext cx="2766929" cy="6046995"/>
+          </a:xfrm>
+        </p:spPr>
+        <p:txBody>
+          <a:bodyPr>
+            <a:normAutofit/>
+          </a:bodyPr>
+          <a:lstStyle>
+            <a:lvl1pPr>
+              <a:defRPr sz="1200"/>
+            </a:lvl1pPr>
+            <a:lvl2pPr>
+              <a:defRPr sz="1050"/>
+            </a:lvl2pPr>
+            <a:lvl3pPr>
+              <a:defRPr sz="900"/>
+            </a:lvl3pPr>
+            <a:lvl4pPr>
+              <a:defRPr sz="825"/>
+            </a:lvl4pPr>
+            <a:lvl5pPr>
+              <a:defRPr sz="825"/>
+            </a:lvl5pPr>
+            <a:lvl6pPr>
+              <a:defRPr sz="825"/>
+            </a:lvl6pPr>
+            <a:lvl7pPr>
+              <a:defRPr sz="825"/>
+            </a:lvl7pPr>
+            <a:lvl8pPr>
+              <a:defRPr sz="825"/>
+            </a:lvl8pPr>
+            <a:lvl9pPr>
+              <a:defRPr sz="825"/>
+            </a:lvl9pPr>
+          </a:lstStyle>
+          <a:p>
+            <a:pPr lvl="0"/>
+            <a:r>
+              <a:rPr lang="en-US" smtClean="0"/>
+              <a:t>Edit Master text styles</a:t>
+            </a:r>
+          </a:p>
+          <a:p>
+            <a:pPr lvl="1"/>
+            <a:r>
+              <a:rPr lang="en-US" smtClean="0"/>
+              <a:t>Second level</a:t>
+            </a:r>
+          </a:p>
+          <a:p>
+            <a:pPr lvl="2"/>
+            <a:r>
+              <a:rPr lang="en-US" smtClean="0"/>
+              <a:t>Third level</a:t>
+            </a:r>
+          </a:p>
+          <a:p>
+            <a:pPr lvl="3"/>
+            <a:r>
+              <a:rPr lang="en-US" smtClean="0"/>
+              <a:t>Fourth level</a:t>
+            </a:r>
+          </a:p>
+          <a:p>
+            <a:pPr lvl="4"/>
+            <a:r>
+              <a:rPr lang="en-US" smtClean="0"/>
+              <a:t>Fifth level</a:t>
+            </a:r>
+            <a:endParaRPr lang="en-US" dirty="0"/>
+          </a:p>
+        </p:txBody>
+      </p:sp>
+      <p:sp>
+        <p:nvSpPr>
+          <p:cNvPr id="5" name="Date Placeholder 4"/>
+          <p:cNvSpPr>
+            <a:spLocks noGrp="1"/>
+          </p:cNvSpPr>
+          <p:nvPr>
+            <p:ph type="dt" sz="half" idx="10"/>
+          </p:nvPr>
+        </p:nvSpPr>
+        <p:spPr/>
+        <p:txBody>
+          <a:bodyPr/>
+          <a:lstStyle/>
+          <a:p>
+            <a:fld id="{BF1F22D6-1FD5-4F0B-A69E-C6566BAAF5BA}" type="datetimeFigureOut">
+              <a:rPr lang="en-IN" smtClean="0"/>
+              <a:t>23-03-2022</a:t>
+            </a:fld>
+            <a:endParaRPr lang="en-IN"/>
+          </a:p>
+        </p:txBody>
+      </p:sp>
+      <p:sp>
+        <p:nvSpPr>
+          <p:cNvPr id="6" name="Footer Placeholder 5"/>
+          <p:cNvSpPr>
+            <a:spLocks noGrp="1"/>
+          </p:cNvSpPr>
+          <p:nvPr>
+            <p:ph type="ftr" sz="quarter" idx="11"/>
+          </p:nvPr>
+        </p:nvSpPr>
+        <p:spPr/>
+        <p:txBody>
+          <a:bodyPr/>
+          <a:lstStyle/>
+          <a:p>
+            <a:endParaRPr lang="en-IN"/>
+          </a:p>
+        </p:txBody>
+      </p:sp>
+      <p:sp>
+        <p:nvSpPr>
+          <p:cNvPr id="7" name="Slide Number Placeholder 6"/>
+          <p:cNvSpPr>
+            <a:spLocks noGrp="1"/>
+          </p:cNvSpPr>
+          <p:nvPr>
+            <p:ph type="sldNum" sz="quarter" idx="12"/>
+          </p:nvPr>
+        </p:nvSpPr>
+        <p:spPr/>
+        <p:txBody>
+          <a:bodyPr/>
+          <a:lstStyle/>
+          <a:p>
+            <a:fld id="{49E5A28C-2F04-4BDA-9B23-0F0F2AF73AE0}" type="slidenum">
+              <a:rPr lang="en-IN" smtClean="0"/>
+              <a:t>‹#›</a:t>
+            </a:fld>
+            <a:endParaRPr lang="en-IN"/>
+          </a:p>
+        </p:txBody>
+      </p:sp>
+    </p:spTree>
+    <p:extLst>
+      <p:ext uri="{BB962C8B-B14F-4D97-AF65-F5344CB8AC3E}">
+        <p14:creationId xmlns:p14="http://schemas.microsoft.com/office/powerpoint/2010/main" val="2890890327"/>
+      </p:ext>
+    </p:extLst>
+  </p:cSld>
+  <p:clrMapOvr>
+    <a:masterClrMapping/>
+  </p:clrMapOvr>
+</p:sldLayout>
+</file>
+
+<file path=ppt/slideLayouts/slideLayout16.xml><?xml version="1.0" encoding="utf-8"?>
+<p:sldLayout xmlns:a="http://schemas.openxmlformats.org/drawingml/2006/main" xmlns:r="http://schemas.openxmlformats.org/officeDocument/2006/relationships" xmlns:p="http://schemas.openxmlformats.org/presentationml/2006/main" type="twoTxTwoObj" preserve="1">
+  <p:cSld name="Comparison">
+    <p:spTree>
+      <p:nvGrpSpPr>
+        <p:cNvPr id="1" name=""/>
+        <p:cNvGrpSpPr/>
+        <p:nvPr/>
+      </p:nvGrpSpPr>
+      <p:grpSpPr>
+        <a:xfrm>
+          <a:off x="0" y="0"/>
+          <a:ext cx="0" cy="0"/>
+          <a:chOff x="0" y="0"/>
+          <a:chExt cx="0" cy="0"/>
+        </a:xfrm>
+      </p:grpSpPr>
+      <p:sp>
+        <p:nvSpPr>
+          <p:cNvPr id="2" name="Title 1"/>
+          <p:cNvSpPr>
+            <a:spLocks noGrp="1"/>
+          </p:cNvSpPr>
+          <p:nvPr>
+            <p:ph type="title"/>
+          </p:nvPr>
+        </p:nvSpPr>
+        <p:spPr/>
+        <p:txBody>
+          <a:bodyPr/>
+          <a:lstStyle>
+            <a:lvl1pPr>
+              <a:defRPr/>
+            </a:lvl1pPr>
+          </a:lstStyle>
+          <a:p>
+            <a:r>
+              <a:rPr lang="en-US" smtClean="0"/>
+              <a:t>Click to edit Master title style</a:t>
+            </a:r>
+            <a:endParaRPr lang="en-US" dirty="0"/>
+          </a:p>
+        </p:txBody>
+      </p:sp>
+      <p:sp>
+        <p:nvSpPr>
+          <p:cNvPr id="3" name="Text Placeholder 2"/>
+          <p:cNvSpPr>
+            <a:spLocks noGrp="1"/>
+          </p:cNvSpPr>
+          <p:nvPr>
+            <p:ph type="body" idx="1"/>
+          </p:nvPr>
+        </p:nvSpPr>
+        <p:spPr>
+          <a:xfrm>
+            <a:off x="829730" y="3091347"/>
+            <a:ext cx="2547835" cy="1100394"/>
+          </a:xfrm>
+        </p:spPr>
+        <p:txBody>
+          <a:bodyPr anchor="b">
+            <a:noAutofit/>
+          </a:bodyPr>
+          <a:lstStyle>
+            <a:lvl1pPr marL="0" indent="0">
+              <a:buNone/>
+              <a:defRPr sz="1650" b="0"/>
+            </a:lvl1pPr>
+            <a:lvl2pPr marL="342900" indent="0">
+              <a:buNone/>
+              <a:defRPr sz="1500" b="1"/>
+            </a:lvl2pPr>
+            <a:lvl3pPr marL="685800" indent="0">
+              <a:buNone/>
+              <a:defRPr sz="1350" b="1"/>
+            </a:lvl3pPr>
+            <a:lvl4pPr marL="1028700" indent="0">
+              <a:buNone/>
+              <a:defRPr sz="1200" b="1"/>
+            </a:lvl4pPr>
+            <a:lvl5pPr marL="1371600" indent="0">
+              <a:buNone/>
+              <a:defRPr sz="1200" b="1"/>
+            </a:lvl5pPr>
+            <a:lvl6pPr marL="1714500" indent="0">
+              <a:buNone/>
+              <a:defRPr sz="1200" b="1"/>
+            </a:lvl6pPr>
+            <a:lvl7pPr marL="2057400" indent="0">
+              <a:buNone/>
+              <a:defRPr sz="1200" b="1"/>
+            </a:lvl7pPr>
+            <a:lvl8pPr marL="2400300" indent="0">
+              <a:buNone/>
+              <a:defRPr sz="1200" b="1"/>
+            </a:lvl8pPr>
+            <a:lvl9pPr marL="2743200" indent="0">
+              <a:buNone/>
+              <a:defRPr sz="1200" b="1"/>
+            </a:lvl9pPr>
+          </a:lstStyle>
+          <a:p>
+            <a:pPr lvl="0"/>
+            <a:r>
+              <a:rPr lang="en-US" smtClean="0"/>
+              <a:t>Edit Master text styles</a:t>
+            </a:r>
+          </a:p>
+        </p:txBody>
+      </p:sp>
+      <p:sp>
+        <p:nvSpPr>
+          <p:cNvPr id="4" name="Content Placeholder 3"/>
+          <p:cNvSpPr>
+            <a:spLocks noGrp="1"/>
+          </p:cNvSpPr>
+          <p:nvPr>
+            <p:ph sz="half" idx="2"/>
+          </p:nvPr>
+        </p:nvSpPr>
+        <p:spPr>
+          <a:xfrm>
+            <a:off x="613761" y="4179041"/>
+            <a:ext cx="2763805" cy="4974050"/>
+          </a:xfrm>
+        </p:spPr>
+        <p:txBody>
+          <a:bodyPr anchor="t">
+            <a:normAutofit/>
+          </a:bodyPr>
+          <a:lstStyle>
+            <a:lvl1pPr>
+              <a:defRPr sz="1200"/>
+            </a:lvl1pPr>
+            <a:lvl2pPr>
+              <a:defRPr sz="1050"/>
+            </a:lvl2pPr>
+            <a:lvl3pPr>
+              <a:defRPr sz="900"/>
+            </a:lvl3pPr>
+            <a:lvl4pPr>
+              <a:defRPr sz="825"/>
+            </a:lvl4pPr>
+            <a:lvl5pPr>
+              <a:defRPr sz="825"/>
+            </a:lvl5pPr>
+            <a:lvl6pPr>
+              <a:defRPr sz="825"/>
+            </a:lvl6pPr>
+            <a:lvl7pPr>
+              <a:defRPr sz="825"/>
+            </a:lvl7pPr>
+            <a:lvl8pPr>
+              <a:defRPr sz="825"/>
+            </a:lvl8pPr>
+            <a:lvl9pPr>
+              <a:defRPr sz="825"/>
+            </a:lvl9pPr>
+          </a:lstStyle>
+          <a:p>
+            <a:pPr lvl="0"/>
+            <a:r>
+              <a:rPr lang="en-US" smtClean="0"/>
+              <a:t>Edit Master text styles</a:t>
+            </a:r>
+          </a:p>
+          <a:p>
+            <a:pPr lvl="1"/>
+            <a:r>
+              <a:rPr lang="en-US" smtClean="0"/>
+              <a:t>Second level</a:t>
+            </a:r>
+          </a:p>
+          <a:p>
+            <a:pPr lvl="2"/>
+            <a:r>
+              <a:rPr lang="en-US" smtClean="0"/>
+              <a:t>Third level</a:t>
+            </a:r>
+          </a:p>
+          <a:p>
+            <a:pPr lvl="3"/>
+            <a:r>
+              <a:rPr lang="en-US" smtClean="0"/>
+              <a:t>Fourth level</a:t>
+            </a:r>
+          </a:p>
+          <a:p>
+            <a:pPr lvl="4"/>
+            <a:r>
+              <a:rPr lang="en-US" smtClean="0"/>
+              <a:t>Fifth level</a:t>
+            </a:r>
+            <a:endParaRPr lang="en-US" dirty="0"/>
+          </a:p>
+        </p:txBody>
+      </p:sp>
+      <p:sp>
+        <p:nvSpPr>
+          <p:cNvPr id="5" name="Text Placeholder 4"/>
+          <p:cNvSpPr>
+            <a:spLocks noGrp="1"/>
+          </p:cNvSpPr>
+          <p:nvPr>
+            <p:ph type="body" sz="quarter" idx="3"/>
+          </p:nvPr>
+        </p:nvSpPr>
+        <p:spPr>
+          <a:xfrm>
+            <a:off x="3682612" y="3091348"/>
+            <a:ext cx="2564753" cy="1087694"/>
+          </a:xfrm>
+        </p:spPr>
+        <p:txBody>
+          <a:bodyPr anchor="b">
+            <a:noAutofit/>
+          </a:bodyPr>
+          <a:lstStyle>
+            <a:lvl1pPr marL="0" indent="0">
+              <a:buNone/>
+              <a:defRPr sz="1650" b="0"/>
+            </a:lvl1pPr>
+            <a:lvl2pPr marL="342900" indent="0">
+              <a:buNone/>
+              <a:defRPr sz="1500" b="1"/>
+            </a:lvl2pPr>
+            <a:lvl3pPr marL="685800" indent="0">
+              <a:buNone/>
+              <a:defRPr sz="1350" b="1"/>
+            </a:lvl3pPr>
+            <a:lvl4pPr marL="1028700" indent="0">
+              <a:buNone/>
+              <a:defRPr sz="1200" b="1"/>
+            </a:lvl4pPr>
+            <a:lvl5pPr marL="1371600" indent="0">
+              <a:buNone/>
+              <a:defRPr sz="1200" b="1"/>
+            </a:lvl5pPr>
+            <a:lvl6pPr marL="1714500" indent="0">
+              <a:buNone/>
+              <a:defRPr sz="1200" b="1"/>
+            </a:lvl6pPr>
+            <a:lvl7pPr marL="2057400" indent="0">
+              <a:buNone/>
+              <a:defRPr sz="1200" b="1"/>
+            </a:lvl7pPr>
+            <a:lvl8pPr marL="2400300" indent="0">
+              <a:buNone/>
+              <a:defRPr sz="1200" b="1"/>
+            </a:lvl8pPr>
+            <a:lvl9pPr marL="2743200" indent="0">
+              <a:buNone/>
+              <a:defRPr sz="1200" b="1"/>
+            </a:lvl9pPr>
+          </a:lstStyle>
+          <a:p>
+            <a:pPr lvl="0"/>
+            <a:r>
+              <a:rPr lang="en-US" smtClean="0"/>
+              <a:t>Edit Master text styles</a:t>
+            </a:r>
+          </a:p>
+        </p:txBody>
+      </p:sp>
+      <p:sp>
+        <p:nvSpPr>
+          <p:cNvPr id="6" name="Content Placeholder 5"/>
+          <p:cNvSpPr>
+            <a:spLocks noGrp="1"/>
+          </p:cNvSpPr>
+          <p:nvPr>
+            <p:ph sz="quarter" idx="4"/>
+          </p:nvPr>
+        </p:nvSpPr>
+        <p:spPr>
+          <a:xfrm>
+            <a:off x="3471874" y="4179041"/>
+            <a:ext cx="2776140" cy="4974050"/>
+          </a:xfrm>
+        </p:spPr>
+        <p:txBody>
+          <a:bodyPr anchor="t">
+            <a:normAutofit/>
+          </a:bodyPr>
+          <a:lstStyle>
+            <a:lvl1pPr>
+              <a:defRPr sz="1200"/>
+            </a:lvl1pPr>
+            <a:lvl2pPr>
+              <a:defRPr sz="1050"/>
+            </a:lvl2pPr>
+            <a:lvl3pPr>
+              <a:defRPr sz="900"/>
+            </a:lvl3pPr>
+            <a:lvl4pPr>
+              <a:defRPr sz="825"/>
+            </a:lvl4pPr>
+            <a:lvl5pPr>
+              <a:defRPr sz="825"/>
+            </a:lvl5pPr>
+            <a:lvl6pPr>
+              <a:defRPr sz="825"/>
+            </a:lvl6pPr>
+            <a:lvl7pPr>
+              <a:defRPr sz="825"/>
+            </a:lvl7pPr>
+            <a:lvl8pPr>
+              <a:defRPr sz="825"/>
+            </a:lvl8pPr>
+            <a:lvl9pPr>
+              <a:defRPr sz="825"/>
+            </a:lvl9pPr>
+          </a:lstStyle>
+          <a:p>
+            <a:pPr lvl="0"/>
+            <a:r>
+              <a:rPr lang="en-US" smtClean="0"/>
+              <a:t>Edit Master text styles</a:t>
+            </a:r>
+          </a:p>
+          <a:p>
+            <a:pPr lvl="1"/>
+            <a:r>
+              <a:rPr lang="en-US" smtClean="0"/>
+              <a:t>Second level</a:t>
+            </a:r>
+          </a:p>
+          <a:p>
+            <a:pPr lvl="2"/>
+            <a:r>
+              <a:rPr lang="en-US" smtClean="0"/>
+              <a:t>Third level</a:t>
+            </a:r>
+          </a:p>
+          <a:p>
+            <a:pPr lvl="3"/>
+            <a:r>
+              <a:rPr lang="en-US" smtClean="0"/>
+              <a:t>Fourth level</a:t>
+            </a:r>
+          </a:p>
+          <a:p>
+            <a:pPr lvl="4"/>
+            <a:r>
+              <a:rPr lang="en-US" smtClean="0"/>
+              <a:t>Fifth level</a:t>
+            </a:r>
+            <a:endParaRPr lang="en-US" dirty="0"/>
+          </a:p>
+        </p:txBody>
+      </p:sp>
+      <p:sp>
+        <p:nvSpPr>
+          <p:cNvPr id="7" name="Date Placeholder 6"/>
+          <p:cNvSpPr>
+            <a:spLocks noGrp="1"/>
+          </p:cNvSpPr>
+          <p:nvPr>
+            <p:ph type="dt" sz="half" idx="10"/>
+          </p:nvPr>
+        </p:nvSpPr>
+        <p:spPr/>
+        <p:txBody>
+          <a:bodyPr/>
+          <a:lstStyle/>
+          <a:p>
+            <a:fld id="{BF1F22D6-1FD5-4F0B-A69E-C6566BAAF5BA}" type="datetimeFigureOut">
+              <a:rPr lang="en-IN" smtClean="0"/>
+              <a:t>23-03-2022</a:t>
+            </a:fld>
+            <a:endParaRPr lang="en-IN"/>
+          </a:p>
+        </p:txBody>
+      </p:sp>
+      <p:sp>
+        <p:nvSpPr>
+          <p:cNvPr id="8" name="Footer Placeholder 7"/>
+          <p:cNvSpPr>
+            <a:spLocks noGrp="1"/>
+          </p:cNvSpPr>
+          <p:nvPr>
+            <p:ph type="ftr" sz="quarter" idx="11"/>
+          </p:nvPr>
+        </p:nvSpPr>
+        <p:spPr/>
+        <p:txBody>
+          <a:bodyPr/>
+          <a:lstStyle/>
+          <a:p>
+            <a:endParaRPr lang="en-IN"/>
+          </a:p>
+        </p:txBody>
+      </p:sp>
+      <p:sp>
+        <p:nvSpPr>
+          <p:cNvPr id="9" name="Slide Number Placeholder 8"/>
+          <p:cNvSpPr>
+            <a:spLocks noGrp="1"/>
+          </p:cNvSpPr>
+          <p:nvPr>
+            <p:ph type="sldNum" sz="quarter" idx="12"/>
+          </p:nvPr>
+        </p:nvSpPr>
+        <p:spPr/>
+        <p:txBody>
+          <a:bodyPr/>
+          <a:lstStyle/>
+          <a:p>
+            <a:fld id="{49E5A28C-2F04-4BDA-9B23-0F0F2AF73AE0}" type="slidenum">
+              <a:rPr lang="en-IN" smtClean="0"/>
+              <a:t>‹#›</a:t>
+            </a:fld>
+            <a:endParaRPr lang="en-IN"/>
+          </a:p>
+        </p:txBody>
+      </p:sp>
+    </p:spTree>
+    <p:extLst>
+      <p:ext uri="{BB962C8B-B14F-4D97-AF65-F5344CB8AC3E}">
+        <p14:creationId xmlns:p14="http://schemas.microsoft.com/office/powerpoint/2010/main" val="1167785324"/>
+      </p:ext>
+    </p:extLst>
+  </p:cSld>
+  <p:clrMapOvr>
+    <a:masterClrMapping/>
+  </p:clrMapOvr>
+</p:sldLayout>
+</file>
+
+<file path=ppt/slideLayouts/slideLayout17.xml><?xml version="1.0" encoding="utf-8"?>
+<p:sldLayout xmlns:a="http://schemas.openxmlformats.org/drawingml/2006/main" xmlns:r="http://schemas.openxmlformats.org/officeDocument/2006/relationships" xmlns:p="http://schemas.openxmlformats.org/presentationml/2006/main" type="titleOnly" preserve="1">
+  <p:cSld name="Title Only">
+    <p:spTree>
+      <p:nvGrpSpPr>
+        <p:cNvPr id="1" name=""/>
+        <p:cNvGrpSpPr/>
+        <p:nvPr/>
+      </p:nvGrpSpPr>
+      <p:grpSpPr>
+        <a:xfrm>
+          <a:off x="0" y="0"/>
+          <a:ext cx="0" cy="0"/>
+          <a:chOff x="0" y="0"/>
+          <a:chExt cx="0" cy="0"/>
+        </a:xfrm>
+      </p:grpSpPr>
+      <p:sp>
+        <p:nvSpPr>
+          <p:cNvPr id="2" name="Title 1"/>
+          <p:cNvSpPr>
+            <a:spLocks noGrp="1"/>
+          </p:cNvSpPr>
+          <p:nvPr>
+            <p:ph type="title"/>
+          </p:nvPr>
+        </p:nvSpPr>
+        <p:spPr/>
+        <p:txBody>
+          <a:bodyPr>
+            <a:normAutofit/>
+          </a:bodyPr>
+          <a:lstStyle>
+            <a:lvl1pPr>
+              <a:defRPr sz="1950"/>
+            </a:lvl1pPr>
+          </a:lstStyle>
+          <a:p>
+            <a:r>
+              <a:rPr lang="en-US" smtClean="0"/>
+              <a:t>Click to edit Master title style</a:t>
+            </a:r>
+            <a:endParaRPr lang="en-US" dirty="0"/>
+          </a:p>
+        </p:txBody>
+      </p:sp>
+      <p:sp>
+        <p:nvSpPr>
+          <p:cNvPr id="3" name="Date Placeholder 2"/>
+          <p:cNvSpPr>
+            <a:spLocks noGrp="1"/>
+          </p:cNvSpPr>
+          <p:nvPr>
+            <p:ph type="dt" sz="half" idx="10"/>
+          </p:nvPr>
+        </p:nvSpPr>
+        <p:spPr/>
+        <p:txBody>
+          <a:bodyPr/>
+          <a:lstStyle/>
+          <a:p>
+            <a:fld id="{BF1F22D6-1FD5-4F0B-A69E-C6566BAAF5BA}" type="datetimeFigureOut">
+              <a:rPr lang="en-IN" smtClean="0"/>
+              <a:t>23-03-2022</a:t>
+            </a:fld>
+            <a:endParaRPr lang="en-IN"/>
+          </a:p>
+        </p:txBody>
+      </p:sp>
+      <p:sp>
+        <p:nvSpPr>
+          <p:cNvPr id="4" name="Footer Placeholder 3"/>
+          <p:cNvSpPr>
+            <a:spLocks noGrp="1"/>
+          </p:cNvSpPr>
+          <p:nvPr>
+            <p:ph type="ftr" sz="quarter" idx="11"/>
+          </p:nvPr>
+        </p:nvSpPr>
+        <p:spPr/>
+        <p:txBody>
+          <a:bodyPr/>
+          <a:lstStyle/>
+          <a:p>
+            <a:endParaRPr lang="en-IN"/>
+          </a:p>
+        </p:txBody>
+      </p:sp>
+      <p:sp>
+        <p:nvSpPr>
+          <p:cNvPr id="5" name="Slide Number Placeholder 4"/>
+          <p:cNvSpPr>
+            <a:spLocks noGrp="1"/>
+          </p:cNvSpPr>
+          <p:nvPr>
+            <p:ph type="sldNum" sz="quarter" idx="12"/>
+          </p:nvPr>
+        </p:nvSpPr>
+        <p:spPr/>
+        <p:txBody>
+          <a:bodyPr/>
+          <a:lstStyle/>
+          <a:p>
+            <a:fld id="{49E5A28C-2F04-4BDA-9B23-0F0F2AF73AE0}" type="slidenum">
+              <a:rPr lang="en-IN" smtClean="0"/>
+              <a:t>‹#›</a:t>
+            </a:fld>
+            <a:endParaRPr lang="en-IN"/>
+          </a:p>
+        </p:txBody>
+      </p:sp>
+    </p:spTree>
+    <p:extLst>
+      <p:ext uri="{BB962C8B-B14F-4D97-AF65-F5344CB8AC3E}">
+        <p14:creationId xmlns:p14="http://schemas.microsoft.com/office/powerpoint/2010/main" val="2689299146"/>
+      </p:ext>
+    </p:extLst>
+  </p:cSld>
+  <p:clrMapOvr>
+    <a:masterClrMapping/>
+  </p:clrMapOvr>
+</p:sldLayout>
+</file>
+
+<file path=ppt/slideLayouts/slideLayout18.xml><?xml version="1.0" encoding="utf-8"?>
+<p:sldLayout xmlns:a="http://schemas.openxmlformats.org/drawingml/2006/main" xmlns:r="http://schemas.openxmlformats.org/officeDocument/2006/relationships" xmlns:p="http://schemas.openxmlformats.org/presentationml/2006/main" type="blank" preserve="1">
+  <p:cSld name="Blank">
+    <p:spTree>
+      <p:nvGrpSpPr>
+        <p:cNvPr id="1" name=""/>
+        <p:cNvGrpSpPr/>
+        <p:nvPr/>
+      </p:nvGrpSpPr>
+      <p:grpSpPr>
+        <a:xfrm>
+          <a:off x="0" y="0"/>
+          <a:ext cx="0" cy="0"/>
+          <a:chOff x="0" y="0"/>
+          <a:chExt cx="0" cy="0"/>
+        </a:xfrm>
+      </p:grpSpPr>
+      <p:sp>
+        <p:nvSpPr>
+          <p:cNvPr id="2" name="Date Placeholder 1"/>
+          <p:cNvSpPr>
+            <a:spLocks noGrp="1"/>
+          </p:cNvSpPr>
+          <p:nvPr>
+            <p:ph type="dt" sz="half" idx="10"/>
+          </p:nvPr>
+        </p:nvSpPr>
+        <p:spPr/>
+        <p:txBody>
+          <a:bodyPr/>
+          <a:lstStyle/>
+          <a:p>
+            <a:fld id="{BF1F22D6-1FD5-4F0B-A69E-C6566BAAF5BA}" type="datetimeFigureOut">
+              <a:rPr lang="en-IN" smtClean="0"/>
+              <a:t>23-03-2022</a:t>
+            </a:fld>
+            <a:endParaRPr lang="en-IN"/>
+          </a:p>
+        </p:txBody>
+      </p:sp>
+      <p:sp>
+        <p:nvSpPr>
+          <p:cNvPr id="3" name="Footer Placeholder 2"/>
+          <p:cNvSpPr>
+            <a:spLocks noGrp="1"/>
+          </p:cNvSpPr>
+          <p:nvPr>
+            <p:ph type="ftr" sz="quarter" idx="11"/>
+          </p:nvPr>
+        </p:nvSpPr>
+        <p:spPr/>
+        <p:txBody>
+          <a:bodyPr/>
+          <a:lstStyle/>
+          <a:p>
+            <a:endParaRPr lang="en-IN"/>
+          </a:p>
+        </p:txBody>
+      </p:sp>
+      <p:sp>
+        <p:nvSpPr>
+          <p:cNvPr id="4" name="Slide Number Placeholder 3"/>
+          <p:cNvSpPr>
+            <a:spLocks noGrp="1"/>
+          </p:cNvSpPr>
+          <p:nvPr>
+            <p:ph type="sldNum" sz="quarter" idx="12"/>
+          </p:nvPr>
+        </p:nvSpPr>
+        <p:spPr/>
+        <p:txBody>
+          <a:bodyPr/>
+          <a:lstStyle/>
+          <a:p>
+            <a:fld id="{49E5A28C-2F04-4BDA-9B23-0F0F2AF73AE0}" type="slidenum">
+              <a:rPr lang="en-IN" smtClean="0"/>
+              <a:t>‹#›</a:t>
+            </a:fld>
+            <a:endParaRPr lang="en-IN"/>
+          </a:p>
+        </p:txBody>
+      </p:sp>
+    </p:spTree>
+    <p:extLst>
+      <p:ext uri="{BB962C8B-B14F-4D97-AF65-F5344CB8AC3E}">
+        <p14:creationId xmlns:p14="http://schemas.microsoft.com/office/powerpoint/2010/main" val="2061037176"/>
+      </p:ext>
+    </p:extLst>
+  </p:cSld>
+  <p:clrMapOvr>
+    <a:masterClrMapping/>
+  </p:clrMapOvr>
+</p:sldLayout>
+</file>
+
+<file path=ppt/slideLayouts/slideLayout19.xml><?xml version="1.0" encoding="utf-8"?>
+<p:sldLayout xmlns:a="http://schemas.openxmlformats.org/drawingml/2006/main" xmlns:r="http://schemas.openxmlformats.org/officeDocument/2006/relationships" xmlns:p="http://schemas.openxmlformats.org/presentationml/2006/main" type="objTx" preserve="1">
+  <p:cSld name="Content with Caption">
+    <p:spTree>
+      <p:nvGrpSpPr>
+        <p:cNvPr id="1" name=""/>
+        <p:cNvGrpSpPr/>
+        <p:nvPr/>
+      </p:nvGrpSpPr>
+      <p:grpSpPr>
+        <a:xfrm>
+          <a:off x="0" y="0"/>
+          <a:ext cx="0" cy="0"/>
+          <a:chOff x="0" y="0"/>
+          <a:chExt cx="0" cy="0"/>
+        </a:xfrm>
+      </p:grpSpPr>
+      <p:sp>
+        <p:nvSpPr>
+          <p:cNvPr id="2" name="Title 1"/>
+          <p:cNvSpPr>
+            <a:spLocks noGrp="1"/>
+          </p:cNvSpPr>
+          <p:nvPr>
+            <p:ph type="title"/>
+          </p:nvPr>
+        </p:nvSpPr>
+        <p:spPr>
+          <a:xfrm>
+            <a:off x="613761" y="2632392"/>
+            <a:ext cx="2047142" cy="2057400"/>
+          </a:xfrm>
+        </p:spPr>
+        <p:txBody>
+          <a:bodyPr anchor="b">
+            <a:normAutofit/>
+          </a:bodyPr>
+          <a:lstStyle>
+            <a:lvl1pPr algn="l">
+              <a:defRPr sz="1650" b="0"/>
+            </a:lvl1pPr>
+          </a:lstStyle>
+          <a:p>
+            <a:r>
+              <a:rPr lang="en-US" smtClean="0"/>
+              <a:t>Click to edit Master title style</a:t>
+            </a:r>
+            <a:endParaRPr lang="en-US" dirty="0"/>
+          </a:p>
+        </p:txBody>
+      </p:sp>
+      <p:sp>
+        <p:nvSpPr>
+          <p:cNvPr id="3" name="Content Placeholder 2"/>
+          <p:cNvSpPr>
+            <a:spLocks noGrp="1"/>
+          </p:cNvSpPr>
+          <p:nvPr>
+            <p:ph idx="1"/>
+          </p:nvPr>
+        </p:nvSpPr>
+        <p:spPr>
+          <a:xfrm>
+            <a:off x="2871642" y="894028"/>
+            <a:ext cx="3375723" cy="8259062"/>
+          </a:xfrm>
+        </p:spPr>
+        <p:txBody>
+          <a:bodyPr anchor="ctr">
+            <a:normAutofit/>
+          </a:bodyPr>
+          <a:lstStyle>
+            <a:lvl1pPr>
+              <a:defRPr sz="1350"/>
+            </a:lvl1pPr>
+            <a:lvl2pPr>
+              <a:defRPr sz="1200"/>
+            </a:lvl2pPr>
+            <a:lvl3pPr>
+              <a:defRPr sz="1050"/>
+            </a:lvl3pPr>
+            <a:lvl4pPr>
+              <a:defRPr sz="900"/>
+            </a:lvl4pPr>
+            <a:lvl5pPr>
+              <a:defRPr sz="825"/>
+            </a:lvl5pPr>
+            <a:lvl6pPr>
+              <a:defRPr sz="825"/>
+            </a:lvl6pPr>
+            <a:lvl7pPr>
+              <a:defRPr sz="825"/>
+            </a:lvl7pPr>
+            <a:lvl8pPr>
+              <a:defRPr sz="825"/>
+            </a:lvl8pPr>
+            <a:lvl9pPr>
+              <a:defRPr sz="825"/>
+            </a:lvl9pPr>
+          </a:lstStyle>
+          <a:p>
+            <a:pPr lvl="0"/>
+            <a:r>
+              <a:rPr lang="en-US" smtClean="0"/>
+              <a:t>Edit Master text styles</a:t>
+            </a:r>
+          </a:p>
+          <a:p>
+            <a:pPr lvl="1"/>
+            <a:r>
+              <a:rPr lang="en-US" smtClean="0"/>
+              <a:t>Second level</a:t>
+            </a:r>
+          </a:p>
+          <a:p>
+            <a:pPr lvl="2"/>
+            <a:r>
+              <a:rPr lang="en-US" smtClean="0"/>
+              <a:t>Third level</a:t>
+            </a:r>
+          </a:p>
+          <a:p>
+            <a:pPr lvl="3"/>
+            <a:r>
+              <a:rPr lang="en-US" smtClean="0"/>
+              <a:t>Fourth level</a:t>
+            </a:r>
+          </a:p>
+          <a:p>
+            <a:pPr lvl="4"/>
+            <a:r>
+              <a:rPr lang="en-US" smtClean="0"/>
+              <a:t>Fifth level</a:t>
+            </a:r>
+            <a:endParaRPr lang="en-US" dirty="0"/>
+          </a:p>
+        </p:txBody>
+      </p:sp>
+      <p:sp>
+        <p:nvSpPr>
+          <p:cNvPr id="4" name="Text Placeholder 3"/>
+          <p:cNvSpPr>
+            <a:spLocks noGrp="1"/>
+          </p:cNvSpPr>
+          <p:nvPr>
+            <p:ph type="body" sz="half" idx="2"/>
+          </p:nvPr>
+        </p:nvSpPr>
+        <p:spPr>
+          <a:xfrm>
+            <a:off x="613761" y="4689792"/>
+            <a:ext cx="2047142" cy="2743200"/>
+          </a:xfrm>
+        </p:spPr>
+        <p:txBody>
+          <a:bodyPr>
+            <a:normAutofit/>
+          </a:bodyPr>
+          <a:lstStyle>
+            <a:lvl1pPr marL="0" indent="0">
+              <a:buNone/>
+              <a:defRPr sz="1200"/>
+            </a:lvl1pPr>
+            <a:lvl2pPr marL="342900" indent="0">
+              <a:buNone/>
+              <a:defRPr sz="900"/>
+            </a:lvl2pPr>
+            <a:lvl3pPr marL="685800" indent="0">
+              <a:buNone/>
+              <a:defRPr sz="750"/>
+            </a:lvl3pPr>
+            <a:lvl4pPr marL="1028700" indent="0">
+              <a:buNone/>
+              <a:defRPr sz="675"/>
+            </a:lvl4pPr>
+            <a:lvl5pPr marL="1371600" indent="0">
+              <a:buNone/>
+              <a:defRPr sz="675"/>
+            </a:lvl5pPr>
+            <a:lvl6pPr marL="1714500" indent="0">
+              <a:buNone/>
+              <a:defRPr sz="675"/>
+            </a:lvl6pPr>
+            <a:lvl7pPr marL="2057400" indent="0">
+              <a:buNone/>
+              <a:defRPr sz="675"/>
+            </a:lvl7pPr>
+            <a:lvl8pPr marL="2400300" indent="0">
+              <a:buNone/>
+              <a:defRPr sz="675"/>
+            </a:lvl8pPr>
+            <a:lvl9pPr marL="2743200" indent="0">
+              <a:buNone/>
+              <a:defRPr sz="675"/>
+            </a:lvl9pPr>
+          </a:lstStyle>
+          <a:p>
+            <a:pPr lvl="0"/>
+            <a:r>
+              <a:rPr lang="en-US" smtClean="0"/>
+              <a:t>Edit Master text styles</a:t>
+            </a:r>
+          </a:p>
+        </p:txBody>
+      </p:sp>
+      <p:sp>
+        <p:nvSpPr>
+          <p:cNvPr id="5" name="Date Placeholder 4"/>
+          <p:cNvSpPr>
+            <a:spLocks noGrp="1"/>
+          </p:cNvSpPr>
+          <p:nvPr>
+            <p:ph type="dt" sz="half" idx="10"/>
+          </p:nvPr>
+        </p:nvSpPr>
+        <p:spPr/>
+        <p:txBody>
+          <a:bodyPr/>
+          <a:lstStyle/>
+          <a:p>
+            <a:fld id="{BF1F22D6-1FD5-4F0B-A69E-C6566BAAF5BA}" type="datetimeFigureOut">
+              <a:rPr lang="en-IN" smtClean="0"/>
+              <a:t>23-03-2022</a:t>
+            </a:fld>
+            <a:endParaRPr lang="en-IN"/>
+          </a:p>
+        </p:txBody>
+      </p:sp>
+      <p:sp>
+        <p:nvSpPr>
+          <p:cNvPr id="6" name="Footer Placeholder 5"/>
+          <p:cNvSpPr>
+            <a:spLocks noGrp="1"/>
+          </p:cNvSpPr>
+          <p:nvPr>
+            <p:ph type="ftr" sz="quarter" idx="11"/>
+          </p:nvPr>
+        </p:nvSpPr>
+        <p:spPr/>
+        <p:txBody>
+          <a:bodyPr/>
+          <a:lstStyle/>
+          <a:p>
+            <a:endParaRPr lang="en-IN"/>
+          </a:p>
+        </p:txBody>
+      </p:sp>
+      <p:sp>
+        <p:nvSpPr>
+          <p:cNvPr id="7" name="Slide Number Placeholder 6"/>
+          <p:cNvSpPr>
+            <a:spLocks noGrp="1"/>
+          </p:cNvSpPr>
+          <p:nvPr>
+            <p:ph type="sldNum" sz="quarter" idx="12"/>
+          </p:nvPr>
+        </p:nvSpPr>
+        <p:spPr/>
+        <p:txBody>
+          <a:bodyPr/>
+          <a:lstStyle/>
+          <a:p>
+            <a:fld id="{49E5A28C-2F04-4BDA-9B23-0F0F2AF73AE0}" type="slidenum">
+              <a:rPr lang="en-IN" smtClean="0"/>
+              <a:t>‹#›</a:t>
+            </a:fld>
+            <a:endParaRPr lang="en-IN"/>
+          </a:p>
+        </p:txBody>
+      </p:sp>
+    </p:spTree>
+    <p:extLst>
+      <p:ext uri="{BB962C8B-B14F-4D97-AF65-F5344CB8AC3E}">
+        <p14:creationId xmlns:p14="http://schemas.microsoft.com/office/powerpoint/2010/main" val="3044851943"/>
+      </p:ext>
+    </p:extLst>
+  </p:cSld>
+  <p:clrMapOvr>
+    <a:masterClrMapping/>
+  </p:clrMapOvr>
+</p:sldLayout>
+</file>
+
 <file path=ppt/slideLayouts/slideLayout2.xml><?xml version="1.0" encoding="utf-8"?>
 <p:sldLayout xmlns:a="http://schemas.openxmlformats.org/drawingml/2006/main" xmlns:r="http://schemas.openxmlformats.org/officeDocument/2006/relationships" xmlns:p="http://schemas.openxmlformats.org/presentationml/2006/main" type="obj" preserve="1">
   <p:cSld name="Title and Content">
@@ -824,6 +2755,2944 @@
     <p:extLst>
       <p:ext uri="{BB962C8B-B14F-4D97-AF65-F5344CB8AC3E}">
         <p14:creationId xmlns:p14="http://schemas.microsoft.com/office/powerpoint/2010/main" val="984256606"/>
+      </p:ext>
+    </p:extLst>
+  </p:cSld>
+  <p:clrMapOvr>
+    <a:masterClrMapping/>
+  </p:clrMapOvr>
+</p:sldLayout>
+</file>
+
+<file path=ppt/slideLayouts/slideLayout20.xml><?xml version="1.0" encoding="utf-8"?>
+<p:sldLayout xmlns:a="http://schemas.openxmlformats.org/drawingml/2006/main" xmlns:r="http://schemas.openxmlformats.org/officeDocument/2006/relationships" xmlns:p="http://schemas.openxmlformats.org/presentationml/2006/main" type="picTx" preserve="1">
+  <p:cSld name="Picture with Caption">
+    <p:spTree>
+      <p:nvGrpSpPr>
+        <p:cNvPr id="1" name=""/>
+        <p:cNvGrpSpPr/>
+        <p:nvPr/>
+      </p:nvGrpSpPr>
+      <p:grpSpPr>
+        <a:xfrm>
+          <a:off x="0" y="0"/>
+          <a:ext cx="0" cy="0"/>
+          <a:chOff x="0" y="0"/>
+          <a:chExt cx="0" cy="0"/>
+        </a:xfrm>
+      </p:grpSpPr>
+      <p:sp>
+        <p:nvSpPr>
+          <p:cNvPr id="2" name="Title 1"/>
+          <p:cNvSpPr>
+            <a:spLocks noGrp="1"/>
+          </p:cNvSpPr>
+          <p:nvPr>
+            <p:ph type="title"/>
+          </p:nvPr>
+        </p:nvSpPr>
+        <p:spPr>
+          <a:xfrm>
+            <a:off x="613761" y="2847404"/>
+            <a:ext cx="3317852" cy="2057400"/>
+          </a:xfrm>
+        </p:spPr>
+        <p:txBody>
+          <a:bodyPr anchor="b">
+            <a:normAutofit/>
+          </a:bodyPr>
+          <a:lstStyle>
+            <a:lvl1pPr algn="l">
+              <a:defRPr sz="1800" b="0"/>
+            </a:lvl1pPr>
+          </a:lstStyle>
+          <a:p>
+            <a:r>
+              <a:rPr lang="en-US" smtClean="0"/>
+              <a:t>Click to edit Master title style</a:t>
+            </a:r>
+            <a:endParaRPr lang="en-US" dirty="0"/>
+          </a:p>
+        </p:txBody>
+      </p:sp>
+      <p:sp>
+        <p:nvSpPr>
+          <p:cNvPr id="14" name="Picture Placeholder 2"/>
+          <p:cNvSpPr>
+            <a:spLocks noGrp="1" noChangeAspect="1"/>
+          </p:cNvSpPr>
+          <p:nvPr>
+            <p:ph type="pic" idx="1"/>
+          </p:nvPr>
+        </p:nvSpPr>
+        <p:spPr>
+          <a:xfrm>
+            <a:off x="4136581" y="-27432"/>
+            <a:ext cx="1875047" cy="10355580"/>
+          </a:xfrm>
+          <a:ln w="38100">
+            <a:gradFill flip="none" rotWithShape="1">
+              <a:gsLst>
+                <a:gs pos="0">
+                  <a:schemeClr val="bg2"/>
+                </a:gs>
+                <a:gs pos="100000">
+                  <a:schemeClr val="bg2">
+                    <a:lumMod val="75000"/>
+                  </a:schemeClr>
+                </a:gs>
+              </a:gsLst>
+              <a:lin ang="5400000" scaled="0"/>
+              <a:tileRect/>
+            </a:gradFill>
+          </a:ln>
+          <a:effectLst>
+            <a:innerShdw blurRad="57150" dist="38100" dir="10800000">
+              <a:srgbClr val="000000">
+                <a:alpha val="70000"/>
+              </a:srgbClr>
+            </a:innerShdw>
+          </a:effectLst>
+        </p:spPr>
+        <p:txBody>
+          <a:bodyPr anchor="t">
+            <a:normAutofit/>
+          </a:bodyPr>
+          <a:lstStyle>
+            <a:lvl1pPr marL="0" indent="0" algn="ctr">
+              <a:buNone/>
+              <a:defRPr sz="1200"/>
+            </a:lvl1pPr>
+            <a:lvl2pPr marL="342900" indent="0">
+              <a:buNone/>
+              <a:defRPr sz="1200"/>
+            </a:lvl2pPr>
+            <a:lvl3pPr marL="685800" indent="0">
+              <a:buNone/>
+              <a:defRPr sz="1200"/>
+            </a:lvl3pPr>
+            <a:lvl4pPr marL="1028700" indent="0">
+              <a:buNone/>
+              <a:defRPr sz="1200"/>
+            </a:lvl4pPr>
+            <a:lvl5pPr marL="1371600" indent="0">
+              <a:buNone/>
+              <a:defRPr sz="1200"/>
+            </a:lvl5pPr>
+            <a:lvl6pPr marL="1714500" indent="0">
+              <a:buNone/>
+              <a:defRPr sz="1200"/>
+            </a:lvl6pPr>
+            <a:lvl7pPr marL="2057400" indent="0">
+              <a:buNone/>
+              <a:defRPr sz="1200"/>
+            </a:lvl7pPr>
+            <a:lvl8pPr marL="2400300" indent="0">
+              <a:buNone/>
+              <a:defRPr sz="1200"/>
+            </a:lvl8pPr>
+            <a:lvl9pPr marL="2743200" indent="0">
+              <a:buNone/>
+              <a:defRPr sz="1200"/>
+            </a:lvl9pPr>
+          </a:lstStyle>
+          <a:p>
+            <a:r>
+              <a:rPr lang="en-US" smtClean="0"/>
+              <a:t>Click icon to add picture</a:t>
+            </a:r>
+            <a:endParaRPr lang="en-US" dirty="0"/>
+          </a:p>
+        </p:txBody>
+      </p:sp>
+      <p:sp>
+        <p:nvSpPr>
+          <p:cNvPr id="4" name="Text Placeholder 3"/>
+          <p:cNvSpPr>
+            <a:spLocks noGrp="1"/>
+          </p:cNvSpPr>
+          <p:nvPr>
+            <p:ph type="body" sz="half" idx="2"/>
+          </p:nvPr>
+        </p:nvSpPr>
+        <p:spPr>
+          <a:xfrm>
+            <a:off x="612989" y="4904803"/>
+            <a:ext cx="3317852" cy="2743200"/>
+          </a:xfrm>
+        </p:spPr>
+        <p:txBody>
+          <a:bodyPr>
+            <a:normAutofit/>
+          </a:bodyPr>
+          <a:lstStyle>
+            <a:lvl1pPr marL="0" indent="0">
+              <a:buNone/>
+              <a:defRPr sz="1200"/>
+            </a:lvl1pPr>
+            <a:lvl2pPr marL="342900" indent="0">
+              <a:buNone/>
+              <a:defRPr sz="900"/>
+            </a:lvl2pPr>
+            <a:lvl3pPr marL="685800" indent="0">
+              <a:buNone/>
+              <a:defRPr sz="750"/>
+            </a:lvl3pPr>
+            <a:lvl4pPr marL="1028700" indent="0">
+              <a:buNone/>
+              <a:defRPr sz="675"/>
+            </a:lvl4pPr>
+            <a:lvl5pPr marL="1371600" indent="0">
+              <a:buNone/>
+              <a:defRPr sz="675"/>
+            </a:lvl5pPr>
+            <a:lvl6pPr marL="1714500" indent="0">
+              <a:buNone/>
+              <a:defRPr sz="675"/>
+            </a:lvl6pPr>
+            <a:lvl7pPr marL="2057400" indent="0">
+              <a:buNone/>
+              <a:defRPr sz="675"/>
+            </a:lvl7pPr>
+            <a:lvl8pPr marL="2400300" indent="0">
+              <a:buNone/>
+              <a:defRPr sz="675"/>
+            </a:lvl8pPr>
+            <a:lvl9pPr marL="2743200" indent="0">
+              <a:buNone/>
+              <a:defRPr sz="675"/>
+            </a:lvl9pPr>
+          </a:lstStyle>
+          <a:p>
+            <a:pPr lvl="0"/>
+            <a:r>
+              <a:rPr lang="en-US" smtClean="0"/>
+              <a:t>Edit Master text styles</a:t>
+            </a:r>
+          </a:p>
+        </p:txBody>
+      </p:sp>
+      <p:sp>
+        <p:nvSpPr>
+          <p:cNvPr id="5" name="Date Placeholder 4"/>
+          <p:cNvSpPr>
+            <a:spLocks noGrp="1"/>
+          </p:cNvSpPr>
+          <p:nvPr>
+            <p:ph type="dt" sz="half" idx="10"/>
+          </p:nvPr>
+        </p:nvSpPr>
+        <p:spPr>
+          <a:xfrm>
+            <a:off x="3392737" y="9272017"/>
+            <a:ext cx="538877" cy="547688"/>
+          </a:xfrm>
+        </p:spPr>
+        <p:txBody>
+          <a:bodyPr/>
+          <a:lstStyle/>
+          <a:p>
+            <a:fld id="{BF1F22D6-1FD5-4F0B-A69E-C6566BAAF5BA}" type="datetimeFigureOut">
+              <a:rPr lang="en-IN" smtClean="0"/>
+              <a:t>23-03-2022</a:t>
+            </a:fld>
+            <a:endParaRPr lang="en-IN"/>
+          </a:p>
+        </p:txBody>
+      </p:sp>
+      <p:sp>
+        <p:nvSpPr>
+          <p:cNvPr id="6" name="Footer Placeholder 5"/>
+          <p:cNvSpPr>
+            <a:spLocks noGrp="1"/>
+          </p:cNvSpPr>
+          <p:nvPr>
+            <p:ph type="ftr" sz="quarter" idx="11"/>
+          </p:nvPr>
+        </p:nvSpPr>
+        <p:spPr>
+          <a:xfrm>
+            <a:off x="613761" y="9272017"/>
+            <a:ext cx="2778975" cy="547688"/>
+          </a:xfrm>
+        </p:spPr>
+        <p:txBody>
+          <a:bodyPr/>
+          <a:lstStyle/>
+          <a:p>
+            <a:endParaRPr lang="en-IN"/>
+          </a:p>
+        </p:txBody>
+      </p:sp>
+      <p:sp>
+        <p:nvSpPr>
+          <p:cNvPr id="7" name="Slide Number Placeholder 6"/>
+          <p:cNvSpPr>
+            <a:spLocks noGrp="1"/>
+          </p:cNvSpPr>
+          <p:nvPr>
+            <p:ph type="sldNum" sz="quarter" idx="12"/>
+          </p:nvPr>
+        </p:nvSpPr>
+        <p:spPr>
+          <a:xfrm>
+            <a:off x="6018196" y="9272016"/>
+            <a:ext cx="228890" cy="493875"/>
+          </a:xfrm>
+        </p:spPr>
+        <p:txBody>
+          <a:bodyPr/>
+          <a:lstStyle/>
+          <a:p>
+            <a:fld id="{49E5A28C-2F04-4BDA-9B23-0F0F2AF73AE0}" type="slidenum">
+              <a:rPr lang="en-IN" smtClean="0"/>
+              <a:t>‹#›</a:t>
+            </a:fld>
+            <a:endParaRPr lang="en-IN"/>
+          </a:p>
+        </p:txBody>
+      </p:sp>
+    </p:spTree>
+    <p:extLst>
+      <p:ext uri="{BB962C8B-B14F-4D97-AF65-F5344CB8AC3E}">
+        <p14:creationId xmlns:p14="http://schemas.microsoft.com/office/powerpoint/2010/main" val="1820577223"/>
+      </p:ext>
+    </p:extLst>
+  </p:cSld>
+  <p:clrMapOvr>
+    <a:masterClrMapping/>
+  </p:clrMapOvr>
+</p:sldLayout>
+</file>
+
+<file path=ppt/slideLayouts/slideLayout21.xml><?xml version="1.0" encoding="utf-8"?>
+<p:sldLayout xmlns:a="http://schemas.openxmlformats.org/drawingml/2006/main" xmlns:r="http://schemas.openxmlformats.org/officeDocument/2006/relationships" xmlns:p="http://schemas.openxmlformats.org/presentationml/2006/main" preserve="1">
+  <p:cSld name="Panoramic Picture with Caption">
+    <p:spTree>
+      <p:nvGrpSpPr>
+        <p:cNvPr id="1" name=""/>
+        <p:cNvGrpSpPr/>
+        <p:nvPr/>
+      </p:nvGrpSpPr>
+      <p:grpSpPr>
+        <a:xfrm>
+          <a:off x="0" y="0"/>
+          <a:ext cx="0" cy="0"/>
+          <a:chOff x="0" y="0"/>
+          <a:chExt cx="0" cy="0"/>
+        </a:xfrm>
+      </p:grpSpPr>
+      <p:sp>
+        <p:nvSpPr>
+          <p:cNvPr id="2" name="Title 1"/>
+          <p:cNvSpPr>
+            <a:spLocks noGrp="1"/>
+          </p:cNvSpPr>
+          <p:nvPr>
+            <p:ph type="title"/>
+          </p:nvPr>
+        </p:nvSpPr>
+        <p:spPr>
+          <a:xfrm>
+            <a:off x="688258" y="6566228"/>
+            <a:ext cx="5559755" cy="1361258"/>
+          </a:xfrm>
+        </p:spPr>
+        <p:txBody>
+          <a:bodyPr anchor="b">
+            <a:normAutofit/>
+          </a:bodyPr>
+          <a:lstStyle>
+            <a:lvl1pPr algn="l">
+              <a:defRPr sz="1500" b="0"/>
+            </a:lvl1pPr>
+          </a:lstStyle>
+          <a:p>
+            <a:r>
+              <a:rPr lang="en-US" smtClean="0"/>
+              <a:t>Click to edit Master title style</a:t>
+            </a:r>
+            <a:endParaRPr lang="en-US" dirty="0"/>
+          </a:p>
+        </p:txBody>
+      </p:sp>
+      <p:sp>
+        <p:nvSpPr>
+          <p:cNvPr id="3" name="Picture Placeholder 2"/>
+          <p:cNvSpPr>
+            <a:spLocks noGrp="1" noChangeAspect="1"/>
+          </p:cNvSpPr>
+          <p:nvPr>
+            <p:ph type="pic" idx="1"/>
+          </p:nvPr>
+        </p:nvSpPr>
+        <p:spPr>
+          <a:xfrm>
+            <a:off x="688259" y="1494282"/>
+            <a:ext cx="5476070" cy="4471689"/>
+          </a:xfrm>
+          <a:prstGeom prst="roundRect">
+            <a:avLst>
+              <a:gd name="adj" fmla="val 4380"/>
+            </a:avLst>
+          </a:prstGeom>
+          <a:ln w="38100">
+            <a:gradFill flip="none" rotWithShape="1">
+              <a:gsLst>
+                <a:gs pos="0">
+                  <a:schemeClr val="bg2"/>
+                </a:gs>
+                <a:gs pos="100000">
+                  <a:schemeClr val="bg2">
+                    <a:lumMod val="75000"/>
+                  </a:schemeClr>
+                </a:gs>
+              </a:gsLst>
+              <a:lin ang="5400000" scaled="0"/>
+              <a:tileRect/>
+            </a:gradFill>
+          </a:ln>
+          <a:effectLst>
+            <a:innerShdw blurRad="57150" dist="38100" dir="14460000">
+              <a:srgbClr val="000000">
+                <a:alpha val="70000"/>
+              </a:srgbClr>
+            </a:innerShdw>
+          </a:effectLst>
+        </p:spPr>
+        <p:txBody>
+          <a:bodyPr anchor="t">
+            <a:normAutofit/>
+          </a:bodyPr>
+          <a:lstStyle>
+            <a:lvl1pPr marL="0" indent="0" algn="ctr">
+              <a:buNone/>
+              <a:defRPr sz="1200"/>
+            </a:lvl1pPr>
+            <a:lvl2pPr marL="342900" indent="0">
+              <a:buNone/>
+              <a:defRPr sz="1200"/>
+            </a:lvl2pPr>
+            <a:lvl3pPr marL="685800" indent="0">
+              <a:buNone/>
+              <a:defRPr sz="1200"/>
+            </a:lvl3pPr>
+            <a:lvl4pPr marL="1028700" indent="0">
+              <a:buNone/>
+              <a:defRPr sz="1200"/>
+            </a:lvl4pPr>
+            <a:lvl5pPr marL="1371600" indent="0">
+              <a:buNone/>
+              <a:defRPr sz="1200"/>
+            </a:lvl5pPr>
+            <a:lvl6pPr marL="1714500" indent="0">
+              <a:buNone/>
+              <a:defRPr sz="1200"/>
+            </a:lvl6pPr>
+            <a:lvl7pPr marL="2057400" indent="0">
+              <a:buNone/>
+              <a:defRPr sz="1200"/>
+            </a:lvl7pPr>
+            <a:lvl8pPr marL="2400300" indent="0">
+              <a:buNone/>
+              <a:defRPr sz="1200"/>
+            </a:lvl8pPr>
+            <a:lvl9pPr marL="2743200" indent="0">
+              <a:buNone/>
+              <a:defRPr sz="1200"/>
+            </a:lvl9pPr>
+          </a:lstStyle>
+          <a:p>
+            <a:r>
+              <a:rPr lang="en-US" smtClean="0"/>
+              <a:t>Click icon to add picture</a:t>
+            </a:r>
+            <a:endParaRPr lang="en-US" dirty="0"/>
+          </a:p>
+        </p:txBody>
+      </p:sp>
+      <p:sp>
+        <p:nvSpPr>
+          <p:cNvPr id="4" name="Text Placeholder 3"/>
+          <p:cNvSpPr>
+            <a:spLocks noGrp="1"/>
+          </p:cNvSpPr>
+          <p:nvPr>
+            <p:ph type="body" sz="half" idx="2"/>
+          </p:nvPr>
+        </p:nvSpPr>
+        <p:spPr>
+          <a:xfrm>
+            <a:off x="688258" y="7927485"/>
+            <a:ext cx="5559755" cy="1225605"/>
+          </a:xfrm>
+        </p:spPr>
+        <p:txBody>
+          <a:bodyPr>
+            <a:normAutofit/>
+          </a:bodyPr>
+          <a:lstStyle>
+            <a:lvl1pPr marL="0" indent="0">
+              <a:buNone/>
+              <a:defRPr sz="1050"/>
+            </a:lvl1pPr>
+            <a:lvl2pPr marL="342900" indent="0">
+              <a:buNone/>
+              <a:defRPr sz="900"/>
+            </a:lvl2pPr>
+            <a:lvl3pPr marL="685800" indent="0">
+              <a:buNone/>
+              <a:defRPr sz="750"/>
+            </a:lvl3pPr>
+            <a:lvl4pPr marL="1028700" indent="0">
+              <a:buNone/>
+              <a:defRPr sz="675"/>
+            </a:lvl4pPr>
+            <a:lvl5pPr marL="1371600" indent="0">
+              <a:buNone/>
+              <a:defRPr sz="675"/>
+            </a:lvl5pPr>
+            <a:lvl6pPr marL="1714500" indent="0">
+              <a:buNone/>
+              <a:defRPr sz="675"/>
+            </a:lvl6pPr>
+            <a:lvl7pPr marL="2057400" indent="0">
+              <a:buNone/>
+              <a:defRPr sz="675"/>
+            </a:lvl7pPr>
+            <a:lvl8pPr marL="2400300" indent="0">
+              <a:buNone/>
+              <a:defRPr sz="675"/>
+            </a:lvl8pPr>
+            <a:lvl9pPr marL="2743200" indent="0">
+              <a:buNone/>
+              <a:defRPr sz="675"/>
+            </a:lvl9pPr>
+          </a:lstStyle>
+          <a:p>
+            <a:pPr lvl="0"/>
+            <a:r>
+              <a:rPr lang="en-US" smtClean="0"/>
+              <a:t>Edit Master text styles</a:t>
+            </a:r>
+          </a:p>
+        </p:txBody>
+      </p:sp>
+      <p:sp>
+        <p:nvSpPr>
+          <p:cNvPr id="5" name="Date Placeholder 4"/>
+          <p:cNvSpPr>
+            <a:spLocks noGrp="1"/>
+          </p:cNvSpPr>
+          <p:nvPr>
+            <p:ph type="dt" sz="half" idx="10"/>
+          </p:nvPr>
+        </p:nvSpPr>
+        <p:spPr/>
+        <p:txBody>
+          <a:bodyPr/>
+          <a:lstStyle/>
+          <a:p>
+            <a:fld id="{BF1F22D6-1FD5-4F0B-A69E-C6566BAAF5BA}" type="datetimeFigureOut">
+              <a:rPr lang="en-IN" smtClean="0"/>
+              <a:t>23-03-2022</a:t>
+            </a:fld>
+            <a:endParaRPr lang="en-IN"/>
+          </a:p>
+        </p:txBody>
+      </p:sp>
+      <p:sp>
+        <p:nvSpPr>
+          <p:cNvPr id="6" name="Footer Placeholder 5"/>
+          <p:cNvSpPr>
+            <a:spLocks noGrp="1"/>
+          </p:cNvSpPr>
+          <p:nvPr>
+            <p:ph type="ftr" sz="quarter" idx="11"/>
+          </p:nvPr>
+        </p:nvSpPr>
+        <p:spPr>
+          <a:xfrm>
+            <a:off x="688258" y="9272017"/>
+            <a:ext cx="4002959" cy="547688"/>
+          </a:xfrm>
+        </p:spPr>
+        <p:txBody>
+          <a:bodyPr/>
+          <a:lstStyle/>
+          <a:p>
+            <a:endParaRPr lang="en-IN"/>
+          </a:p>
+        </p:txBody>
+      </p:sp>
+      <p:sp>
+        <p:nvSpPr>
+          <p:cNvPr id="7" name="Slide Number Placeholder 6"/>
+          <p:cNvSpPr>
+            <a:spLocks noGrp="1"/>
+          </p:cNvSpPr>
+          <p:nvPr>
+            <p:ph type="sldNum" sz="quarter" idx="12"/>
+          </p:nvPr>
+        </p:nvSpPr>
+        <p:spPr/>
+        <p:txBody>
+          <a:bodyPr/>
+          <a:lstStyle/>
+          <a:p>
+            <a:fld id="{49E5A28C-2F04-4BDA-9B23-0F0F2AF73AE0}" type="slidenum">
+              <a:rPr lang="en-IN" smtClean="0"/>
+              <a:t>‹#›</a:t>
+            </a:fld>
+            <a:endParaRPr lang="en-IN"/>
+          </a:p>
+        </p:txBody>
+      </p:sp>
+    </p:spTree>
+    <p:extLst>
+      <p:ext uri="{BB962C8B-B14F-4D97-AF65-F5344CB8AC3E}">
+        <p14:creationId xmlns:p14="http://schemas.microsoft.com/office/powerpoint/2010/main" val="1037440373"/>
+      </p:ext>
+    </p:extLst>
+  </p:cSld>
+  <p:clrMapOvr>
+    <a:masterClrMapping/>
+  </p:clrMapOvr>
+</p:sldLayout>
+</file>
+
+<file path=ppt/slideLayouts/slideLayout22.xml><?xml version="1.0" encoding="utf-8"?>
+<p:sldLayout xmlns:a="http://schemas.openxmlformats.org/drawingml/2006/main" xmlns:r="http://schemas.openxmlformats.org/officeDocument/2006/relationships" xmlns:p="http://schemas.openxmlformats.org/presentationml/2006/main" preserve="1">
+  <p:cSld name="Title and Caption">
+    <p:spTree>
+      <p:nvGrpSpPr>
+        <p:cNvPr id="1" name=""/>
+        <p:cNvGrpSpPr/>
+        <p:nvPr/>
+      </p:nvGrpSpPr>
+      <p:grpSpPr>
+        <a:xfrm>
+          <a:off x="0" y="0"/>
+          <a:ext cx="0" cy="0"/>
+          <a:chOff x="0" y="0"/>
+          <a:chExt cx="0" cy="0"/>
+        </a:xfrm>
+      </p:grpSpPr>
+      <p:sp>
+        <p:nvSpPr>
+          <p:cNvPr id="2" name="Title 1"/>
+          <p:cNvSpPr>
+            <a:spLocks noGrp="1"/>
+          </p:cNvSpPr>
+          <p:nvPr>
+            <p:ph type="title"/>
+          </p:nvPr>
+        </p:nvSpPr>
+        <p:spPr>
+          <a:xfrm>
+            <a:off x="613760" y="894027"/>
+            <a:ext cx="5633606" cy="4706673"/>
+          </a:xfrm>
+        </p:spPr>
+        <p:txBody>
+          <a:bodyPr anchor="ctr">
+            <a:normAutofit/>
+          </a:bodyPr>
+          <a:lstStyle>
+            <a:lvl1pPr algn="l">
+              <a:defRPr sz="2100" b="0" cap="all"/>
+            </a:lvl1pPr>
+          </a:lstStyle>
+          <a:p>
+            <a:r>
+              <a:rPr lang="en-US" smtClean="0"/>
+              <a:t>Click to edit Master title style</a:t>
+            </a:r>
+            <a:endParaRPr lang="en-US" dirty="0"/>
+          </a:p>
+        </p:txBody>
+      </p:sp>
+      <p:sp>
+        <p:nvSpPr>
+          <p:cNvPr id="3" name="Text Placeholder 2"/>
+          <p:cNvSpPr>
+            <a:spLocks noGrp="1"/>
+          </p:cNvSpPr>
+          <p:nvPr>
+            <p:ph type="body" idx="1"/>
+          </p:nvPr>
+        </p:nvSpPr>
+        <p:spPr>
+          <a:xfrm>
+            <a:off x="613760" y="6515100"/>
+            <a:ext cx="5633606" cy="2637990"/>
+          </a:xfrm>
+        </p:spPr>
+        <p:txBody>
+          <a:bodyPr anchor="ctr">
+            <a:normAutofit/>
+          </a:bodyPr>
+          <a:lstStyle>
+            <a:lvl1pPr marL="0" indent="0" algn="l">
+              <a:buNone/>
+              <a:defRPr sz="1350">
+                <a:gradFill flip="none" rotWithShape="1">
+                  <a:gsLst>
+                    <a:gs pos="0">
+                      <a:schemeClr val="tx1"/>
+                    </a:gs>
+                    <a:gs pos="100000">
+                      <a:schemeClr val="tx1">
+                        <a:lumMod val="75000"/>
+                      </a:schemeClr>
+                    </a:gs>
+                  </a:gsLst>
+                  <a:lin ang="5400000" scaled="0"/>
+                  <a:tileRect/>
+                </a:gradFill>
+              </a:defRPr>
+            </a:lvl1pPr>
+            <a:lvl2pPr marL="342900" indent="0">
+              <a:buNone/>
+              <a:defRPr sz="1350">
+                <a:solidFill>
+                  <a:schemeClr val="tx1">
+                    <a:tint val="75000"/>
+                  </a:schemeClr>
+                </a:solidFill>
+              </a:defRPr>
+            </a:lvl2pPr>
+            <a:lvl3pPr marL="685800" indent="0">
+              <a:buNone/>
+              <a:defRPr sz="1200">
+                <a:solidFill>
+                  <a:schemeClr val="tx1">
+                    <a:tint val="75000"/>
+                  </a:schemeClr>
+                </a:solidFill>
+              </a:defRPr>
+            </a:lvl3pPr>
+            <a:lvl4pPr marL="1028700" indent="0">
+              <a:buNone/>
+              <a:defRPr sz="1050">
+                <a:solidFill>
+                  <a:schemeClr val="tx1">
+                    <a:tint val="75000"/>
+                  </a:schemeClr>
+                </a:solidFill>
+              </a:defRPr>
+            </a:lvl4pPr>
+            <a:lvl5pPr marL="1371600" indent="0">
+              <a:buNone/>
+              <a:defRPr sz="1050">
+                <a:solidFill>
+                  <a:schemeClr val="tx1">
+                    <a:tint val="75000"/>
+                  </a:schemeClr>
+                </a:solidFill>
+              </a:defRPr>
+            </a:lvl5pPr>
+            <a:lvl6pPr marL="1714500" indent="0">
+              <a:buNone/>
+              <a:defRPr sz="1050">
+                <a:solidFill>
+                  <a:schemeClr val="tx1">
+                    <a:tint val="75000"/>
+                  </a:schemeClr>
+                </a:solidFill>
+              </a:defRPr>
+            </a:lvl6pPr>
+            <a:lvl7pPr marL="2057400" indent="0">
+              <a:buNone/>
+              <a:defRPr sz="1050">
+                <a:solidFill>
+                  <a:schemeClr val="tx1">
+                    <a:tint val="75000"/>
+                  </a:schemeClr>
+                </a:solidFill>
+              </a:defRPr>
+            </a:lvl7pPr>
+            <a:lvl8pPr marL="2400300" indent="0">
+              <a:buNone/>
+              <a:defRPr sz="1050">
+                <a:solidFill>
+                  <a:schemeClr val="tx1">
+                    <a:tint val="75000"/>
+                  </a:schemeClr>
+                </a:solidFill>
+              </a:defRPr>
+            </a:lvl8pPr>
+            <a:lvl9pPr marL="2743200" indent="0">
+              <a:buNone/>
+              <a:defRPr sz="1050">
+                <a:solidFill>
+                  <a:schemeClr val="tx1">
+                    <a:tint val="75000"/>
+                  </a:schemeClr>
+                </a:solidFill>
+              </a:defRPr>
+            </a:lvl9pPr>
+          </a:lstStyle>
+          <a:p>
+            <a:pPr lvl="0"/>
+            <a:r>
+              <a:rPr lang="en-US" smtClean="0"/>
+              <a:t>Edit Master text styles</a:t>
+            </a:r>
+          </a:p>
+        </p:txBody>
+      </p:sp>
+      <p:sp>
+        <p:nvSpPr>
+          <p:cNvPr id="4" name="Date Placeholder 3"/>
+          <p:cNvSpPr>
+            <a:spLocks noGrp="1"/>
+          </p:cNvSpPr>
+          <p:nvPr>
+            <p:ph type="dt" sz="half" idx="10"/>
+          </p:nvPr>
+        </p:nvSpPr>
+        <p:spPr/>
+        <p:txBody>
+          <a:bodyPr/>
+          <a:lstStyle/>
+          <a:p>
+            <a:fld id="{BF1F22D6-1FD5-4F0B-A69E-C6566BAAF5BA}" type="datetimeFigureOut">
+              <a:rPr lang="en-IN" smtClean="0"/>
+              <a:t>23-03-2022</a:t>
+            </a:fld>
+            <a:endParaRPr lang="en-IN"/>
+          </a:p>
+        </p:txBody>
+      </p:sp>
+      <p:sp>
+        <p:nvSpPr>
+          <p:cNvPr id="5" name="Footer Placeholder 4"/>
+          <p:cNvSpPr>
+            <a:spLocks noGrp="1"/>
+          </p:cNvSpPr>
+          <p:nvPr>
+            <p:ph type="ftr" sz="quarter" idx="11"/>
+          </p:nvPr>
+        </p:nvSpPr>
+        <p:spPr/>
+        <p:txBody>
+          <a:bodyPr/>
+          <a:lstStyle/>
+          <a:p>
+            <a:endParaRPr lang="en-IN"/>
+          </a:p>
+        </p:txBody>
+      </p:sp>
+      <p:sp>
+        <p:nvSpPr>
+          <p:cNvPr id="6" name="Slide Number Placeholder 5"/>
+          <p:cNvSpPr>
+            <a:spLocks noGrp="1"/>
+          </p:cNvSpPr>
+          <p:nvPr>
+            <p:ph type="sldNum" sz="quarter" idx="12"/>
+          </p:nvPr>
+        </p:nvSpPr>
+        <p:spPr/>
+        <p:txBody>
+          <a:bodyPr/>
+          <a:lstStyle/>
+          <a:p>
+            <a:fld id="{49E5A28C-2F04-4BDA-9B23-0F0F2AF73AE0}" type="slidenum">
+              <a:rPr lang="en-IN" smtClean="0"/>
+              <a:t>‹#›</a:t>
+            </a:fld>
+            <a:endParaRPr lang="en-IN"/>
+          </a:p>
+        </p:txBody>
+      </p:sp>
+    </p:spTree>
+    <p:extLst>
+      <p:ext uri="{BB962C8B-B14F-4D97-AF65-F5344CB8AC3E}">
+        <p14:creationId xmlns:p14="http://schemas.microsoft.com/office/powerpoint/2010/main" val="1312988843"/>
+      </p:ext>
+    </p:extLst>
+  </p:cSld>
+  <p:clrMapOvr>
+    <a:masterClrMapping/>
+  </p:clrMapOvr>
+</p:sldLayout>
+</file>
+
+<file path=ppt/slideLayouts/slideLayout23.xml><?xml version="1.0" encoding="utf-8"?>
+<p:sldLayout xmlns:a="http://schemas.openxmlformats.org/drawingml/2006/main" xmlns:r="http://schemas.openxmlformats.org/officeDocument/2006/relationships" xmlns:p="http://schemas.openxmlformats.org/presentationml/2006/main" preserve="1">
+  <p:cSld name="Quote with Caption">
+    <p:spTree>
+      <p:nvGrpSpPr>
+        <p:cNvPr id="1" name=""/>
+        <p:cNvGrpSpPr/>
+        <p:nvPr/>
+      </p:nvGrpSpPr>
+      <p:grpSpPr>
+        <a:xfrm>
+          <a:off x="0" y="0"/>
+          <a:ext cx="0" cy="0"/>
+          <a:chOff x="0" y="0"/>
+          <a:chExt cx="0" cy="0"/>
+        </a:xfrm>
+      </p:grpSpPr>
+      <p:sp>
+        <p:nvSpPr>
+          <p:cNvPr id="14" name="TextBox 13"/>
+          <p:cNvSpPr txBox="1"/>
+          <p:nvPr/>
+        </p:nvSpPr>
+        <p:spPr>
+          <a:xfrm>
+            <a:off x="437864" y="1290414"/>
+            <a:ext cx="342989" cy="877164"/>
+          </a:xfrm>
+          <a:prstGeom prst="rect">
+            <a:avLst/>
+          </a:prstGeom>
+        </p:spPr>
+        <p:txBody>
+          <a:bodyPr vert="horz" lIns="68580" tIns="34290" rIns="68580" bIns="34290" rtlCol="0" anchor="ctr">
+            <a:noAutofit/>
+          </a:bodyPr>
+          <a:lstStyle>
+            <a:lvl1pPr>
+              <a:spcBef>
+                <a:spcPct val="0"/>
+              </a:spcBef>
+              <a:buNone/>
+              <a:defRPr sz="3200" b="0" cap="all">
+                <a:ln w="3175" cmpd="sng">
+                  <a:noFill/>
+                </a:ln>
+                <a:effectLst>
+                  <a:glow rad="38100">
+                    <a:schemeClr val="bg1">
+                      <a:lumMod val="65000"/>
+                      <a:lumOff val="35000"/>
+                      <a:alpha val="40000"/>
+                    </a:schemeClr>
+                  </a:glow>
+                  <a:outerShdw blurRad="28575" dist="38100" dir="14040000" algn="tl" rotWithShape="0">
+                    <a:srgbClr val="000000">
+                      <a:alpha val="25000"/>
+                    </a:srgbClr>
+                  </a:outerShdw>
+                </a:effectLst>
+              </a:defRPr>
+            </a:lvl1pPr>
+            <a:lvl2pPr>
+              <a:defRPr>
+                <a:solidFill>
+                  <a:schemeClr val="tx2"/>
+                </a:solidFill>
+              </a:defRPr>
+            </a:lvl2pPr>
+            <a:lvl3pPr>
+              <a:defRPr>
+                <a:solidFill>
+                  <a:schemeClr val="tx2"/>
+                </a:solidFill>
+              </a:defRPr>
+            </a:lvl3pPr>
+            <a:lvl4pPr>
+              <a:defRPr>
+                <a:solidFill>
+                  <a:schemeClr val="tx2"/>
+                </a:solidFill>
+              </a:defRPr>
+            </a:lvl4pPr>
+            <a:lvl5pPr>
+              <a:defRPr>
+                <a:solidFill>
+                  <a:schemeClr val="tx2"/>
+                </a:solidFill>
+              </a:defRPr>
+            </a:lvl5pPr>
+            <a:lvl6pPr>
+              <a:defRPr>
+                <a:solidFill>
+                  <a:schemeClr val="tx2"/>
+                </a:solidFill>
+              </a:defRPr>
+            </a:lvl6pPr>
+            <a:lvl7pPr>
+              <a:defRPr>
+                <a:solidFill>
+                  <a:schemeClr val="tx2"/>
+                </a:solidFill>
+              </a:defRPr>
+            </a:lvl7pPr>
+            <a:lvl8pPr>
+              <a:defRPr>
+                <a:solidFill>
+                  <a:schemeClr val="tx2"/>
+                </a:solidFill>
+              </a:defRPr>
+            </a:lvl8pPr>
+            <a:lvl9pPr>
+              <a:defRPr>
+                <a:solidFill>
+                  <a:schemeClr val="tx2"/>
+                </a:solidFill>
+              </a:defRPr>
+            </a:lvl9pPr>
+          </a:lstStyle>
+          <a:p>
+            <a:pPr lvl="0"/>
+            <a:r>
+              <a:rPr lang="en-US" sz="6000" dirty="0">
+                <a:solidFill>
+                  <a:schemeClr val="accent1"/>
+                </a:solidFill>
+              </a:rPr>
+              <a:t>“</a:t>
+            </a:r>
+          </a:p>
+        </p:txBody>
+      </p:sp>
+      <p:sp>
+        <p:nvSpPr>
+          <p:cNvPr id="15" name="TextBox 14"/>
+          <p:cNvSpPr txBox="1"/>
+          <p:nvPr/>
+        </p:nvSpPr>
+        <p:spPr>
+          <a:xfrm>
+            <a:off x="5916617" y="4478885"/>
+            <a:ext cx="342989" cy="877164"/>
+          </a:xfrm>
+          <a:prstGeom prst="rect">
+            <a:avLst/>
+          </a:prstGeom>
+        </p:spPr>
+        <p:txBody>
+          <a:bodyPr vert="horz" lIns="68580" tIns="34290" rIns="68580" bIns="34290" rtlCol="0" anchor="ctr">
+            <a:noAutofit/>
+          </a:bodyPr>
+          <a:lstStyle>
+            <a:lvl1pPr>
+              <a:spcBef>
+                <a:spcPct val="0"/>
+              </a:spcBef>
+              <a:buNone/>
+              <a:defRPr sz="3200" b="0" cap="all">
+                <a:ln w="3175" cmpd="sng">
+                  <a:noFill/>
+                </a:ln>
+                <a:effectLst>
+                  <a:glow rad="38100">
+                    <a:schemeClr val="bg1">
+                      <a:lumMod val="65000"/>
+                      <a:lumOff val="35000"/>
+                      <a:alpha val="40000"/>
+                    </a:schemeClr>
+                  </a:glow>
+                  <a:outerShdw blurRad="28575" dist="38100" dir="14040000" algn="tl" rotWithShape="0">
+                    <a:srgbClr val="000000">
+                      <a:alpha val="25000"/>
+                    </a:srgbClr>
+                  </a:outerShdw>
+                </a:effectLst>
+              </a:defRPr>
+            </a:lvl1pPr>
+            <a:lvl2pPr>
+              <a:defRPr>
+                <a:solidFill>
+                  <a:schemeClr val="tx2"/>
+                </a:solidFill>
+              </a:defRPr>
+            </a:lvl2pPr>
+            <a:lvl3pPr>
+              <a:defRPr>
+                <a:solidFill>
+                  <a:schemeClr val="tx2"/>
+                </a:solidFill>
+              </a:defRPr>
+            </a:lvl3pPr>
+            <a:lvl4pPr>
+              <a:defRPr>
+                <a:solidFill>
+                  <a:schemeClr val="tx2"/>
+                </a:solidFill>
+              </a:defRPr>
+            </a:lvl4pPr>
+            <a:lvl5pPr>
+              <a:defRPr>
+                <a:solidFill>
+                  <a:schemeClr val="tx2"/>
+                </a:solidFill>
+              </a:defRPr>
+            </a:lvl5pPr>
+            <a:lvl6pPr>
+              <a:defRPr>
+                <a:solidFill>
+                  <a:schemeClr val="tx2"/>
+                </a:solidFill>
+              </a:defRPr>
+            </a:lvl6pPr>
+            <a:lvl7pPr>
+              <a:defRPr>
+                <a:solidFill>
+                  <a:schemeClr val="tx2"/>
+                </a:solidFill>
+              </a:defRPr>
+            </a:lvl7pPr>
+            <a:lvl8pPr>
+              <a:defRPr>
+                <a:solidFill>
+                  <a:schemeClr val="tx2"/>
+                </a:solidFill>
+              </a:defRPr>
+            </a:lvl8pPr>
+            <a:lvl9pPr>
+              <a:defRPr>
+                <a:solidFill>
+                  <a:schemeClr val="tx2"/>
+                </a:solidFill>
+              </a:defRPr>
+            </a:lvl9pPr>
+          </a:lstStyle>
+          <a:p>
+            <a:pPr lvl="0" algn="r"/>
+            <a:r>
+              <a:rPr lang="en-US" sz="6000" dirty="0">
+                <a:solidFill>
+                  <a:schemeClr val="accent1"/>
+                </a:solidFill>
+              </a:rPr>
+              <a:t>”</a:t>
+            </a:r>
+          </a:p>
+        </p:txBody>
+      </p:sp>
+      <p:sp>
+        <p:nvSpPr>
+          <p:cNvPr id="2" name="Title 1"/>
+          <p:cNvSpPr>
+            <a:spLocks noGrp="1"/>
+          </p:cNvSpPr>
+          <p:nvPr>
+            <p:ph type="title"/>
+          </p:nvPr>
+        </p:nvSpPr>
+        <p:spPr>
+          <a:xfrm>
+            <a:off x="813707" y="894028"/>
+            <a:ext cx="5230586" cy="4566119"/>
+          </a:xfrm>
+        </p:spPr>
+        <p:txBody>
+          <a:bodyPr anchor="ctr">
+            <a:normAutofit/>
+          </a:bodyPr>
+          <a:lstStyle>
+            <a:lvl1pPr algn="l">
+              <a:defRPr sz="2100" b="0" cap="all">
+                <a:gradFill flip="none" rotWithShape="1">
+                  <a:gsLst>
+                    <a:gs pos="0">
+                      <a:schemeClr val="tx1"/>
+                    </a:gs>
+                    <a:gs pos="100000">
+                      <a:schemeClr val="tx1">
+                        <a:lumMod val="75000"/>
+                      </a:schemeClr>
+                    </a:gs>
+                  </a:gsLst>
+                  <a:lin ang="5400000" scaled="0"/>
+                  <a:tileRect/>
+                </a:gradFill>
+              </a:defRPr>
+            </a:lvl1pPr>
+          </a:lstStyle>
+          <a:p>
+            <a:r>
+              <a:rPr lang="en-US" smtClean="0"/>
+              <a:t>Click to edit Master title style</a:t>
+            </a:r>
+            <a:endParaRPr lang="en-US" dirty="0"/>
+          </a:p>
+        </p:txBody>
+      </p:sp>
+      <p:sp>
+        <p:nvSpPr>
+          <p:cNvPr id="10" name="Text Placeholder 9"/>
+          <p:cNvSpPr>
+            <a:spLocks noGrp="1"/>
+          </p:cNvSpPr>
+          <p:nvPr>
+            <p:ph type="body" sz="quarter" idx="13"/>
+          </p:nvPr>
+        </p:nvSpPr>
+        <p:spPr>
+          <a:xfrm>
+            <a:off x="942327" y="5475909"/>
+            <a:ext cx="4973346" cy="571500"/>
+          </a:xfrm>
+        </p:spPr>
+        <p:txBody>
+          <a:bodyPr anchor="ctr">
+            <a:normAutofit/>
+          </a:bodyPr>
+          <a:lstStyle>
+            <a:lvl1pPr marL="0" indent="0">
+              <a:buFontTx/>
+              <a:buNone/>
+              <a:defRPr sz="1050"/>
+            </a:lvl1pPr>
+            <a:lvl2pPr marL="342900" indent="0">
+              <a:buFontTx/>
+              <a:buNone/>
+              <a:defRPr/>
+            </a:lvl2pPr>
+            <a:lvl3pPr marL="685800" indent="0">
+              <a:buFontTx/>
+              <a:buNone/>
+              <a:defRPr/>
+            </a:lvl3pPr>
+            <a:lvl4pPr marL="1028700" indent="0">
+              <a:buFontTx/>
+              <a:buNone/>
+              <a:defRPr/>
+            </a:lvl4pPr>
+            <a:lvl5pPr marL="1371600" indent="0">
+              <a:buFontTx/>
+              <a:buNone/>
+              <a:defRPr/>
+            </a:lvl5pPr>
+          </a:lstStyle>
+          <a:p>
+            <a:pPr lvl="0"/>
+            <a:r>
+              <a:rPr lang="en-US" smtClean="0"/>
+              <a:t>Edit Master text styles</a:t>
+            </a:r>
+          </a:p>
+        </p:txBody>
+      </p:sp>
+      <p:sp>
+        <p:nvSpPr>
+          <p:cNvPr id="3" name="Text Placeholder 2"/>
+          <p:cNvSpPr>
+            <a:spLocks noGrp="1"/>
+          </p:cNvSpPr>
+          <p:nvPr>
+            <p:ph type="body" idx="1"/>
+          </p:nvPr>
+        </p:nvSpPr>
+        <p:spPr>
+          <a:xfrm>
+            <a:off x="613761" y="6961809"/>
+            <a:ext cx="5633605" cy="2171700"/>
+          </a:xfrm>
+        </p:spPr>
+        <p:txBody>
+          <a:bodyPr anchor="ctr">
+            <a:normAutofit/>
+          </a:bodyPr>
+          <a:lstStyle>
+            <a:lvl1pPr marL="0" indent="0" algn="l">
+              <a:buNone/>
+              <a:defRPr sz="1350">
+                <a:gradFill flip="none" rotWithShape="1">
+                  <a:gsLst>
+                    <a:gs pos="0">
+                      <a:schemeClr val="tx1"/>
+                    </a:gs>
+                    <a:gs pos="100000">
+                      <a:schemeClr val="tx1">
+                        <a:lumMod val="75000"/>
+                      </a:schemeClr>
+                    </a:gs>
+                  </a:gsLst>
+                  <a:lin ang="0" scaled="1"/>
+                  <a:tileRect/>
+                </a:gradFill>
+              </a:defRPr>
+            </a:lvl1pPr>
+            <a:lvl2pPr marL="342900" indent="0">
+              <a:buNone/>
+              <a:defRPr sz="1350">
+                <a:solidFill>
+                  <a:schemeClr val="tx1">
+                    <a:tint val="75000"/>
+                  </a:schemeClr>
+                </a:solidFill>
+              </a:defRPr>
+            </a:lvl2pPr>
+            <a:lvl3pPr marL="685800" indent="0">
+              <a:buNone/>
+              <a:defRPr sz="1200">
+                <a:solidFill>
+                  <a:schemeClr val="tx1">
+                    <a:tint val="75000"/>
+                  </a:schemeClr>
+                </a:solidFill>
+              </a:defRPr>
+            </a:lvl3pPr>
+            <a:lvl4pPr marL="1028700" indent="0">
+              <a:buNone/>
+              <a:defRPr sz="1050">
+                <a:solidFill>
+                  <a:schemeClr val="tx1">
+                    <a:tint val="75000"/>
+                  </a:schemeClr>
+                </a:solidFill>
+              </a:defRPr>
+            </a:lvl4pPr>
+            <a:lvl5pPr marL="1371600" indent="0">
+              <a:buNone/>
+              <a:defRPr sz="1050">
+                <a:solidFill>
+                  <a:schemeClr val="tx1">
+                    <a:tint val="75000"/>
+                  </a:schemeClr>
+                </a:solidFill>
+              </a:defRPr>
+            </a:lvl5pPr>
+            <a:lvl6pPr marL="1714500" indent="0">
+              <a:buNone/>
+              <a:defRPr sz="1050">
+                <a:solidFill>
+                  <a:schemeClr val="tx1">
+                    <a:tint val="75000"/>
+                  </a:schemeClr>
+                </a:solidFill>
+              </a:defRPr>
+            </a:lvl6pPr>
+            <a:lvl7pPr marL="2057400" indent="0">
+              <a:buNone/>
+              <a:defRPr sz="1050">
+                <a:solidFill>
+                  <a:schemeClr val="tx1">
+                    <a:tint val="75000"/>
+                  </a:schemeClr>
+                </a:solidFill>
+              </a:defRPr>
+            </a:lvl7pPr>
+            <a:lvl8pPr marL="2400300" indent="0">
+              <a:buNone/>
+              <a:defRPr sz="1050">
+                <a:solidFill>
+                  <a:schemeClr val="tx1">
+                    <a:tint val="75000"/>
+                  </a:schemeClr>
+                </a:solidFill>
+              </a:defRPr>
+            </a:lvl8pPr>
+            <a:lvl9pPr marL="2743200" indent="0">
+              <a:buNone/>
+              <a:defRPr sz="1050">
+                <a:solidFill>
+                  <a:schemeClr val="tx1">
+                    <a:tint val="75000"/>
+                  </a:schemeClr>
+                </a:solidFill>
+              </a:defRPr>
+            </a:lvl9pPr>
+          </a:lstStyle>
+          <a:p>
+            <a:pPr lvl="0"/>
+            <a:r>
+              <a:rPr lang="en-US" smtClean="0"/>
+              <a:t>Edit Master text styles</a:t>
+            </a:r>
+          </a:p>
+        </p:txBody>
+      </p:sp>
+      <p:sp>
+        <p:nvSpPr>
+          <p:cNvPr id="4" name="Date Placeholder 3"/>
+          <p:cNvSpPr>
+            <a:spLocks noGrp="1"/>
+          </p:cNvSpPr>
+          <p:nvPr>
+            <p:ph type="dt" sz="half" idx="10"/>
+          </p:nvPr>
+        </p:nvSpPr>
+        <p:spPr/>
+        <p:txBody>
+          <a:bodyPr/>
+          <a:lstStyle/>
+          <a:p>
+            <a:fld id="{BF1F22D6-1FD5-4F0B-A69E-C6566BAAF5BA}" type="datetimeFigureOut">
+              <a:rPr lang="en-IN" smtClean="0"/>
+              <a:t>23-03-2022</a:t>
+            </a:fld>
+            <a:endParaRPr lang="en-IN"/>
+          </a:p>
+        </p:txBody>
+      </p:sp>
+      <p:sp>
+        <p:nvSpPr>
+          <p:cNvPr id="5" name="Footer Placeholder 4"/>
+          <p:cNvSpPr>
+            <a:spLocks noGrp="1"/>
+          </p:cNvSpPr>
+          <p:nvPr>
+            <p:ph type="ftr" sz="quarter" idx="11"/>
+          </p:nvPr>
+        </p:nvSpPr>
+        <p:spPr/>
+        <p:txBody>
+          <a:bodyPr/>
+          <a:lstStyle/>
+          <a:p>
+            <a:endParaRPr lang="en-IN"/>
+          </a:p>
+        </p:txBody>
+      </p:sp>
+      <p:sp>
+        <p:nvSpPr>
+          <p:cNvPr id="6" name="Slide Number Placeholder 5"/>
+          <p:cNvSpPr>
+            <a:spLocks noGrp="1"/>
+          </p:cNvSpPr>
+          <p:nvPr>
+            <p:ph type="sldNum" sz="quarter" idx="12"/>
+          </p:nvPr>
+        </p:nvSpPr>
+        <p:spPr/>
+        <p:txBody>
+          <a:bodyPr/>
+          <a:lstStyle/>
+          <a:p>
+            <a:fld id="{49E5A28C-2F04-4BDA-9B23-0F0F2AF73AE0}" type="slidenum">
+              <a:rPr lang="en-IN" smtClean="0"/>
+              <a:t>‹#›</a:t>
+            </a:fld>
+            <a:endParaRPr lang="en-IN"/>
+          </a:p>
+        </p:txBody>
+      </p:sp>
+    </p:spTree>
+    <p:extLst>
+      <p:ext uri="{BB962C8B-B14F-4D97-AF65-F5344CB8AC3E}">
+        <p14:creationId xmlns:p14="http://schemas.microsoft.com/office/powerpoint/2010/main" val="1103657811"/>
+      </p:ext>
+    </p:extLst>
+  </p:cSld>
+  <p:clrMapOvr>
+    <a:masterClrMapping/>
+  </p:clrMapOvr>
+</p:sldLayout>
+</file>
+
+<file path=ppt/slideLayouts/slideLayout24.xml><?xml version="1.0" encoding="utf-8"?>
+<p:sldLayout xmlns:a="http://schemas.openxmlformats.org/drawingml/2006/main" xmlns:r="http://schemas.openxmlformats.org/officeDocument/2006/relationships" xmlns:p="http://schemas.openxmlformats.org/presentationml/2006/main" preserve="1">
+  <p:cSld name="Name Card">
+    <p:spTree>
+      <p:nvGrpSpPr>
+        <p:cNvPr id="1" name=""/>
+        <p:cNvGrpSpPr/>
+        <p:nvPr/>
+      </p:nvGrpSpPr>
+      <p:grpSpPr>
+        <a:xfrm>
+          <a:off x="0" y="0"/>
+          <a:ext cx="0" cy="0"/>
+          <a:chOff x="0" y="0"/>
+          <a:chExt cx="0" cy="0"/>
+        </a:xfrm>
+      </p:grpSpPr>
+      <p:sp>
+        <p:nvSpPr>
+          <p:cNvPr id="2" name="Title 1"/>
+          <p:cNvSpPr>
+            <a:spLocks noGrp="1"/>
+          </p:cNvSpPr>
+          <p:nvPr>
+            <p:ph type="title"/>
+          </p:nvPr>
+        </p:nvSpPr>
+        <p:spPr>
+          <a:xfrm>
+            <a:off x="613760" y="5405349"/>
+            <a:ext cx="5634254" cy="2203200"/>
+          </a:xfrm>
+        </p:spPr>
+        <p:txBody>
+          <a:bodyPr anchor="b">
+            <a:normAutofit/>
+          </a:bodyPr>
+          <a:lstStyle>
+            <a:lvl1pPr algn="l">
+              <a:defRPr sz="2100" b="0" cap="all"/>
+            </a:lvl1pPr>
+          </a:lstStyle>
+          <a:p>
+            <a:r>
+              <a:rPr lang="en-US" smtClean="0"/>
+              <a:t>Click to edit Master title style</a:t>
+            </a:r>
+            <a:endParaRPr lang="en-US" dirty="0"/>
+          </a:p>
+        </p:txBody>
+      </p:sp>
+      <p:sp>
+        <p:nvSpPr>
+          <p:cNvPr id="3" name="Text Placeholder 2"/>
+          <p:cNvSpPr>
+            <a:spLocks noGrp="1"/>
+          </p:cNvSpPr>
+          <p:nvPr>
+            <p:ph type="body" idx="1"/>
+          </p:nvPr>
+        </p:nvSpPr>
+        <p:spPr>
+          <a:xfrm>
+            <a:off x="615762" y="7608549"/>
+            <a:ext cx="5634254" cy="1544541"/>
+          </a:xfrm>
+        </p:spPr>
+        <p:txBody>
+          <a:bodyPr anchor="t">
+            <a:normAutofit/>
+          </a:bodyPr>
+          <a:lstStyle>
+            <a:lvl1pPr marL="0" indent="0" algn="l">
+              <a:buNone/>
+              <a:defRPr sz="1350">
+                <a:gradFill flip="none" rotWithShape="1">
+                  <a:gsLst>
+                    <a:gs pos="0">
+                      <a:schemeClr val="tx1"/>
+                    </a:gs>
+                    <a:gs pos="100000">
+                      <a:schemeClr val="tx1">
+                        <a:lumMod val="75000"/>
+                      </a:schemeClr>
+                    </a:gs>
+                  </a:gsLst>
+                  <a:lin ang="5400000" scaled="0"/>
+                  <a:tileRect/>
+                </a:gradFill>
+              </a:defRPr>
+            </a:lvl1pPr>
+            <a:lvl2pPr marL="342900" indent="0">
+              <a:buNone/>
+              <a:defRPr sz="1350">
+                <a:solidFill>
+                  <a:schemeClr val="tx1">
+                    <a:tint val="75000"/>
+                  </a:schemeClr>
+                </a:solidFill>
+              </a:defRPr>
+            </a:lvl2pPr>
+            <a:lvl3pPr marL="685800" indent="0">
+              <a:buNone/>
+              <a:defRPr sz="1200">
+                <a:solidFill>
+                  <a:schemeClr val="tx1">
+                    <a:tint val="75000"/>
+                  </a:schemeClr>
+                </a:solidFill>
+              </a:defRPr>
+            </a:lvl3pPr>
+            <a:lvl4pPr marL="1028700" indent="0">
+              <a:buNone/>
+              <a:defRPr sz="1050">
+                <a:solidFill>
+                  <a:schemeClr val="tx1">
+                    <a:tint val="75000"/>
+                  </a:schemeClr>
+                </a:solidFill>
+              </a:defRPr>
+            </a:lvl4pPr>
+            <a:lvl5pPr marL="1371600" indent="0">
+              <a:buNone/>
+              <a:defRPr sz="1050">
+                <a:solidFill>
+                  <a:schemeClr val="tx1">
+                    <a:tint val="75000"/>
+                  </a:schemeClr>
+                </a:solidFill>
+              </a:defRPr>
+            </a:lvl5pPr>
+            <a:lvl6pPr marL="1714500" indent="0">
+              <a:buNone/>
+              <a:defRPr sz="1050">
+                <a:solidFill>
+                  <a:schemeClr val="tx1">
+                    <a:tint val="75000"/>
+                  </a:schemeClr>
+                </a:solidFill>
+              </a:defRPr>
+            </a:lvl6pPr>
+            <a:lvl7pPr marL="2057400" indent="0">
+              <a:buNone/>
+              <a:defRPr sz="1050">
+                <a:solidFill>
+                  <a:schemeClr val="tx1">
+                    <a:tint val="75000"/>
+                  </a:schemeClr>
+                </a:solidFill>
+              </a:defRPr>
+            </a:lvl7pPr>
+            <a:lvl8pPr marL="2400300" indent="0">
+              <a:buNone/>
+              <a:defRPr sz="1050">
+                <a:solidFill>
+                  <a:schemeClr val="tx1">
+                    <a:tint val="75000"/>
+                  </a:schemeClr>
+                </a:solidFill>
+              </a:defRPr>
+            </a:lvl8pPr>
+            <a:lvl9pPr marL="2743200" indent="0">
+              <a:buNone/>
+              <a:defRPr sz="1050">
+                <a:solidFill>
+                  <a:schemeClr val="tx1">
+                    <a:tint val="75000"/>
+                  </a:schemeClr>
+                </a:solidFill>
+              </a:defRPr>
+            </a:lvl9pPr>
+          </a:lstStyle>
+          <a:p>
+            <a:pPr lvl="0"/>
+            <a:r>
+              <a:rPr lang="en-US" smtClean="0"/>
+              <a:t>Edit Master text styles</a:t>
+            </a:r>
+          </a:p>
+        </p:txBody>
+      </p:sp>
+      <p:sp>
+        <p:nvSpPr>
+          <p:cNvPr id="4" name="Date Placeholder 3"/>
+          <p:cNvSpPr>
+            <a:spLocks noGrp="1"/>
+          </p:cNvSpPr>
+          <p:nvPr>
+            <p:ph type="dt" sz="half" idx="10"/>
+          </p:nvPr>
+        </p:nvSpPr>
+        <p:spPr/>
+        <p:txBody>
+          <a:bodyPr/>
+          <a:lstStyle/>
+          <a:p>
+            <a:fld id="{BF1F22D6-1FD5-4F0B-A69E-C6566BAAF5BA}" type="datetimeFigureOut">
+              <a:rPr lang="en-IN" smtClean="0"/>
+              <a:t>23-03-2022</a:t>
+            </a:fld>
+            <a:endParaRPr lang="en-IN"/>
+          </a:p>
+        </p:txBody>
+      </p:sp>
+      <p:sp>
+        <p:nvSpPr>
+          <p:cNvPr id="5" name="Footer Placeholder 4"/>
+          <p:cNvSpPr>
+            <a:spLocks noGrp="1"/>
+          </p:cNvSpPr>
+          <p:nvPr>
+            <p:ph type="ftr" sz="quarter" idx="11"/>
+          </p:nvPr>
+        </p:nvSpPr>
+        <p:spPr/>
+        <p:txBody>
+          <a:bodyPr/>
+          <a:lstStyle/>
+          <a:p>
+            <a:endParaRPr lang="en-IN"/>
+          </a:p>
+        </p:txBody>
+      </p:sp>
+      <p:sp>
+        <p:nvSpPr>
+          <p:cNvPr id="6" name="Slide Number Placeholder 5"/>
+          <p:cNvSpPr>
+            <a:spLocks noGrp="1"/>
+          </p:cNvSpPr>
+          <p:nvPr>
+            <p:ph type="sldNum" sz="quarter" idx="12"/>
+          </p:nvPr>
+        </p:nvSpPr>
+        <p:spPr/>
+        <p:txBody>
+          <a:bodyPr/>
+          <a:lstStyle/>
+          <a:p>
+            <a:fld id="{49E5A28C-2F04-4BDA-9B23-0F0F2AF73AE0}" type="slidenum">
+              <a:rPr lang="en-IN" smtClean="0"/>
+              <a:t>‹#›</a:t>
+            </a:fld>
+            <a:endParaRPr lang="en-IN"/>
+          </a:p>
+        </p:txBody>
+      </p:sp>
+    </p:spTree>
+    <p:extLst>
+      <p:ext uri="{BB962C8B-B14F-4D97-AF65-F5344CB8AC3E}">
+        <p14:creationId xmlns:p14="http://schemas.microsoft.com/office/powerpoint/2010/main" val="2986793289"/>
+      </p:ext>
+    </p:extLst>
+  </p:cSld>
+  <p:clrMapOvr>
+    <a:masterClrMapping/>
+  </p:clrMapOvr>
+</p:sldLayout>
+</file>
+
+<file path=ppt/slideLayouts/slideLayout25.xml><?xml version="1.0" encoding="utf-8"?>
+<p:sldLayout xmlns:a="http://schemas.openxmlformats.org/drawingml/2006/main" xmlns:r="http://schemas.openxmlformats.org/officeDocument/2006/relationships" xmlns:p="http://schemas.openxmlformats.org/presentationml/2006/main" preserve="1">
+  <p:cSld name="Quote Name Card">
+    <p:spTree>
+      <p:nvGrpSpPr>
+        <p:cNvPr id="1" name=""/>
+        <p:cNvGrpSpPr/>
+        <p:nvPr/>
+      </p:nvGrpSpPr>
+      <p:grpSpPr>
+        <a:xfrm>
+          <a:off x="0" y="0"/>
+          <a:ext cx="0" cy="0"/>
+          <a:chOff x="0" y="0"/>
+          <a:chExt cx="0" cy="0"/>
+        </a:xfrm>
+      </p:grpSpPr>
+      <p:sp>
+        <p:nvSpPr>
+          <p:cNvPr id="13" name="TextBox 12"/>
+          <p:cNvSpPr txBox="1"/>
+          <p:nvPr/>
+        </p:nvSpPr>
+        <p:spPr>
+          <a:xfrm>
+            <a:off x="437864" y="1130777"/>
+            <a:ext cx="342989" cy="877164"/>
+          </a:xfrm>
+          <a:prstGeom prst="rect">
+            <a:avLst/>
+          </a:prstGeom>
+        </p:spPr>
+        <p:txBody>
+          <a:bodyPr vert="horz" lIns="68580" tIns="34290" rIns="68580" bIns="34290" rtlCol="0" anchor="ctr">
+            <a:noAutofit/>
+          </a:bodyPr>
+          <a:lstStyle>
+            <a:lvl1pPr>
+              <a:spcBef>
+                <a:spcPct val="0"/>
+              </a:spcBef>
+              <a:buNone/>
+              <a:defRPr sz="3200" b="0" cap="all">
+                <a:ln w="3175" cmpd="sng">
+                  <a:noFill/>
+                </a:ln>
+                <a:effectLst>
+                  <a:glow rad="38100">
+                    <a:schemeClr val="bg1">
+                      <a:lumMod val="65000"/>
+                      <a:lumOff val="35000"/>
+                      <a:alpha val="40000"/>
+                    </a:schemeClr>
+                  </a:glow>
+                  <a:outerShdw blurRad="28575" dist="38100" dir="14040000" algn="tl" rotWithShape="0">
+                    <a:srgbClr val="000000">
+                      <a:alpha val="25000"/>
+                    </a:srgbClr>
+                  </a:outerShdw>
+                </a:effectLst>
+              </a:defRPr>
+            </a:lvl1pPr>
+            <a:lvl2pPr>
+              <a:defRPr>
+                <a:solidFill>
+                  <a:schemeClr val="tx2"/>
+                </a:solidFill>
+              </a:defRPr>
+            </a:lvl2pPr>
+            <a:lvl3pPr>
+              <a:defRPr>
+                <a:solidFill>
+                  <a:schemeClr val="tx2"/>
+                </a:solidFill>
+              </a:defRPr>
+            </a:lvl3pPr>
+            <a:lvl4pPr>
+              <a:defRPr>
+                <a:solidFill>
+                  <a:schemeClr val="tx2"/>
+                </a:solidFill>
+              </a:defRPr>
+            </a:lvl4pPr>
+            <a:lvl5pPr>
+              <a:defRPr>
+                <a:solidFill>
+                  <a:schemeClr val="tx2"/>
+                </a:solidFill>
+              </a:defRPr>
+            </a:lvl5pPr>
+            <a:lvl6pPr>
+              <a:defRPr>
+                <a:solidFill>
+                  <a:schemeClr val="tx2"/>
+                </a:solidFill>
+              </a:defRPr>
+            </a:lvl6pPr>
+            <a:lvl7pPr>
+              <a:defRPr>
+                <a:solidFill>
+                  <a:schemeClr val="tx2"/>
+                </a:solidFill>
+              </a:defRPr>
+            </a:lvl7pPr>
+            <a:lvl8pPr>
+              <a:defRPr>
+                <a:solidFill>
+                  <a:schemeClr val="tx2"/>
+                </a:solidFill>
+              </a:defRPr>
+            </a:lvl8pPr>
+            <a:lvl9pPr>
+              <a:defRPr>
+                <a:solidFill>
+                  <a:schemeClr val="tx2"/>
+                </a:solidFill>
+              </a:defRPr>
+            </a:lvl9pPr>
+          </a:lstStyle>
+          <a:p>
+            <a:pPr lvl="0"/>
+            <a:r>
+              <a:rPr lang="en-US" sz="6000" dirty="0">
+                <a:solidFill>
+                  <a:schemeClr val="accent1"/>
+                </a:solidFill>
+              </a:rPr>
+              <a:t>“</a:t>
+            </a:r>
+          </a:p>
+        </p:txBody>
+      </p:sp>
+      <p:sp>
+        <p:nvSpPr>
+          <p:cNvPr id="16" name="TextBox 15"/>
+          <p:cNvSpPr txBox="1"/>
+          <p:nvPr/>
+        </p:nvSpPr>
+        <p:spPr>
+          <a:xfrm>
+            <a:off x="5915668" y="4319247"/>
+            <a:ext cx="342989" cy="877164"/>
+          </a:xfrm>
+          <a:prstGeom prst="rect">
+            <a:avLst/>
+          </a:prstGeom>
+        </p:spPr>
+        <p:txBody>
+          <a:bodyPr vert="horz" lIns="68580" tIns="34290" rIns="68580" bIns="34290" rtlCol="0" anchor="ctr">
+            <a:noAutofit/>
+          </a:bodyPr>
+          <a:lstStyle>
+            <a:lvl1pPr>
+              <a:spcBef>
+                <a:spcPct val="0"/>
+              </a:spcBef>
+              <a:buNone/>
+              <a:defRPr sz="3200" b="0" cap="all">
+                <a:ln w="3175" cmpd="sng">
+                  <a:noFill/>
+                </a:ln>
+                <a:effectLst>
+                  <a:glow rad="38100">
+                    <a:schemeClr val="bg1">
+                      <a:lumMod val="65000"/>
+                      <a:lumOff val="35000"/>
+                      <a:alpha val="40000"/>
+                    </a:schemeClr>
+                  </a:glow>
+                  <a:outerShdw blurRad="28575" dist="38100" dir="14040000" algn="tl" rotWithShape="0">
+                    <a:srgbClr val="000000">
+                      <a:alpha val="25000"/>
+                    </a:srgbClr>
+                  </a:outerShdw>
+                </a:effectLst>
+              </a:defRPr>
+            </a:lvl1pPr>
+            <a:lvl2pPr>
+              <a:defRPr>
+                <a:solidFill>
+                  <a:schemeClr val="tx2"/>
+                </a:solidFill>
+              </a:defRPr>
+            </a:lvl2pPr>
+            <a:lvl3pPr>
+              <a:defRPr>
+                <a:solidFill>
+                  <a:schemeClr val="tx2"/>
+                </a:solidFill>
+              </a:defRPr>
+            </a:lvl3pPr>
+            <a:lvl4pPr>
+              <a:defRPr>
+                <a:solidFill>
+                  <a:schemeClr val="tx2"/>
+                </a:solidFill>
+              </a:defRPr>
+            </a:lvl4pPr>
+            <a:lvl5pPr>
+              <a:defRPr>
+                <a:solidFill>
+                  <a:schemeClr val="tx2"/>
+                </a:solidFill>
+              </a:defRPr>
+            </a:lvl5pPr>
+            <a:lvl6pPr>
+              <a:defRPr>
+                <a:solidFill>
+                  <a:schemeClr val="tx2"/>
+                </a:solidFill>
+              </a:defRPr>
+            </a:lvl6pPr>
+            <a:lvl7pPr>
+              <a:defRPr>
+                <a:solidFill>
+                  <a:schemeClr val="tx2"/>
+                </a:solidFill>
+              </a:defRPr>
+            </a:lvl7pPr>
+            <a:lvl8pPr>
+              <a:defRPr>
+                <a:solidFill>
+                  <a:schemeClr val="tx2"/>
+                </a:solidFill>
+              </a:defRPr>
+            </a:lvl8pPr>
+            <a:lvl9pPr>
+              <a:defRPr>
+                <a:solidFill>
+                  <a:schemeClr val="tx2"/>
+                </a:solidFill>
+              </a:defRPr>
+            </a:lvl9pPr>
+          </a:lstStyle>
+          <a:p>
+            <a:pPr lvl="0" algn="r"/>
+            <a:r>
+              <a:rPr lang="en-US" sz="6000" dirty="0">
+                <a:solidFill>
+                  <a:schemeClr val="accent1"/>
+                </a:solidFill>
+              </a:rPr>
+              <a:t>”</a:t>
+            </a:r>
+          </a:p>
+        </p:txBody>
+      </p:sp>
+      <p:sp>
+        <p:nvSpPr>
+          <p:cNvPr id="2" name="Title 1"/>
+          <p:cNvSpPr>
+            <a:spLocks noGrp="1"/>
+          </p:cNvSpPr>
+          <p:nvPr>
+            <p:ph type="title"/>
+          </p:nvPr>
+        </p:nvSpPr>
+        <p:spPr>
+          <a:xfrm>
+            <a:off x="813707" y="894028"/>
+            <a:ext cx="5230586" cy="4266554"/>
+          </a:xfrm>
+        </p:spPr>
+        <p:txBody>
+          <a:bodyPr anchor="ctr">
+            <a:normAutofit/>
+          </a:bodyPr>
+          <a:lstStyle>
+            <a:lvl1pPr algn="l">
+              <a:defRPr sz="2100" b="0" cap="all">
+                <a:gradFill flip="none" rotWithShape="1">
+                  <a:gsLst>
+                    <a:gs pos="0">
+                      <a:schemeClr val="tx1"/>
+                    </a:gs>
+                    <a:gs pos="100000">
+                      <a:schemeClr val="tx1">
+                        <a:lumMod val="75000"/>
+                      </a:schemeClr>
+                    </a:gs>
+                  </a:gsLst>
+                  <a:lin ang="5400000" scaled="0"/>
+                  <a:tileRect/>
+                </a:gradFill>
+              </a:defRPr>
+            </a:lvl1pPr>
+          </a:lstStyle>
+          <a:p>
+            <a:r>
+              <a:rPr lang="en-US" smtClean="0"/>
+              <a:t>Click to edit Master title style</a:t>
+            </a:r>
+            <a:endParaRPr lang="en-US" dirty="0"/>
+          </a:p>
+        </p:txBody>
+      </p:sp>
+      <p:sp>
+        <p:nvSpPr>
+          <p:cNvPr id="10" name="Text Placeholder 9"/>
+          <p:cNvSpPr>
+            <a:spLocks noGrp="1"/>
+          </p:cNvSpPr>
+          <p:nvPr>
+            <p:ph type="body" sz="quarter" idx="13"/>
+          </p:nvPr>
+        </p:nvSpPr>
+        <p:spPr>
+          <a:xfrm>
+            <a:off x="613760" y="5829300"/>
+            <a:ext cx="5634254" cy="1580493"/>
+          </a:xfrm>
+        </p:spPr>
+        <p:txBody>
+          <a:bodyPr vert="horz" lIns="91440" tIns="45720" rIns="91440" bIns="45720" rtlCol="0" anchor="b">
+            <a:normAutofit/>
+          </a:bodyPr>
+          <a:lstStyle>
+            <a:lvl1pPr>
+              <a:buNone/>
+              <a:defRPr lang="en-US" sz="1500" b="0" cap="all" dirty="0">
+                <a:ln w="3175" cmpd="sng">
+                  <a:noFill/>
+                </a:ln>
+                <a:gradFill flip="none" rotWithShape="1">
+                  <a:gsLst>
+                    <a:gs pos="0">
+                      <a:schemeClr val="tx1"/>
+                    </a:gs>
+                    <a:gs pos="100000">
+                      <a:schemeClr val="tx1">
+                        <a:lumMod val="75000"/>
+                      </a:schemeClr>
+                    </a:gs>
+                  </a:gsLst>
+                  <a:lin ang="0" scaled="1"/>
+                  <a:tileRect/>
+                </a:gradFill>
+                <a:effectLst>
+                  <a:glow rad="38100">
+                    <a:schemeClr val="bg1">
+                      <a:lumMod val="65000"/>
+                      <a:lumOff val="35000"/>
+                      <a:alpha val="40000"/>
+                    </a:schemeClr>
+                  </a:glow>
+                  <a:outerShdw blurRad="28575" dist="38100" dir="14040000" algn="tl" rotWithShape="0">
+                    <a:srgbClr val="000000">
+                      <a:alpha val="25000"/>
+                    </a:srgbClr>
+                  </a:outerShdw>
+                </a:effectLst>
+              </a:defRPr>
+            </a:lvl1pPr>
+          </a:lstStyle>
+          <a:p>
+            <a:pPr marL="0" lvl="0">
+              <a:spcBef>
+                <a:spcPct val="0"/>
+              </a:spcBef>
+              <a:buNone/>
+            </a:pPr>
+            <a:r>
+              <a:rPr lang="en-US" smtClean="0"/>
+              <a:t>Edit Master text styles</a:t>
+            </a:r>
+          </a:p>
+        </p:txBody>
+      </p:sp>
+      <p:sp>
+        <p:nvSpPr>
+          <p:cNvPr id="3" name="Text Placeholder 2"/>
+          <p:cNvSpPr>
+            <a:spLocks noGrp="1"/>
+          </p:cNvSpPr>
+          <p:nvPr>
+            <p:ph type="body" idx="1"/>
+          </p:nvPr>
+        </p:nvSpPr>
+        <p:spPr>
+          <a:xfrm>
+            <a:off x="613760" y="7409793"/>
+            <a:ext cx="5634254" cy="1743297"/>
+          </a:xfrm>
+        </p:spPr>
+        <p:txBody>
+          <a:bodyPr anchor="t">
+            <a:normAutofit/>
+          </a:bodyPr>
+          <a:lstStyle>
+            <a:lvl1pPr marL="0" indent="0" algn="l">
+              <a:buNone/>
+              <a:defRPr sz="1200">
+                <a:gradFill flip="none" rotWithShape="1">
+                  <a:gsLst>
+                    <a:gs pos="0">
+                      <a:schemeClr val="tx1"/>
+                    </a:gs>
+                    <a:gs pos="100000">
+                      <a:schemeClr val="tx1">
+                        <a:lumMod val="75000"/>
+                      </a:schemeClr>
+                    </a:gs>
+                  </a:gsLst>
+                  <a:lin ang="5400000" scaled="0"/>
+                  <a:tileRect/>
+                </a:gradFill>
+              </a:defRPr>
+            </a:lvl1pPr>
+            <a:lvl2pPr marL="342900" indent="0">
+              <a:buNone/>
+              <a:defRPr sz="1200">
+                <a:solidFill>
+                  <a:schemeClr val="tx1">
+                    <a:tint val="75000"/>
+                  </a:schemeClr>
+                </a:solidFill>
+              </a:defRPr>
+            </a:lvl2pPr>
+            <a:lvl3pPr marL="685800" indent="0">
+              <a:buNone/>
+              <a:defRPr sz="1200">
+                <a:solidFill>
+                  <a:schemeClr val="tx1">
+                    <a:tint val="75000"/>
+                  </a:schemeClr>
+                </a:solidFill>
+              </a:defRPr>
+            </a:lvl3pPr>
+            <a:lvl4pPr marL="1028700" indent="0">
+              <a:buNone/>
+              <a:defRPr sz="1050">
+                <a:solidFill>
+                  <a:schemeClr val="tx1">
+                    <a:tint val="75000"/>
+                  </a:schemeClr>
+                </a:solidFill>
+              </a:defRPr>
+            </a:lvl4pPr>
+            <a:lvl5pPr marL="1371600" indent="0">
+              <a:buNone/>
+              <a:defRPr sz="1050">
+                <a:solidFill>
+                  <a:schemeClr val="tx1">
+                    <a:tint val="75000"/>
+                  </a:schemeClr>
+                </a:solidFill>
+              </a:defRPr>
+            </a:lvl5pPr>
+            <a:lvl6pPr marL="1714500" indent="0">
+              <a:buNone/>
+              <a:defRPr sz="1050">
+                <a:solidFill>
+                  <a:schemeClr val="tx1">
+                    <a:tint val="75000"/>
+                  </a:schemeClr>
+                </a:solidFill>
+              </a:defRPr>
+            </a:lvl6pPr>
+            <a:lvl7pPr marL="2057400" indent="0">
+              <a:buNone/>
+              <a:defRPr sz="1050">
+                <a:solidFill>
+                  <a:schemeClr val="tx1">
+                    <a:tint val="75000"/>
+                  </a:schemeClr>
+                </a:solidFill>
+              </a:defRPr>
+            </a:lvl7pPr>
+            <a:lvl8pPr marL="2400300" indent="0">
+              <a:buNone/>
+              <a:defRPr sz="1050">
+                <a:solidFill>
+                  <a:schemeClr val="tx1">
+                    <a:tint val="75000"/>
+                  </a:schemeClr>
+                </a:solidFill>
+              </a:defRPr>
+            </a:lvl8pPr>
+            <a:lvl9pPr marL="2743200" indent="0">
+              <a:buNone/>
+              <a:defRPr sz="1050">
+                <a:solidFill>
+                  <a:schemeClr val="tx1">
+                    <a:tint val="75000"/>
+                  </a:schemeClr>
+                </a:solidFill>
+              </a:defRPr>
+            </a:lvl9pPr>
+          </a:lstStyle>
+          <a:p>
+            <a:pPr lvl="0"/>
+            <a:r>
+              <a:rPr lang="en-US" smtClean="0"/>
+              <a:t>Edit Master text styles</a:t>
+            </a:r>
+          </a:p>
+        </p:txBody>
+      </p:sp>
+      <p:sp>
+        <p:nvSpPr>
+          <p:cNvPr id="4" name="Date Placeholder 3"/>
+          <p:cNvSpPr>
+            <a:spLocks noGrp="1"/>
+          </p:cNvSpPr>
+          <p:nvPr>
+            <p:ph type="dt" sz="half" idx="10"/>
+          </p:nvPr>
+        </p:nvSpPr>
+        <p:spPr/>
+        <p:txBody>
+          <a:bodyPr/>
+          <a:lstStyle/>
+          <a:p>
+            <a:fld id="{BF1F22D6-1FD5-4F0B-A69E-C6566BAAF5BA}" type="datetimeFigureOut">
+              <a:rPr lang="en-IN" smtClean="0"/>
+              <a:t>23-03-2022</a:t>
+            </a:fld>
+            <a:endParaRPr lang="en-IN"/>
+          </a:p>
+        </p:txBody>
+      </p:sp>
+      <p:sp>
+        <p:nvSpPr>
+          <p:cNvPr id="5" name="Footer Placeholder 4"/>
+          <p:cNvSpPr>
+            <a:spLocks noGrp="1"/>
+          </p:cNvSpPr>
+          <p:nvPr>
+            <p:ph type="ftr" sz="quarter" idx="11"/>
+          </p:nvPr>
+        </p:nvSpPr>
+        <p:spPr/>
+        <p:txBody>
+          <a:bodyPr/>
+          <a:lstStyle/>
+          <a:p>
+            <a:endParaRPr lang="en-IN"/>
+          </a:p>
+        </p:txBody>
+      </p:sp>
+      <p:sp>
+        <p:nvSpPr>
+          <p:cNvPr id="6" name="Slide Number Placeholder 5"/>
+          <p:cNvSpPr>
+            <a:spLocks noGrp="1"/>
+          </p:cNvSpPr>
+          <p:nvPr>
+            <p:ph type="sldNum" sz="quarter" idx="12"/>
+          </p:nvPr>
+        </p:nvSpPr>
+        <p:spPr/>
+        <p:txBody>
+          <a:bodyPr/>
+          <a:lstStyle/>
+          <a:p>
+            <a:fld id="{49E5A28C-2F04-4BDA-9B23-0F0F2AF73AE0}" type="slidenum">
+              <a:rPr lang="en-IN" smtClean="0"/>
+              <a:t>‹#›</a:t>
+            </a:fld>
+            <a:endParaRPr lang="en-IN"/>
+          </a:p>
+        </p:txBody>
+      </p:sp>
+    </p:spTree>
+    <p:extLst>
+      <p:ext uri="{BB962C8B-B14F-4D97-AF65-F5344CB8AC3E}">
+        <p14:creationId xmlns:p14="http://schemas.microsoft.com/office/powerpoint/2010/main" val="3947808172"/>
+      </p:ext>
+    </p:extLst>
+  </p:cSld>
+  <p:clrMapOvr>
+    <a:masterClrMapping/>
+  </p:clrMapOvr>
+</p:sldLayout>
+</file>
+
+<file path=ppt/slideLayouts/slideLayout26.xml><?xml version="1.0" encoding="utf-8"?>
+<p:sldLayout xmlns:a="http://schemas.openxmlformats.org/drawingml/2006/main" xmlns:r="http://schemas.openxmlformats.org/officeDocument/2006/relationships" xmlns:p="http://schemas.openxmlformats.org/presentationml/2006/main" preserve="1">
+  <p:cSld name="True or False">
+    <p:spTree>
+      <p:nvGrpSpPr>
+        <p:cNvPr id="1" name=""/>
+        <p:cNvGrpSpPr/>
+        <p:nvPr/>
+      </p:nvGrpSpPr>
+      <p:grpSpPr>
+        <a:xfrm>
+          <a:off x="0" y="0"/>
+          <a:ext cx="0" cy="0"/>
+          <a:chOff x="0" y="0"/>
+          <a:chExt cx="0" cy="0"/>
+        </a:xfrm>
+      </p:grpSpPr>
+      <p:sp>
+        <p:nvSpPr>
+          <p:cNvPr id="2" name="Title 1"/>
+          <p:cNvSpPr>
+            <a:spLocks noGrp="1"/>
+          </p:cNvSpPr>
+          <p:nvPr>
+            <p:ph type="title"/>
+          </p:nvPr>
+        </p:nvSpPr>
+        <p:spPr>
+          <a:xfrm>
+            <a:off x="613760" y="894028"/>
+            <a:ext cx="5633605" cy="4135175"/>
+          </a:xfrm>
+        </p:spPr>
+        <p:txBody>
+          <a:bodyPr vert="horz" lIns="91440" tIns="45720" rIns="91440" bIns="45720" rtlCol="0" anchor="ctr">
+            <a:normAutofit/>
+          </a:bodyPr>
+          <a:lstStyle>
+            <a:lvl1pPr>
+              <a:defRPr lang="en-US" sz="2100" b="0" dirty="0"/>
+            </a:lvl1pPr>
+          </a:lstStyle>
+          <a:p>
+            <a:pPr marL="0" lvl="0"/>
+            <a:r>
+              <a:rPr lang="en-US" smtClean="0"/>
+              <a:t>Click to edit Master title style</a:t>
+            </a:r>
+            <a:endParaRPr lang="en-US" dirty="0"/>
+          </a:p>
+        </p:txBody>
+      </p:sp>
+      <p:sp>
+        <p:nvSpPr>
+          <p:cNvPr id="10" name="Text Placeholder 9"/>
+          <p:cNvSpPr>
+            <a:spLocks noGrp="1"/>
+          </p:cNvSpPr>
+          <p:nvPr>
+            <p:ph type="body" sz="quarter" idx="13"/>
+          </p:nvPr>
+        </p:nvSpPr>
+        <p:spPr>
+          <a:xfrm>
+            <a:off x="613760" y="5524412"/>
+            <a:ext cx="5633605" cy="1573925"/>
+          </a:xfrm>
+        </p:spPr>
+        <p:txBody>
+          <a:bodyPr vert="horz" lIns="91440" tIns="45720" rIns="91440" bIns="45720" rtlCol="0" anchor="b">
+            <a:normAutofit/>
+          </a:bodyPr>
+          <a:lstStyle>
+            <a:lvl1pPr>
+              <a:buNone/>
+              <a:defRPr lang="en-US" sz="1800" b="0" cap="all" dirty="0">
+                <a:ln w="3175" cmpd="sng">
+                  <a:noFill/>
+                </a:ln>
+                <a:gradFill flip="none" rotWithShape="1">
+                  <a:gsLst>
+                    <a:gs pos="0">
+                      <a:schemeClr val="tx1"/>
+                    </a:gs>
+                    <a:gs pos="100000">
+                      <a:schemeClr val="tx1">
+                        <a:lumMod val="75000"/>
+                      </a:schemeClr>
+                    </a:gs>
+                  </a:gsLst>
+                  <a:lin ang="5400000" scaled="0"/>
+                  <a:tileRect/>
+                </a:gradFill>
+                <a:effectLst>
+                  <a:glow rad="38100">
+                    <a:schemeClr val="bg1">
+                      <a:lumMod val="65000"/>
+                      <a:lumOff val="35000"/>
+                      <a:alpha val="40000"/>
+                    </a:schemeClr>
+                  </a:glow>
+                  <a:outerShdw blurRad="28575" dist="38100" dir="14040000" algn="tl" rotWithShape="0">
+                    <a:srgbClr val="000000">
+                      <a:alpha val="25000"/>
+                    </a:srgbClr>
+                  </a:outerShdw>
+                </a:effectLst>
+              </a:defRPr>
+            </a:lvl1pPr>
+          </a:lstStyle>
+          <a:p>
+            <a:pPr marL="0" lvl="0">
+              <a:spcBef>
+                <a:spcPct val="0"/>
+              </a:spcBef>
+              <a:buNone/>
+            </a:pPr>
+            <a:r>
+              <a:rPr lang="en-US" smtClean="0"/>
+              <a:t>Edit Master text styles</a:t>
+            </a:r>
+          </a:p>
+        </p:txBody>
+      </p:sp>
+      <p:sp>
+        <p:nvSpPr>
+          <p:cNvPr id="3" name="Text Placeholder 2"/>
+          <p:cNvSpPr>
+            <a:spLocks noGrp="1"/>
+          </p:cNvSpPr>
+          <p:nvPr>
+            <p:ph type="body" idx="1"/>
+          </p:nvPr>
+        </p:nvSpPr>
+        <p:spPr>
+          <a:xfrm>
+            <a:off x="613760" y="7098336"/>
+            <a:ext cx="5633604" cy="2054754"/>
+          </a:xfrm>
+        </p:spPr>
+        <p:txBody>
+          <a:bodyPr anchor="t">
+            <a:normAutofit/>
+          </a:bodyPr>
+          <a:lstStyle>
+            <a:lvl1pPr marL="0" indent="0" algn="l">
+              <a:buNone/>
+              <a:defRPr sz="1200">
+                <a:gradFill flip="none" rotWithShape="1">
+                  <a:gsLst>
+                    <a:gs pos="0">
+                      <a:schemeClr val="tx1"/>
+                    </a:gs>
+                    <a:gs pos="100000">
+                      <a:schemeClr val="tx1">
+                        <a:lumMod val="75000"/>
+                      </a:schemeClr>
+                    </a:gs>
+                  </a:gsLst>
+                  <a:lin ang="5400000" scaled="0"/>
+                  <a:tileRect/>
+                </a:gradFill>
+              </a:defRPr>
+            </a:lvl1pPr>
+            <a:lvl2pPr marL="342900" indent="0">
+              <a:buNone/>
+              <a:defRPr sz="1200">
+                <a:solidFill>
+                  <a:schemeClr val="tx1">
+                    <a:tint val="75000"/>
+                  </a:schemeClr>
+                </a:solidFill>
+              </a:defRPr>
+            </a:lvl2pPr>
+            <a:lvl3pPr marL="685800" indent="0">
+              <a:buNone/>
+              <a:defRPr sz="1200">
+                <a:solidFill>
+                  <a:schemeClr val="tx1">
+                    <a:tint val="75000"/>
+                  </a:schemeClr>
+                </a:solidFill>
+              </a:defRPr>
+            </a:lvl3pPr>
+            <a:lvl4pPr marL="1028700" indent="0">
+              <a:buNone/>
+              <a:defRPr sz="1050">
+                <a:solidFill>
+                  <a:schemeClr val="tx1">
+                    <a:tint val="75000"/>
+                  </a:schemeClr>
+                </a:solidFill>
+              </a:defRPr>
+            </a:lvl4pPr>
+            <a:lvl5pPr marL="1371600" indent="0">
+              <a:buNone/>
+              <a:defRPr sz="1050">
+                <a:solidFill>
+                  <a:schemeClr val="tx1">
+                    <a:tint val="75000"/>
+                  </a:schemeClr>
+                </a:solidFill>
+              </a:defRPr>
+            </a:lvl5pPr>
+            <a:lvl6pPr marL="1714500" indent="0">
+              <a:buNone/>
+              <a:defRPr sz="1050">
+                <a:solidFill>
+                  <a:schemeClr val="tx1">
+                    <a:tint val="75000"/>
+                  </a:schemeClr>
+                </a:solidFill>
+              </a:defRPr>
+            </a:lvl6pPr>
+            <a:lvl7pPr marL="2057400" indent="0">
+              <a:buNone/>
+              <a:defRPr sz="1050">
+                <a:solidFill>
+                  <a:schemeClr val="tx1">
+                    <a:tint val="75000"/>
+                  </a:schemeClr>
+                </a:solidFill>
+              </a:defRPr>
+            </a:lvl7pPr>
+            <a:lvl8pPr marL="2400300" indent="0">
+              <a:buNone/>
+              <a:defRPr sz="1050">
+                <a:solidFill>
+                  <a:schemeClr val="tx1">
+                    <a:tint val="75000"/>
+                  </a:schemeClr>
+                </a:solidFill>
+              </a:defRPr>
+            </a:lvl8pPr>
+            <a:lvl9pPr marL="2743200" indent="0">
+              <a:buNone/>
+              <a:defRPr sz="1050">
+                <a:solidFill>
+                  <a:schemeClr val="tx1">
+                    <a:tint val="75000"/>
+                  </a:schemeClr>
+                </a:solidFill>
+              </a:defRPr>
+            </a:lvl9pPr>
+          </a:lstStyle>
+          <a:p>
+            <a:pPr lvl="0"/>
+            <a:r>
+              <a:rPr lang="en-US" smtClean="0"/>
+              <a:t>Edit Master text styles</a:t>
+            </a:r>
+          </a:p>
+        </p:txBody>
+      </p:sp>
+      <p:sp>
+        <p:nvSpPr>
+          <p:cNvPr id="4" name="Date Placeholder 3"/>
+          <p:cNvSpPr>
+            <a:spLocks noGrp="1"/>
+          </p:cNvSpPr>
+          <p:nvPr>
+            <p:ph type="dt" sz="half" idx="10"/>
+          </p:nvPr>
+        </p:nvSpPr>
+        <p:spPr/>
+        <p:txBody>
+          <a:bodyPr/>
+          <a:lstStyle/>
+          <a:p>
+            <a:fld id="{BF1F22D6-1FD5-4F0B-A69E-C6566BAAF5BA}" type="datetimeFigureOut">
+              <a:rPr lang="en-IN" smtClean="0"/>
+              <a:t>23-03-2022</a:t>
+            </a:fld>
+            <a:endParaRPr lang="en-IN"/>
+          </a:p>
+        </p:txBody>
+      </p:sp>
+      <p:sp>
+        <p:nvSpPr>
+          <p:cNvPr id="5" name="Footer Placeholder 4"/>
+          <p:cNvSpPr>
+            <a:spLocks noGrp="1"/>
+          </p:cNvSpPr>
+          <p:nvPr>
+            <p:ph type="ftr" sz="quarter" idx="11"/>
+          </p:nvPr>
+        </p:nvSpPr>
+        <p:spPr/>
+        <p:txBody>
+          <a:bodyPr/>
+          <a:lstStyle/>
+          <a:p>
+            <a:endParaRPr lang="en-IN"/>
+          </a:p>
+        </p:txBody>
+      </p:sp>
+      <p:sp>
+        <p:nvSpPr>
+          <p:cNvPr id="6" name="Slide Number Placeholder 5"/>
+          <p:cNvSpPr>
+            <a:spLocks noGrp="1"/>
+          </p:cNvSpPr>
+          <p:nvPr>
+            <p:ph type="sldNum" sz="quarter" idx="12"/>
+          </p:nvPr>
+        </p:nvSpPr>
+        <p:spPr/>
+        <p:txBody>
+          <a:bodyPr/>
+          <a:lstStyle/>
+          <a:p>
+            <a:fld id="{49E5A28C-2F04-4BDA-9B23-0F0F2AF73AE0}" type="slidenum">
+              <a:rPr lang="en-IN" smtClean="0"/>
+              <a:t>‹#›</a:t>
+            </a:fld>
+            <a:endParaRPr lang="en-IN"/>
+          </a:p>
+        </p:txBody>
+      </p:sp>
+    </p:spTree>
+    <p:extLst>
+      <p:ext uri="{BB962C8B-B14F-4D97-AF65-F5344CB8AC3E}">
+        <p14:creationId xmlns:p14="http://schemas.microsoft.com/office/powerpoint/2010/main" val="639651273"/>
+      </p:ext>
+    </p:extLst>
+  </p:cSld>
+  <p:clrMapOvr>
+    <a:masterClrMapping/>
+  </p:clrMapOvr>
+</p:sldLayout>
+</file>
+
+<file path=ppt/slideLayouts/slideLayout27.xml><?xml version="1.0" encoding="utf-8"?>
+<p:sldLayout xmlns:a="http://schemas.openxmlformats.org/drawingml/2006/main" xmlns:r="http://schemas.openxmlformats.org/officeDocument/2006/relationships" xmlns:p="http://schemas.openxmlformats.org/presentationml/2006/main" type="vertTx" preserve="1">
+  <p:cSld name="Title and Vertical Text">
+    <p:spTree>
+      <p:nvGrpSpPr>
+        <p:cNvPr id="1" name=""/>
+        <p:cNvGrpSpPr/>
+        <p:nvPr/>
+      </p:nvGrpSpPr>
+      <p:grpSpPr>
+        <a:xfrm>
+          <a:off x="0" y="0"/>
+          <a:ext cx="0" cy="0"/>
+          <a:chOff x="0" y="0"/>
+          <a:chExt cx="0" cy="0"/>
+        </a:xfrm>
+      </p:grpSpPr>
+      <p:sp>
+        <p:nvSpPr>
+          <p:cNvPr id="7" name="Title 1"/>
+          <p:cNvSpPr>
+            <a:spLocks noGrp="1"/>
+          </p:cNvSpPr>
+          <p:nvPr>
+            <p:ph type="title"/>
+          </p:nvPr>
+        </p:nvSpPr>
+        <p:spPr>
+          <a:xfrm>
+            <a:off x="613761" y="894027"/>
+            <a:ext cx="5633605" cy="1968720"/>
+          </a:xfrm>
+        </p:spPr>
+        <p:txBody>
+          <a:bodyPr/>
+          <a:lstStyle/>
+          <a:p>
+            <a:r>
+              <a:rPr lang="en-US" smtClean="0"/>
+              <a:t>Click to edit Master title style</a:t>
+            </a:r>
+            <a:endParaRPr lang="en-US" dirty="0"/>
+          </a:p>
+        </p:txBody>
+      </p:sp>
+      <p:sp>
+        <p:nvSpPr>
+          <p:cNvPr id="3" name="Vertical Text Placeholder 2"/>
+          <p:cNvSpPr>
+            <a:spLocks noGrp="1"/>
+          </p:cNvSpPr>
+          <p:nvPr>
+            <p:ph type="body" orient="vert" idx="1"/>
+          </p:nvPr>
+        </p:nvSpPr>
+        <p:spPr/>
+        <p:txBody>
+          <a:bodyPr vert="eaVert" anchor="t"/>
+          <a:lstStyle/>
+          <a:p>
+            <a:pPr lvl="0"/>
+            <a:r>
+              <a:rPr lang="en-US" smtClean="0"/>
+              <a:t>Edit Master text styles</a:t>
+            </a:r>
+          </a:p>
+          <a:p>
+            <a:pPr lvl="1"/>
+            <a:r>
+              <a:rPr lang="en-US" smtClean="0"/>
+              <a:t>Second level</a:t>
+            </a:r>
+          </a:p>
+          <a:p>
+            <a:pPr lvl="2"/>
+            <a:r>
+              <a:rPr lang="en-US" smtClean="0"/>
+              <a:t>Third level</a:t>
+            </a:r>
+          </a:p>
+          <a:p>
+            <a:pPr lvl="3"/>
+            <a:r>
+              <a:rPr lang="en-US" smtClean="0"/>
+              <a:t>Fourth level</a:t>
+            </a:r>
+          </a:p>
+          <a:p>
+            <a:pPr lvl="4"/>
+            <a:r>
+              <a:rPr lang="en-US" smtClean="0"/>
+              <a:t>Fifth level</a:t>
+            </a:r>
+            <a:endParaRPr lang="en-US" dirty="0"/>
+          </a:p>
+        </p:txBody>
+      </p:sp>
+      <p:sp>
+        <p:nvSpPr>
+          <p:cNvPr id="4" name="Date Placeholder 3"/>
+          <p:cNvSpPr>
+            <a:spLocks noGrp="1"/>
+          </p:cNvSpPr>
+          <p:nvPr>
+            <p:ph type="dt" sz="half" idx="10"/>
+          </p:nvPr>
+        </p:nvSpPr>
+        <p:spPr/>
+        <p:txBody>
+          <a:bodyPr/>
+          <a:lstStyle/>
+          <a:p>
+            <a:fld id="{BF1F22D6-1FD5-4F0B-A69E-C6566BAAF5BA}" type="datetimeFigureOut">
+              <a:rPr lang="en-IN" smtClean="0"/>
+              <a:t>23-03-2022</a:t>
+            </a:fld>
+            <a:endParaRPr lang="en-IN"/>
+          </a:p>
+        </p:txBody>
+      </p:sp>
+      <p:sp>
+        <p:nvSpPr>
+          <p:cNvPr id="5" name="Footer Placeholder 4"/>
+          <p:cNvSpPr>
+            <a:spLocks noGrp="1"/>
+          </p:cNvSpPr>
+          <p:nvPr>
+            <p:ph type="ftr" sz="quarter" idx="11"/>
+          </p:nvPr>
+        </p:nvSpPr>
+        <p:spPr/>
+        <p:txBody>
+          <a:bodyPr/>
+          <a:lstStyle/>
+          <a:p>
+            <a:endParaRPr lang="en-IN"/>
+          </a:p>
+        </p:txBody>
+      </p:sp>
+      <p:sp>
+        <p:nvSpPr>
+          <p:cNvPr id="6" name="Slide Number Placeholder 5"/>
+          <p:cNvSpPr>
+            <a:spLocks noGrp="1"/>
+          </p:cNvSpPr>
+          <p:nvPr>
+            <p:ph type="sldNum" sz="quarter" idx="12"/>
+          </p:nvPr>
+        </p:nvSpPr>
+        <p:spPr/>
+        <p:txBody>
+          <a:bodyPr/>
+          <a:lstStyle/>
+          <a:p>
+            <a:fld id="{49E5A28C-2F04-4BDA-9B23-0F0F2AF73AE0}" type="slidenum">
+              <a:rPr lang="en-IN" smtClean="0"/>
+              <a:t>‹#›</a:t>
+            </a:fld>
+            <a:endParaRPr lang="en-IN"/>
+          </a:p>
+        </p:txBody>
+      </p:sp>
+    </p:spTree>
+    <p:extLst>
+      <p:ext uri="{BB962C8B-B14F-4D97-AF65-F5344CB8AC3E}">
+        <p14:creationId xmlns:p14="http://schemas.microsoft.com/office/powerpoint/2010/main" val="3628542382"/>
+      </p:ext>
+    </p:extLst>
+  </p:cSld>
+  <p:clrMapOvr>
+    <a:masterClrMapping/>
+  </p:clrMapOvr>
+</p:sldLayout>
+</file>
+
+<file path=ppt/slideLayouts/slideLayout28.xml><?xml version="1.0" encoding="utf-8"?>
+<p:sldLayout xmlns:a="http://schemas.openxmlformats.org/drawingml/2006/main" xmlns:r="http://schemas.openxmlformats.org/officeDocument/2006/relationships" xmlns:p="http://schemas.openxmlformats.org/presentationml/2006/main" type="vertTitleAndTx" preserve="1">
+  <p:cSld name="Vertical Title and Text">
+    <p:spTree>
+      <p:nvGrpSpPr>
+        <p:cNvPr id="1" name=""/>
+        <p:cNvGrpSpPr/>
+        <p:nvPr/>
+      </p:nvGrpSpPr>
+      <p:grpSpPr>
+        <a:xfrm>
+          <a:off x="0" y="0"/>
+          <a:ext cx="0" cy="0"/>
+          <a:chOff x="0" y="0"/>
+          <a:chExt cx="0" cy="0"/>
+        </a:xfrm>
+      </p:grpSpPr>
+      <p:sp>
+        <p:nvSpPr>
+          <p:cNvPr id="2" name="Vertical Title 1"/>
+          <p:cNvSpPr>
+            <a:spLocks noGrp="1"/>
+          </p:cNvSpPr>
+          <p:nvPr>
+            <p:ph type="title" orient="vert"/>
+          </p:nvPr>
+        </p:nvSpPr>
+        <p:spPr>
+          <a:xfrm>
+            <a:off x="4913781" y="894027"/>
+            <a:ext cx="1333584" cy="8259063"/>
+          </a:xfrm>
+        </p:spPr>
+        <p:txBody>
+          <a:bodyPr vert="eaVert"/>
+          <a:lstStyle/>
+          <a:p>
+            <a:r>
+              <a:rPr lang="en-US" smtClean="0"/>
+              <a:t>Click to edit Master title style</a:t>
+            </a:r>
+            <a:endParaRPr lang="en-US" dirty="0"/>
+          </a:p>
+        </p:txBody>
+      </p:sp>
+      <p:sp>
+        <p:nvSpPr>
+          <p:cNvPr id="3" name="Vertical Text Placeholder 2"/>
+          <p:cNvSpPr>
+            <a:spLocks noGrp="1"/>
+          </p:cNvSpPr>
+          <p:nvPr>
+            <p:ph type="body" orient="vert" idx="1"/>
+          </p:nvPr>
+        </p:nvSpPr>
+        <p:spPr>
+          <a:xfrm>
+            <a:off x="613761" y="894027"/>
+            <a:ext cx="4218103" cy="8259063"/>
+          </a:xfrm>
+        </p:spPr>
+        <p:txBody>
+          <a:bodyPr vert="eaVert" anchor="t"/>
+          <a:lstStyle/>
+          <a:p>
+            <a:pPr lvl="0"/>
+            <a:r>
+              <a:rPr lang="en-US" smtClean="0"/>
+              <a:t>Edit Master text styles</a:t>
+            </a:r>
+          </a:p>
+          <a:p>
+            <a:pPr lvl="1"/>
+            <a:r>
+              <a:rPr lang="en-US" smtClean="0"/>
+              <a:t>Second level</a:t>
+            </a:r>
+          </a:p>
+          <a:p>
+            <a:pPr lvl="2"/>
+            <a:r>
+              <a:rPr lang="en-US" smtClean="0"/>
+              <a:t>Third level</a:t>
+            </a:r>
+          </a:p>
+          <a:p>
+            <a:pPr lvl="3"/>
+            <a:r>
+              <a:rPr lang="en-US" smtClean="0"/>
+              <a:t>Fourth level</a:t>
+            </a:r>
+          </a:p>
+          <a:p>
+            <a:pPr lvl="4"/>
+            <a:r>
+              <a:rPr lang="en-US" smtClean="0"/>
+              <a:t>Fifth level</a:t>
+            </a:r>
+            <a:endParaRPr lang="en-US" dirty="0"/>
+          </a:p>
+        </p:txBody>
+      </p:sp>
+      <p:sp>
+        <p:nvSpPr>
+          <p:cNvPr id="4" name="Date Placeholder 3"/>
+          <p:cNvSpPr>
+            <a:spLocks noGrp="1"/>
+          </p:cNvSpPr>
+          <p:nvPr>
+            <p:ph type="dt" sz="half" idx="10"/>
+          </p:nvPr>
+        </p:nvSpPr>
+        <p:spPr/>
+        <p:txBody>
+          <a:bodyPr/>
+          <a:lstStyle/>
+          <a:p>
+            <a:fld id="{BF1F22D6-1FD5-4F0B-A69E-C6566BAAF5BA}" type="datetimeFigureOut">
+              <a:rPr lang="en-IN" smtClean="0"/>
+              <a:t>23-03-2022</a:t>
+            </a:fld>
+            <a:endParaRPr lang="en-IN"/>
+          </a:p>
+        </p:txBody>
+      </p:sp>
+      <p:sp>
+        <p:nvSpPr>
+          <p:cNvPr id="5" name="Footer Placeholder 4"/>
+          <p:cNvSpPr>
+            <a:spLocks noGrp="1"/>
+          </p:cNvSpPr>
+          <p:nvPr>
+            <p:ph type="ftr" sz="quarter" idx="11"/>
+          </p:nvPr>
+        </p:nvSpPr>
+        <p:spPr/>
+        <p:txBody>
+          <a:bodyPr/>
+          <a:lstStyle/>
+          <a:p>
+            <a:endParaRPr lang="en-IN"/>
+          </a:p>
+        </p:txBody>
+      </p:sp>
+      <p:sp>
+        <p:nvSpPr>
+          <p:cNvPr id="6" name="Slide Number Placeholder 5"/>
+          <p:cNvSpPr>
+            <a:spLocks noGrp="1"/>
+          </p:cNvSpPr>
+          <p:nvPr>
+            <p:ph type="sldNum" sz="quarter" idx="12"/>
+          </p:nvPr>
+        </p:nvSpPr>
+        <p:spPr/>
+        <p:txBody>
+          <a:bodyPr/>
+          <a:lstStyle/>
+          <a:p>
+            <a:fld id="{49E5A28C-2F04-4BDA-9B23-0F0F2AF73AE0}" type="slidenum">
+              <a:rPr lang="en-IN" smtClean="0"/>
+              <a:t>‹#›</a:t>
+            </a:fld>
+            <a:endParaRPr lang="en-IN"/>
+          </a:p>
+        </p:txBody>
+      </p:sp>
+    </p:spTree>
+    <p:extLst>
+      <p:ext uri="{BB962C8B-B14F-4D97-AF65-F5344CB8AC3E}">
+        <p14:creationId xmlns:p14="http://schemas.microsoft.com/office/powerpoint/2010/main" val="3658447970"/>
       </p:ext>
     </p:extLst>
   </p:cSld>
@@ -2963,6 +7832,918 @@
 </p:sldMaster>
 </file>
 
+<file path=ppt/slideMasters/slideMaster2.xml><?xml version="1.0" encoding="utf-8"?>
+<p:sldMaster xmlns:a="http://schemas.openxmlformats.org/drawingml/2006/main" xmlns:r="http://schemas.openxmlformats.org/officeDocument/2006/relationships" xmlns:p="http://schemas.openxmlformats.org/presentationml/2006/main">
+  <p:cSld>
+    <p:bg>
+      <p:bgRef idx="1003">
+        <a:schemeClr val="bg2"/>
+      </p:bgRef>
+    </p:bg>
+    <p:spTree>
+      <p:nvGrpSpPr>
+        <p:cNvPr id="1" name=""/>
+        <p:cNvGrpSpPr/>
+        <p:nvPr/>
+      </p:nvGrpSpPr>
+      <p:grpSpPr>
+        <a:xfrm>
+          <a:off x="0" y="0"/>
+          <a:ext cx="0" cy="0"/>
+          <a:chOff x="0" y="0"/>
+          <a:chExt cx="0" cy="0"/>
+        </a:xfrm>
+      </p:grpSpPr>
+      <p:sp>
+        <p:nvSpPr>
+          <p:cNvPr id="2" name="Title Placeholder 1"/>
+          <p:cNvSpPr>
+            <a:spLocks noGrp="1"/>
+          </p:cNvSpPr>
+          <p:nvPr>
+            <p:ph type="title"/>
+          </p:nvPr>
+        </p:nvSpPr>
+        <p:spPr>
+          <a:xfrm>
+            <a:off x="613761" y="894027"/>
+            <a:ext cx="5633605" cy="1968720"/>
+          </a:xfrm>
+          <a:prstGeom prst="rect">
+            <a:avLst/>
+          </a:prstGeom>
+        </p:spPr>
+        <p:txBody>
+          <a:bodyPr vert="horz" lIns="91440" tIns="45720" rIns="91440" bIns="45720" rtlCol="0" anchor="ctr">
+            <a:normAutofit/>
+          </a:bodyPr>
+          <a:lstStyle/>
+          <a:p>
+            <a:r>
+              <a:rPr lang="en-US" smtClean="0"/>
+              <a:t>Click to edit Master title style</a:t>
+            </a:r>
+            <a:endParaRPr lang="en-US" dirty="0"/>
+          </a:p>
+        </p:txBody>
+      </p:sp>
+      <p:sp>
+        <p:nvSpPr>
+          <p:cNvPr id="3" name="Text Placeholder 2"/>
+          <p:cNvSpPr>
+            <a:spLocks noGrp="1"/>
+          </p:cNvSpPr>
+          <p:nvPr>
+            <p:ph type="body" idx="1"/>
+          </p:nvPr>
+        </p:nvSpPr>
+        <p:spPr>
+          <a:xfrm>
+            <a:off x="613761" y="3091347"/>
+            <a:ext cx="5633604" cy="6061743"/>
+          </a:xfrm>
+          <a:prstGeom prst="rect">
+            <a:avLst/>
+          </a:prstGeom>
+        </p:spPr>
+        <p:txBody>
+          <a:bodyPr vert="horz" lIns="91440" tIns="45720" rIns="91440" bIns="45720" rtlCol="0" anchor="ctr">
+            <a:normAutofit/>
+          </a:bodyPr>
+          <a:lstStyle/>
+          <a:p>
+            <a:pPr lvl="0"/>
+            <a:r>
+              <a:rPr lang="en-US" smtClean="0"/>
+              <a:t>Edit Master text styles</a:t>
+            </a:r>
+          </a:p>
+          <a:p>
+            <a:pPr lvl="1"/>
+            <a:r>
+              <a:rPr lang="en-US" smtClean="0"/>
+              <a:t>Second level</a:t>
+            </a:r>
+          </a:p>
+          <a:p>
+            <a:pPr lvl="2"/>
+            <a:r>
+              <a:rPr lang="en-US" smtClean="0"/>
+              <a:t>Third level</a:t>
+            </a:r>
+          </a:p>
+          <a:p>
+            <a:pPr lvl="3"/>
+            <a:r>
+              <a:rPr lang="en-US" smtClean="0"/>
+              <a:t>Fourth level</a:t>
+            </a:r>
+          </a:p>
+          <a:p>
+            <a:pPr lvl="4"/>
+            <a:r>
+              <a:rPr lang="en-US" smtClean="0"/>
+              <a:t>Fifth level</a:t>
+            </a:r>
+            <a:endParaRPr lang="en-US" dirty="0"/>
+          </a:p>
+        </p:txBody>
+      </p:sp>
+      <p:sp>
+        <p:nvSpPr>
+          <p:cNvPr id="4" name="Date Placeholder 3"/>
+          <p:cNvSpPr>
+            <a:spLocks noGrp="1"/>
+          </p:cNvSpPr>
+          <p:nvPr>
+            <p:ph type="dt" sz="half" idx="2"/>
+          </p:nvPr>
+        </p:nvSpPr>
+        <p:spPr>
+          <a:xfrm>
+            <a:off x="4913781" y="9267391"/>
+            <a:ext cx="965598" cy="547688"/>
+          </a:xfrm>
+          <a:prstGeom prst="rect">
+            <a:avLst/>
+          </a:prstGeom>
+        </p:spPr>
+        <p:txBody>
+          <a:bodyPr vert="horz" lIns="91440" tIns="45720" rIns="91440" bIns="45720" rtlCol="0" anchor="ctr"/>
+          <a:lstStyle>
+            <a:lvl1pPr algn="r">
+              <a:defRPr sz="600" b="1" i="0">
+                <a:solidFill>
+                  <a:schemeClr val="tx1">
+                    <a:lumMod val="75000"/>
+                  </a:schemeClr>
+                </a:solidFill>
+                <a:effectLst>
+                  <a:outerShdw blurRad="50800" dist="38100" dir="2700000" algn="tl" rotWithShape="0">
+                    <a:srgbClr val="000000">
+                      <a:alpha val="43000"/>
+                    </a:srgbClr>
+                  </a:outerShdw>
+                </a:effectLst>
+                <a:latin typeface="+mn-lt"/>
+              </a:defRPr>
+            </a:lvl1pPr>
+          </a:lstStyle>
+          <a:p>
+            <a:fld id="{BF1F22D6-1FD5-4F0B-A69E-C6566BAAF5BA}" type="datetimeFigureOut">
+              <a:rPr lang="en-IN" smtClean="0"/>
+              <a:t>23-03-2022</a:t>
+            </a:fld>
+            <a:endParaRPr lang="en-IN"/>
+          </a:p>
+        </p:txBody>
+      </p:sp>
+      <p:sp>
+        <p:nvSpPr>
+          <p:cNvPr id="5" name="Footer Placeholder 4"/>
+          <p:cNvSpPr>
+            <a:spLocks noGrp="1"/>
+          </p:cNvSpPr>
+          <p:nvPr>
+            <p:ph type="ftr" sz="quarter" idx="3"/>
+          </p:nvPr>
+        </p:nvSpPr>
+        <p:spPr>
+          <a:xfrm>
+            <a:off x="613761" y="9267391"/>
+            <a:ext cx="4218103" cy="547688"/>
+          </a:xfrm>
+          <a:prstGeom prst="rect">
+            <a:avLst/>
+          </a:prstGeom>
+        </p:spPr>
+        <p:txBody>
+          <a:bodyPr vert="horz" lIns="91440" tIns="45720" rIns="91440" bIns="45720" rtlCol="0" anchor="ctr"/>
+          <a:lstStyle>
+            <a:lvl1pPr algn="l">
+              <a:defRPr sz="600" b="1" i="0">
+                <a:solidFill>
+                  <a:schemeClr val="tx1">
+                    <a:lumMod val="75000"/>
+                  </a:schemeClr>
+                </a:solidFill>
+                <a:effectLst>
+                  <a:outerShdw blurRad="50800" dist="38100" dir="2700000" algn="tl" rotWithShape="0">
+                    <a:srgbClr val="000000">
+                      <a:alpha val="43000"/>
+                    </a:srgbClr>
+                  </a:outerShdw>
+                </a:effectLst>
+                <a:latin typeface="+mn-lt"/>
+              </a:defRPr>
+            </a:lvl1pPr>
+          </a:lstStyle>
+          <a:p>
+            <a:endParaRPr lang="en-IN"/>
+          </a:p>
+        </p:txBody>
+      </p:sp>
+      <p:sp>
+        <p:nvSpPr>
+          <p:cNvPr id="6" name="Slide Number Placeholder 5"/>
+          <p:cNvSpPr>
+            <a:spLocks noGrp="1"/>
+          </p:cNvSpPr>
+          <p:nvPr>
+            <p:ph type="sldNum" sz="quarter" idx="4"/>
+          </p:nvPr>
+        </p:nvSpPr>
+        <p:spPr>
+          <a:xfrm>
+            <a:off x="5937902" y="9267391"/>
+            <a:ext cx="310112" cy="547688"/>
+          </a:xfrm>
+          <a:prstGeom prst="rect">
+            <a:avLst/>
+          </a:prstGeom>
+        </p:spPr>
+        <p:txBody>
+          <a:bodyPr vert="horz" lIns="91440" tIns="45720" rIns="91440" bIns="45720" rtlCol="0" anchor="ctr"/>
+          <a:lstStyle>
+            <a:lvl1pPr algn="r">
+              <a:defRPr sz="600" b="1" i="0">
+                <a:solidFill>
+                  <a:schemeClr val="tx1">
+                    <a:lumMod val="75000"/>
+                  </a:schemeClr>
+                </a:solidFill>
+                <a:effectLst>
+                  <a:outerShdw blurRad="50800" dist="38100" dir="2700000" algn="tl" rotWithShape="0">
+                    <a:srgbClr val="000000">
+                      <a:alpha val="43000"/>
+                    </a:srgbClr>
+                  </a:outerShdw>
+                </a:effectLst>
+                <a:latin typeface="+mn-lt"/>
+              </a:defRPr>
+            </a:lvl1pPr>
+          </a:lstStyle>
+          <a:p>
+            <a:fld id="{49E5A28C-2F04-4BDA-9B23-0F0F2AF73AE0}" type="slidenum">
+              <a:rPr lang="en-IN" smtClean="0"/>
+              <a:t>‹#›</a:t>
+            </a:fld>
+            <a:endParaRPr lang="en-IN"/>
+          </a:p>
+        </p:txBody>
+      </p:sp>
+    </p:spTree>
+    <p:extLst>
+      <p:ext uri="{BB962C8B-B14F-4D97-AF65-F5344CB8AC3E}">
+        <p14:creationId xmlns:p14="http://schemas.microsoft.com/office/powerpoint/2010/main" val="733186201"/>
+      </p:ext>
+    </p:extLst>
+  </p:cSld>
+  <p:clrMap bg1="dk1" tx1="lt1" bg2="dk2" tx2="lt2" accent1="accent1" accent2="accent2" accent3="accent3" accent4="accent4" accent5="accent5" accent6="accent6" hlink="hlink" folHlink="folHlink"/>
+  <p:sldLayoutIdLst>
+    <p:sldLayoutId id="2147483775" r:id="rId1"/>
+    <p:sldLayoutId id="2147483776" r:id="rId2"/>
+    <p:sldLayoutId id="2147483777" r:id="rId3"/>
+    <p:sldLayoutId id="2147483778" r:id="rId4"/>
+    <p:sldLayoutId id="2147483779" r:id="rId5"/>
+    <p:sldLayoutId id="2147483780" r:id="rId6"/>
+    <p:sldLayoutId id="2147483781" r:id="rId7"/>
+    <p:sldLayoutId id="2147483782" r:id="rId8"/>
+    <p:sldLayoutId id="2147483783" r:id="rId9"/>
+    <p:sldLayoutId id="2147483784" r:id="rId10"/>
+    <p:sldLayoutId id="2147483785" r:id="rId11"/>
+    <p:sldLayoutId id="2147483786" r:id="rId12"/>
+    <p:sldLayoutId id="2147483787" r:id="rId13"/>
+    <p:sldLayoutId id="2147483788" r:id="rId14"/>
+    <p:sldLayoutId id="2147483789" r:id="rId15"/>
+    <p:sldLayoutId id="2147483790" r:id="rId16"/>
+    <p:sldLayoutId id="2147483791" r:id="rId17"/>
+  </p:sldLayoutIdLst>
+  <p:txStyles>
+    <p:titleStyle>
+      <a:lvl1pPr algn="l" defTabSz="342900" rtl="0" eaLnBrk="1" latinLnBrk="0" hangingPunct="1">
+        <a:spcBef>
+          <a:spcPct val="0"/>
+        </a:spcBef>
+        <a:buNone/>
+        <a:defRPr sz="2100" kern="1200" cap="all">
+          <a:ln w="3175" cmpd="sng">
+            <a:noFill/>
+          </a:ln>
+          <a:gradFill flip="none" rotWithShape="1">
+            <a:gsLst>
+              <a:gs pos="0">
+                <a:schemeClr val="tx1"/>
+              </a:gs>
+              <a:gs pos="100000">
+                <a:schemeClr val="tx1">
+                  <a:lumMod val="75000"/>
+                </a:schemeClr>
+              </a:gs>
+            </a:gsLst>
+            <a:lin ang="5400000" scaled="0"/>
+            <a:tileRect/>
+          </a:gradFill>
+          <a:effectLst>
+            <a:glow rad="38100">
+              <a:schemeClr val="bg1">
+                <a:lumMod val="65000"/>
+                <a:lumOff val="35000"/>
+                <a:alpha val="40000"/>
+              </a:schemeClr>
+            </a:glow>
+            <a:outerShdw blurRad="28575" dist="38100" dir="14040000" algn="tl" rotWithShape="0">
+              <a:srgbClr val="000000">
+                <a:alpha val="25000"/>
+              </a:srgbClr>
+            </a:outerShdw>
+          </a:effectLst>
+          <a:latin typeface="+mj-lt"/>
+          <a:ea typeface="+mj-ea"/>
+          <a:cs typeface="+mj-cs"/>
+        </a:defRPr>
+      </a:lvl1pPr>
+      <a:lvl2pPr eaLnBrk="1" hangingPunct="1">
+        <a:defRPr>
+          <a:solidFill>
+            <a:schemeClr val="tx2"/>
+          </a:solidFill>
+        </a:defRPr>
+      </a:lvl2pPr>
+      <a:lvl3pPr eaLnBrk="1" hangingPunct="1">
+        <a:defRPr>
+          <a:solidFill>
+            <a:schemeClr val="tx2"/>
+          </a:solidFill>
+        </a:defRPr>
+      </a:lvl3pPr>
+      <a:lvl4pPr eaLnBrk="1" hangingPunct="1">
+        <a:defRPr>
+          <a:solidFill>
+            <a:schemeClr val="tx2"/>
+          </a:solidFill>
+        </a:defRPr>
+      </a:lvl4pPr>
+      <a:lvl5pPr eaLnBrk="1" hangingPunct="1">
+        <a:defRPr>
+          <a:solidFill>
+            <a:schemeClr val="tx2"/>
+          </a:solidFill>
+        </a:defRPr>
+      </a:lvl5pPr>
+      <a:lvl6pPr eaLnBrk="1" hangingPunct="1">
+        <a:defRPr>
+          <a:solidFill>
+            <a:schemeClr val="tx2"/>
+          </a:solidFill>
+        </a:defRPr>
+      </a:lvl6pPr>
+      <a:lvl7pPr eaLnBrk="1" hangingPunct="1">
+        <a:defRPr>
+          <a:solidFill>
+            <a:schemeClr val="tx2"/>
+          </a:solidFill>
+        </a:defRPr>
+      </a:lvl7pPr>
+      <a:lvl8pPr eaLnBrk="1" hangingPunct="1">
+        <a:defRPr>
+          <a:solidFill>
+            <a:schemeClr val="tx2"/>
+          </a:solidFill>
+        </a:defRPr>
+      </a:lvl8pPr>
+      <a:lvl9pPr eaLnBrk="1" hangingPunct="1">
+        <a:defRPr>
+          <a:solidFill>
+            <a:schemeClr val="tx2"/>
+          </a:solidFill>
+        </a:defRPr>
+      </a:lvl9pPr>
+    </p:titleStyle>
+    <p:bodyStyle>
+      <a:lvl1pPr marL="214313" indent="-214313" algn="l" defTabSz="342900" rtl="0" eaLnBrk="1" latinLnBrk="0" hangingPunct="1">
+        <a:spcBef>
+          <a:spcPct val="20000"/>
+        </a:spcBef>
+        <a:spcAft>
+          <a:spcPts val="450"/>
+        </a:spcAft>
+        <a:buClr>
+          <a:schemeClr val="tx1"/>
+        </a:buClr>
+        <a:buSzPct val="130000"/>
+        <a:buFont typeface="Arial"/>
+        <a:buChar char="•"/>
+        <a:defRPr sz="1350" kern="1200" cap="small">
+          <a:gradFill flip="none" rotWithShape="1">
+            <a:gsLst>
+              <a:gs pos="0">
+                <a:schemeClr val="tx1"/>
+              </a:gs>
+              <a:gs pos="100000">
+                <a:schemeClr val="tx1">
+                  <a:lumMod val="75000"/>
+                </a:schemeClr>
+              </a:gs>
+            </a:gsLst>
+            <a:lin ang="5400000" scaled="0"/>
+            <a:tileRect/>
+          </a:gradFill>
+          <a:effectLst>
+            <a:glow rad="38100">
+              <a:schemeClr val="bg1">
+                <a:lumMod val="50000"/>
+                <a:lumOff val="50000"/>
+                <a:alpha val="20000"/>
+              </a:schemeClr>
+            </a:glow>
+            <a:outerShdw blurRad="44450" dist="12700" dir="13860000" algn="tl" rotWithShape="0">
+              <a:srgbClr val="000000">
+                <a:alpha val="20000"/>
+              </a:srgbClr>
+            </a:outerShdw>
+          </a:effectLst>
+          <a:latin typeface="+mn-lt"/>
+          <a:ea typeface="+mn-ea"/>
+          <a:cs typeface="+mn-cs"/>
+        </a:defRPr>
+      </a:lvl1pPr>
+      <a:lvl2pPr marL="557213" indent="-214313" algn="l" defTabSz="342900" rtl="0" eaLnBrk="1" latinLnBrk="0" hangingPunct="1">
+        <a:spcBef>
+          <a:spcPct val="20000"/>
+        </a:spcBef>
+        <a:spcAft>
+          <a:spcPts val="450"/>
+        </a:spcAft>
+        <a:buClr>
+          <a:schemeClr val="tx1"/>
+        </a:buClr>
+        <a:buSzPct val="130000"/>
+        <a:buFont typeface="Arial"/>
+        <a:buChar char="•"/>
+        <a:defRPr sz="1200" kern="1200" cap="small">
+          <a:gradFill flip="none" rotWithShape="1">
+            <a:gsLst>
+              <a:gs pos="0">
+                <a:schemeClr val="tx1"/>
+              </a:gs>
+              <a:gs pos="100000">
+                <a:schemeClr val="tx1">
+                  <a:lumMod val="75000"/>
+                </a:schemeClr>
+              </a:gs>
+            </a:gsLst>
+            <a:lin ang="5400000" scaled="0"/>
+            <a:tileRect/>
+          </a:gradFill>
+          <a:effectLst>
+            <a:glow rad="38100">
+              <a:schemeClr val="bg1">
+                <a:lumMod val="50000"/>
+                <a:lumOff val="50000"/>
+                <a:alpha val="20000"/>
+              </a:schemeClr>
+            </a:glow>
+            <a:outerShdw blurRad="44450" dist="12700" dir="13860000" algn="tl" rotWithShape="0">
+              <a:srgbClr val="000000">
+                <a:alpha val="20000"/>
+              </a:srgbClr>
+            </a:outerShdw>
+          </a:effectLst>
+          <a:latin typeface="+mn-lt"/>
+          <a:ea typeface="+mn-ea"/>
+          <a:cs typeface="+mn-cs"/>
+        </a:defRPr>
+      </a:lvl2pPr>
+      <a:lvl3pPr marL="900113" indent="-214313" algn="l" defTabSz="342900" rtl="0" eaLnBrk="1" latinLnBrk="0" hangingPunct="1">
+        <a:spcBef>
+          <a:spcPct val="20000"/>
+        </a:spcBef>
+        <a:spcAft>
+          <a:spcPts val="450"/>
+        </a:spcAft>
+        <a:buClr>
+          <a:schemeClr val="tx1"/>
+        </a:buClr>
+        <a:buSzPct val="130000"/>
+        <a:buFont typeface="Arial"/>
+        <a:buChar char="•"/>
+        <a:defRPr sz="1050" kern="1200" cap="small">
+          <a:gradFill flip="none" rotWithShape="1">
+            <a:gsLst>
+              <a:gs pos="0">
+                <a:schemeClr val="tx1"/>
+              </a:gs>
+              <a:gs pos="100000">
+                <a:schemeClr val="tx1">
+                  <a:lumMod val="75000"/>
+                </a:schemeClr>
+              </a:gs>
+            </a:gsLst>
+            <a:lin ang="5400000" scaled="0"/>
+            <a:tileRect/>
+          </a:gradFill>
+          <a:effectLst>
+            <a:glow rad="38100">
+              <a:schemeClr val="bg1">
+                <a:lumMod val="50000"/>
+                <a:lumOff val="50000"/>
+                <a:alpha val="20000"/>
+              </a:schemeClr>
+            </a:glow>
+            <a:outerShdw blurRad="44450" dist="12700" dir="13860000" algn="tl" rotWithShape="0">
+              <a:srgbClr val="000000">
+                <a:alpha val="20000"/>
+              </a:srgbClr>
+            </a:outerShdw>
+          </a:effectLst>
+          <a:latin typeface="+mn-lt"/>
+          <a:ea typeface="+mn-ea"/>
+          <a:cs typeface="+mn-cs"/>
+        </a:defRPr>
+      </a:lvl3pPr>
+      <a:lvl4pPr marL="1157288" indent="-128588" algn="l" defTabSz="342900" rtl="0" eaLnBrk="1" latinLnBrk="0" hangingPunct="1">
+        <a:spcBef>
+          <a:spcPct val="20000"/>
+        </a:spcBef>
+        <a:spcAft>
+          <a:spcPts val="450"/>
+        </a:spcAft>
+        <a:buClr>
+          <a:schemeClr val="tx1"/>
+        </a:buClr>
+        <a:buSzPct val="130000"/>
+        <a:buFont typeface="Arial"/>
+        <a:buChar char="•"/>
+        <a:defRPr sz="1050" kern="1200" cap="small">
+          <a:gradFill flip="none" rotWithShape="1">
+            <a:gsLst>
+              <a:gs pos="0">
+                <a:schemeClr val="tx1"/>
+              </a:gs>
+              <a:gs pos="100000">
+                <a:schemeClr val="tx1">
+                  <a:lumMod val="75000"/>
+                </a:schemeClr>
+              </a:gs>
+            </a:gsLst>
+            <a:lin ang="5400000" scaled="0"/>
+            <a:tileRect/>
+          </a:gradFill>
+          <a:effectLst>
+            <a:glow rad="38100">
+              <a:schemeClr val="bg1">
+                <a:lumMod val="50000"/>
+                <a:lumOff val="50000"/>
+                <a:alpha val="20000"/>
+              </a:schemeClr>
+            </a:glow>
+            <a:outerShdw blurRad="44450" dist="12700" dir="13860000" algn="tl" rotWithShape="0">
+              <a:srgbClr val="000000">
+                <a:alpha val="20000"/>
+              </a:srgbClr>
+            </a:outerShdw>
+          </a:effectLst>
+          <a:latin typeface="+mn-lt"/>
+          <a:ea typeface="+mn-ea"/>
+          <a:cs typeface="+mn-cs"/>
+        </a:defRPr>
+      </a:lvl4pPr>
+      <a:lvl5pPr marL="1500188" indent="-128588" algn="l" defTabSz="342900" rtl="0" eaLnBrk="1" latinLnBrk="0" hangingPunct="1">
+        <a:spcBef>
+          <a:spcPct val="20000"/>
+        </a:spcBef>
+        <a:spcAft>
+          <a:spcPts val="450"/>
+        </a:spcAft>
+        <a:buClr>
+          <a:schemeClr val="tx1"/>
+        </a:buClr>
+        <a:buSzPct val="130000"/>
+        <a:buFont typeface="Arial"/>
+        <a:buChar char="•"/>
+        <a:defRPr sz="900" kern="1200" cap="small">
+          <a:gradFill flip="none" rotWithShape="1">
+            <a:gsLst>
+              <a:gs pos="0">
+                <a:schemeClr val="tx1"/>
+              </a:gs>
+              <a:gs pos="100000">
+                <a:schemeClr val="tx1">
+                  <a:lumMod val="75000"/>
+                </a:schemeClr>
+              </a:gs>
+            </a:gsLst>
+            <a:lin ang="5400000" scaled="0"/>
+            <a:tileRect/>
+          </a:gradFill>
+          <a:effectLst>
+            <a:glow rad="38100">
+              <a:schemeClr val="bg1">
+                <a:lumMod val="50000"/>
+                <a:lumOff val="50000"/>
+                <a:alpha val="20000"/>
+              </a:schemeClr>
+            </a:glow>
+            <a:outerShdw blurRad="44450" dist="12700" dir="13860000" algn="tl" rotWithShape="0">
+              <a:srgbClr val="000000">
+                <a:alpha val="20000"/>
+              </a:srgbClr>
+            </a:outerShdw>
+          </a:effectLst>
+          <a:latin typeface="+mn-lt"/>
+          <a:ea typeface="+mn-ea"/>
+          <a:cs typeface="+mn-cs"/>
+        </a:defRPr>
+      </a:lvl5pPr>
+      <a:lvl6pPr marL="1885950" indent="-171450" algn="l" defTabSz="342900" rtl="0" eaLnBrk="1" latinLnBrk="0" hangingPunct="1">
+        <a:spcBef>
+          <a:spcPct val="20000"/>
+        </a:spcBef>
+        <a:spcAft>
+          <a:spcPts val="450"/>
+        </a:spcAft>
+        <a:buClr>
+          <a:schemeClr val="tx1"/>
+        </a:buClr>
+        <a:buSzPct val="130000"/>
+        <a:buFont typeface="Arial"/>
+        <a:buChar char="•"/>
+        <a:defRPr sz="825" kern="1200" cap="small">
+          <a:gradFill flip="none" rotWithShape="1">
+            <a:gsLst>
+              <a:gs pos="0">
+                <a:schemeClr val="tx1"/>
+              </a:gs>
+              <a:gs pos="100000">
+                <a:schemeClr val="tx1">
+                  <a:lumMod val="75000"/>
+                </a:schemeClr>
+              </a:gs>
+            </a:gsLst>
+            <a:lin ang="5400000" scaled="0"/>
+            <a:tileRect/>
+          </a:gradFill>
+          <a:effectLst>
+            <a:glow rad="38100">
+              <a:schemeClr val="bg1">
+                <a:lumMod val="50000"/>
+                <a:lumOff val="50000"/>
+                <a:alpha val="20000"/>
+              </a:schemeClr>
+            </a:glow>
+            <a:outerShdw blurRad="44450" dist="12700" dir="13860000" algn="tl" rotWithShape="0">
+              <a:srgbClr val="000000">
+                <a:alpha val="20000"/>
+              </a:srgbClr>
+            </a:outerShdw>
+          </a:effectLst>
+          <a:latin typeface="+mn-lt"/>
+          <a:ea typeface="+mn-ea"/>
+          <a:cs typeface="+mn-cs"/>
+        </a:defRPr>
+      </a:lvl6pPr>
+      <a:lvl7pPr marL="2228850" indent="-171450" algn="l" defTabSz="342900" rtl="0" eaLnBrk="1" latinLnBrk="0" hangingPunct="1">
+        <a:spcBef>
+          <a:spcPct val="20000"/>
+        </a:spcBef>
+        <a:spcAft>
+          <a:spcPts val="450"/>
+        </a:spcAft>
+        <a:buClr>
+          <a:schemeClr val="tx1"/>
+        </a:buClr>
+        <a:buSzPct val="130000"/>
+        <a:buFont typeface="Arial"/>
+        <a:buChar char="•"/>
+        <a:defRPr sz="825" kern="1200" cap="small">
+          <a:gradFill flip="none" rotWithShape="1">
+            <a:gsLst>
+              <a:gs pos="0">
+                <a:schemeClr val="tx1"/>
+              </a:gs>
+              <a:gs pos="100000">
+                <a:schemeClr val="tx1">
+                  <a:lumMod val="75000"/>
+                </a:schemeClr>
+              </a:gs>
+            </a:gsLst>
+            <a:lin ang="5400000" scaled="0"/>
+            <a:tileRect/>
+          </a:gradFill>
+          <a:effectLst>
+            <a:glow rad="38100">
+              <a:schemeClr val="bg1">
+                <a:lumMod val="50000"/>
+                <a:lumOff val="50000"/>
+                <a:alpha val="20000"/>
+              </a:schemeClr>
+            </a:glow>
+            <a:outerShdw blurRad="44450" dist="12700" dir="13860000" algn="tl" rotWithShape="0">
+              <a:srgbClr val="000000">
+                <a:alpha val="20000"/>
+              </a:srgbClr>
+            </a:outerShdw>
+          </a:effectLst>
+          <a:latin typeface="+mn-lt"/>
+          <a:ea typeface="+mn-ea"/>
+          <a:cs typeface="+mn-cs"/>
+        </a:defRPr>
+      </a:lvl7pPr>
+      <a:lvl8pPr marL="2571750" indent="-171450" algn="l" defTabSz="342900" rtl="0" eaLnBrk="1" latinLnBrk="0" hangingPunct="1">
+        <a:spcBef>
+          <a:spcPct val="20000"/>
+        </a:spcBef>
+        <a:spcAft>
+          <a:spcPts val="450"/>
+        </a:spcAft>
+        <a:buClr>
+          <a:schemeClr val="tx1"/>
+        </a:buClr>
+        <a:buSzPct val="130000"/>
+        <a:buFont typeface="Arial"/>
+        <a:buChar char="•"/>
+        <a:defRPr sz="825" kern="1200" cap="small">
+          <a:gradFill flip="none" rotWithShape="1">
+            <a:gsLst>
+              <a:gs pos="0">
+                <a:schemeClr val="tx1"/>
+              </a:gs>
+              <a:gs pos="100000">
+                <a:schemeClr val="tx1">
+                  <a:lumMod val="75000"/>
+                </a:schemeClr>
+              </a:gs>
+            </a:gsLst>
+            <a:lin ang="5400000" scaled="0"/>
+            <a:tileRect/>
+          </a:gradFill>
+          <a:effectLst>
+            <a:glow rad="38100">
+              <a:schemeClr val="bg1">
+                <a:lumMod val="50000"/>
+                <a:lumOff val="50000"/>
+                <a:alpha val="20000"/>
+              </a:schemeClr>
+            </a:glow>
+            <a:outerShdw blurRad="44450" dist="12700" dir="13860000" algn="tl" rotWithShape="0">
+              <a:srgbClr val="000000">
+                <a:alpha val="20000"/>
+              </a:srgbClr>
+            </a:outerShdw>
+          </a:effectLst>
+          <a:latin typeface="+mn-lt"/>
+          <a:ea typeface="+mn-ea"/>
+          <a:cs typeface="+mn-cs"/>
+        </a:defRPr>
+      </a:lvl8pPr>
+      <a:lvl9pPr marL="2914650" indent="-171450" algn="l" defTabSz="342900" rtl="0" eaLnBrk="1" latinLnBrk="0" hangingPunct="1">
+        <a:spcBef>
+          <a:spcPct val="20000"/>
+        </a:spcBef>
+        <a:spcAft>
+          <a:spcPts val="450"/>
+        </a:spcAft>
+        <a:buClr>
+          <a:schemeClr val="tx1"/>
+        </a:buClr>
+        <a:buSzPct val="100000"/>
+        <a:buFont typeface="Arial"/>
+        <a:buChar char="•"/>
+        <a:defRPr sz="825" kern="1200" cap="small">
+          <a:gradFill flip="none" rotWithShape="1">
+            <a:gsLst>
+              <a:gs pos="0">
+                <a:schemeClr val="tx1"/>
+              </a:gs>
+              <a:gs pos="100000">
+                <a:schemeClr val="tx1">
+                  <a:lumMod val="75000"/>
+                </a:schemeClr>
+              </a:gs>
+            </a:gsLst>
+            <a:lin ang="5400000" scaled="0"/>
+            <a:tileRect/>
+          </a:gradFill>
+          <a:effectLst>
+            <a:glow rad="38100">
+              <a:schemeClr val="bg1">
+                <a:lumMod val="50000"/>
+                <a:lumOff val="50000"/>
+                <a:alpha val="20000"/>
+              </a:schemeClr>
+            </a:glow>
+            <a:outerShdw blurRad="44450" dist="12700" dir="13860000" algn="tl" rotWithShape="0">
+              <a:srgbClr val="000000">
+                <a:alpha val="20000"/>
+              </a:srgbClr>
+            </a:outerShdw>
+          </a:effectLst>
+          <a:latin typeface="+mn-lt"/>
+          <a:ea typeface="+mn-ea"/>
+          <a:cs typeface="+mn-cs"/>
+        </a:defRPr>
+      </a:lvl9pPr>
+    </p:bodyStyle>
+    <p:otherStyle>
+      <a:defPPr>
+        <a:defRPr lang="en-US"/>
+      </a:defPPr>
+      <a:lvl1pPr marL="0" algn="l" defTabSz="342900" rtl="0" eaLnBrk="1" latinLnBrk="0" hangingPunct="1">
+        <a:defRPr sz="1350" kern="1200">
+          <a:solidFill>
+            <a:schemeClr val="tx1"/>
+          </a:solidFill>
+          <a:latin typeface="+mn-lt"/>
+          <a:ea typeface="+mn-ea"/>
+          <a:cs typeface="+mn-cs"/>
+        </a:defRPr>
+      </a:lvl1pPr>
+      <a:lvl2pPr marL="342900" algn="l" defTabSz="342900" rtl="0" eaLnBrk="1" latinLnBrk="0" hangingPunct="1">
+        <a:defRPr sz="1350" kern="1200">
+          <a:solidFill>
+            <a:schemeClr val="tx1"/>
+          </a:solidFill>
+          <a:latin typeface="+mn-lt"/>
+          <a:ea typeface="+mn-ea"/>
+          <a:cs typeface="+mn-cs"/>
+        </a:defRPr>
+      </a:lvl2pPr>
+      <a:lvl3pPr marL="685800" algn="l" defTabSz="342900" rtl="0" eaLnBrk="1" latinLnBrk="0" hangingPunct="1">
+        <a:defRPr sz="1350" kern="1200">
+          <a:solidFill>
+            <a:schemeClr val="tx1"/>
+          </a:solidFill>
+          <a:latin typeface="+mn-lt"/>
+          <a:ea typeface="+mn-ea"/>
+          <a:cs typeface="+mn-cs"/>
+        </a:defRPr>
+      </a:lvl3pPr>
+      <a:lvl4pPr marL="1028700" algn="l" defTabSz="342900" rtl="0" eaLnBrk="1" latinLnBrk="0" hangingPunct="1">
+        <a:defRPr sz="1350" kern="1200">
+          <a:solidFill>
+            <a:schemeClr val="tx1"/>
+          </a:solidFill>
+          <a:latin typeface="+mn-lt"/>
+          <a:ea typeface="+mn-ea"/>
+          <a:cs typeface="+mn-cs"/>
+        </a:defRPr>
+      </a:lvl4pPr>
+      <a:lvl5pPr marL="1371600" algn="l" defTabSz="342900" rtl="0" eaLnBrk="1" latinLnBrk="0" hangingPunct="1">
+        <a:defRPr sz="1350" kern="1200">
+          <a:solidFill>
+            <a:schemeClr val="tx1"/>
+          </a:solidFill>
+          <a:latin typeface="+mn-lt"/>
+          <a:ea typeface="+mn-ea"/>
+          <a:cs typeface="+mn-cs"/>
+        </a:defRPr>
+      </a:lvl5pPr>
+      <a:lvl6pPr marL="1714500" algn="l" defTabSz="342900" rtl="0" eaLnBrk="1" latinLnBrk="0" hangingPunct="1">
+        <a:defRPr sz="1350" kern="1200">
+          <a:solidFill>
+            <a:schemeClr val="tx1"/>
+          </a:solidFill>
+          <a:latin typeface="+mn-lt"/>
+          <a:ea typeface="+mn-ea"/>
+          <a:cs typeface="+mn-cs"/>
+        </a:defRPr>
+      </a:lvl6pPr>
+      <a:lvl7pPr marL="2057400" algn="l" defTabSz="342900" rtl="0" eaLnBrk="1" latinLnBrk="0" hangingPunct="1">
+        <a:defRPr sz="1350" kern="1200">
+          <a:solidFill>
+            <a:schemeClr val="tx1"/>
+          </a:solidFill>
+          <a:latin typeface="+mn-lt"/>
+          <a:ea typeface="+mn-ea"/>
+          <a:cs typeface="+mn-cs"/>
+        </a:defRPr>
+      </a:lvl7pPr>
+      <a:lvl8pPr marL="2400300" algn="l" defTabSz="342900" rtl="0" eaLnBrk="1" latinLnBrk="0" hangingPunct="1">
+        <a:defRPr sz="1350" kern="1200">
+          <a:solidFill>
+            <a:schemeClr val="tx1"/>
+          </a:solidFill>
+          <a:latin typeface="+mn-lt"/>
+          <a:ea typeface="+mn-ea"/>
+          <a:cs typeface="+mn-cs"/>
+        </a:defRPr>
+      </a:lvl8pPr>
+      <a:lvl9pPr marL="2743200" algn="l" defTabSz="342900" rtl="0" eaLnBrk="1" latinLnBrk="0" hangingPunct="1">
+        <a:defRPr sz="1350" kern="1200">
+          <a:solidFill>
+            <a:schemeClr val="tx1"/>
+          </a:solidFill>
+          <a:latin typeface="+mn-lt"/>
+          <a:ea typeface="+mn-ea"/>
+          <a:cs typeface="+mn-cs"/>
+        </a:defRPr>
+      </a:lvl9pPr>
+    </p:otherStyle>
+  </p:txStyles>
+</p:sldMaster>
+</file>
+
 <file path=ppt/slides/slide1.xml><?xml version="1.0" encoding="utf-8"?>
 <p:sld xmlns:a="http://schemas.openxmlformats.org/drawingml/2006/main" xmlns:r="http://schemas.openxmlformats.org/officeDocument/2006/relationships" xmlns:p="http://schemas.openxmlformats.org/presentationml/2006/main" showMasterSp="0">
   <p:cSld>
@@ -3022,15 +8803,7 @@
                   <a:srgbClr val="FF0000"/>
                 </a:solidFill>
               </a:rPr>
-              <a:t>हे अग्ने </a:t>
-            </a:r>
-            <a:r>
-              <a:rPr lang="sa-IN" sz="3200" dirty="0" smtClean="0">
-                <a:solidFill>
-                  <a:srgbClr val="FF0000"/>
-                </a:solidFill>
-              </a:rPr>
-              <a:t>देव </a:t>
+              <a:t>हे अग्ने देव </a:t>
             </a:r>
             <a:r>
               <a:rPr lang="kn-IN" sz="3200" dirty="0" smtClean="0"/>
@@ -3041,6 +8814,10 @@
               <a:t>ದೇವನೇ</a:t>
             </a:r>
             <a:r>
+              <a:rPr lang="en-IN" sz="3200" dirty="0" smtClean="0"/>
+              <a:t>,</a:t>
+            </a:r>
+            <a:r>
               <a:rPr lang="sa-IN" sz="3200" dirty="0" smtClean="0"/>
               <a:t> </a:t>
             </a:r>
@@ -3054,7 +8831,11 @@
             </a:r>
             <a:r>
               <a:rPr lang="kn-IN" sz="3200" dirty="0" smtClean="0"/>
-              <a:t> ಎಲ್ಲಾ ಮಾರ್ಗಗಳನ್ನು</a:t>
+              <a:t> ಎಲ್ಲಾ </a:t>
+            </a:r>
+            <a:r>
+              <a:rPr lang="kn-IN" sz="3200" dirty="0" smtClean="0"/>
+              <a:t>ಮಾರ್ಗಗಳನ್ನು</a:t>
             </a:r>
             <a:r>
               <a:rPr lang="sa-IN" sz="3200" dirty="0" smtClean="0"/>
@@ -3069,8 +8850,20 @@
               <a:t>विद्वान् </a:t>
             </a:r>
             <a:r>
+              <a:rPr lang="kn-IN" sz="3200" dirty="0" smtClean="0">
+                <a:solidFill>
+                  <a:srgbClr val="FF0000"/>
+                </a:solidFill>
+              </a:rPr>
+              <a:t>             </a:t>
+            </a:r>
+            <a:r>
               <a:rPr lang="kn-IN" sz="3200" dirty="0" smtClean="0"/>
-              <a:t>ಬಲ್ಲವನಾಗಿರುವೆ</a:t>
+              <a:t>(ನೀನು) ಬ</a:t>
+            </a:r>
+            <a:r>
+              <a:rPr lang="kn-IN" sz="3200" dirty="0" smtClean="0"/>
+              <a:t>ಲ್ಲವನಾಗಿರುವೆ</a:t>
             </a:r>
             <a:r>
               <a:rPr lang="sa-IN" sz="3200" dirty="0" smtClean="0"/>
@@ -3170,7 +8963,15 @@
             </a:r>
             <a:r>
               <a:rPr lang="kn-IN" sz="3200" dirty="0" smtClean="0"/>
-              <a:t> ಕುಟಿಲವಾದ ಅಡೆತಡೆಯಾದ</a:t>
+              <a:t> </a:t>
+            </a:r>
+            <a:r>
+              <a:rPr lang="kn-IN" sz="3200" dirty="0" smtClean="0"/>
+              <a:t>(ಕುಟಿಲವಾದ) </a:t>
+            </a:r>
+            <a:r>
+              <a:rPr lang="kn-IN" sz="3200" dirty="0" smtClean="0"/>
+              <a:t>ಅಡೆತಡೆಯಾದ</a:t>
             </a:r>
             <a:r>
               <a:rPr lang="sa-IN" sz="3200" dirty="0" smtClean="0"/>
@@ -3381,6 +9182,171 @@
     </p:spTree>
     <p:extLst>
       <p:ext uri="{BB962C8B-B14F-4D97-AF65-F5344CB8AC3E}">
+        <p14:creationId xmlns:p14="http://schemas.microsoft.com/office/powerpoint/2010/main" val="2129401415"/>
+      </p:ext>
+    </p:extLst>
+  </p:cSld>
+  <p:clrMapOvr>
+    <a:masterClrMapping/>
+  </p:clrMapOvr>
+</p:sld>
+</file>
+
+<file path=ppt/slides/slide11.xml><?xml version="1.0" encoding="utf-8"?>
+<p:sld xmlns:a="http://schemas.openxmlformats.org/drawingml/2006/main" xmlns:r="http://schemas.openxmlformats.org/officeDocument/2006/relationships" xmlns:p="http://schemas.openxmlformats.org/presentationml/2006/main">
+  <p:cSld>
+    <p:spTree>
+      <p:nvGrpSpPr>
+        <p:cNvPr id="1" name=""/>
+        <p:cNvGrpSpPr/>
+        <p:nvPr/>
+      </p:nvGrpSpPr>
+      <p:grpSpPr>
+        <a:xfrm>
+          <a:off x="0" y="0"/>
+          <a:ext cx="0" cy="0"/>
+          <a:chOff x="0" y="0"/>
+          <a:chExt cx="0" cy="0"/>
+        </a:xfrm>
+      </p:grpSpPr>
+      <p:sp>
+        <p:nvSpPr>
+          <p:cNvPr id="2" name="Title 1"/>
+          <p:cNvSpPr>
+            <a:spLocks noGrp="1"/>
+          </p:cNvSpPr>
+          <p:nvPr>
+            <p:ph type="ctrTitle"/>
+          </p:nvPr>
+        </p:nvSpPr>
+        <p:spPr>
+          <a:xfrm>
+            <a:off x="332510" y="457200"/>
+            <a:ext cx="6068290" cy="9414164"/>
+          </a:xfrm>
+        </p:spPr>
+        <p:txBody>
+          <a:bodyPr anchor="t"/>
+          <a:lstStyle/>
+          <a:p>
+            <a:pPr algn="l"/>
+            <a:endParaRPr lang="en-IN" dirty="0"/>
+          </a:p>
+        </p:txBody>
+      </p:sp>
+    </p:spTree>
+    <p:extLst>
+      <p:ext uri="{BB962C8B-B14F-4D97-AF65-F5344CB8AC3E}">
+        <p14:creationId xmlns:p14="http://schemas.microsoft.com/office/powerpoint/2010/main" val="1392487884"/>
+      </p:ext>
+    </p:extLst>
+  </p:cSld>
+  <p:clrMapOvr>
+    <a:masterClrMapping/>
+  </p:clrMapOvr>
+</p:sld>
+</file>
+
+<file path=ppt/slides/slide12.xml><?xml version="1.0" encoding="utf-8"?>
+<p:sld xmlns:a="http://schemas.openxmlformats.org/drawingml/2006/main" xmlns:r="http://schemas.openxmlformats.org/officeDocument/2006/relationships" xmlns:p="http://schemas.openxmlformats.org/presentationml/2006/main">
+  <p:cSld>
+    <p:spTree>
+      <p:nvGrpSpPr>
+        <p:cNvPr id="1" name=""/>
+        <p:cNvGrpSpPr/>
+        <p:nvPr/>
+      </p:nvGrpSpPr>
+      <p:grpSpPr>
+        <a:xfrm>
+          <a:off x="0" y="0"/>
+          <a:ext cx="0" cy="0"/>
+          <a:chOff x="0" y="0"/>
+          <a:chExt cx="0" cy="0"/>
+        </a:xfrm>
+      </p:grpSpPr>
+      <p:sp>
+        <p:nvSpPr>
+          <p:cNvPr id="2" name="Title 1"/>
+          <p:cNvSpPr>
+            <a:spLocks noGrp="1"/>
+          </p:cNvSpPr>
+          <p:nvPr>
+            <p:ph type="ctrTitle"/>
+          </p:nvPr>
+        </p:nvSpPr>
+        <p:spPr>
+          <a:xfrm>
+            <a:off x="332510" y="457200"/>
+            <a:ext cx="6068290" cy="9414164"/>
+          </a:xfrm>
+        </p:spPr>
+        <p:txBody>
+          <a:bodyPr anchor="t"/>
+          <a:lstStyle/>
+          <a:p>
+            <a:pPr algn="l"/>
+            <a:endParaRPr lang="en-IN" dirty="0"/>
+          </a:p>
+        </p:txBody>
+      </p:sp>
+    </p:spTree>
+    <p:extLst>
+      <p:ext uri="{BB962C8B-B14F-4D97-AF65-F5344CB8AC3E}">
+        <p14:creationId xmlns:p14="http://schemas.microsoft.com/office/powerpoint/2010/main" val="2447504536"/>
+      </p:ext>
+    </p:extLst>
+  </p:cSld>
+  <p:clrMapOvr>
+    <a:masterClrMapping/>
+  </p:clrMapOvr>
+</p:sld>
+</file>
+
+<file path=ppt/slides/slide13.xml><?xml version="1.0" encoding="utf-8"?>
+<p:sld xmlns:a="http://schemas.openxmlformats.org/drawingml/2006/main" xmlns:r="http://schemas.openxmlformats.org/officeDocument/2006/relationships" xmlns:p="http://schemas.openxmlformats.org/presentationml/2006/main">
+  <p:cSld>
+    <p:spTree>
+      <p:nvGrpSpPr>
+        <p:cNvPr id="1" name=""/>
+        <p:cNvGrpSpPr/>
+        <p:nvPr/>
+      </p:nvGrpSpPr>
+      <p:grpSpPr>
+        <a:xfrm>
+          <a:off x="0" y="0"/>
+          <a:ext cx="0" cy="0"/>
+          <a:chOff x="0" y="0"/>
+          <a:chExt cx="0" cy="0"/>
+        </a:xfrm>
+      </p:grpSpPr>
+      <p:sp>
+        <p:nvSpPr>
+          <p:cNvPr id="2" name="Title 1"/>
+          <p:cNvSpPr>
+            <a:spLocks noGrp="1"/>
+          </p:cNvSpPr>
+          <p:nvPr>
+            <p:ph type="ctrTitle"/>
+          </p:nvPr>
+        </p:nvSpPr>
+        <p:spPr>
+          <a:xfrm>
+            <a:off x="332510" y="457200"/>
+            <a:ext cx="6068290" cy="9414164"/>
+          </a:xfrm>
+        </p:spPr>
+        <p:txBody>
+          <a:bodyPr anchor="t"/>
+          <a:lstStyle/>
+          <a:p>
+            <a:pPr algn="l"/>
+            <a:endParaRPr lang="en-IN" dirty="0"/>
+          </a:p>
+        </p:txBody>
+      </p:sp>
+    </p:spTree>
+    <p:extLst>
+      <p:ext uri="{BB962C8B-B14F-4D97-AF65-F5344CB8AC3E}">
         <p14:creationId xmlns:p14="http://schemas.microsoft.com/office/powerpoint/2010/main" val="1131072638"/>
       </p:ext>
     </p:extLst>
@@ -3425,18 +9391,339 @@
           </a:xfrm>
         </p:spPr>
         <p:txBody>
-          <a:bodyPr anchor="t"/>
-          <a:lstStyle/>
-          <a:p>
-            <a:pPr algn="l"/>
-            <a:endParaRPr lang="en-IN" dirty="0"/>
+          <a:bodyPr anchor="t">
+            <a:noAutofit/>
+          </a:bodyPr>
+          <a:lstStyle/>
+          <a:p>
+            <a:pPr algn="l">
+              <a:lnSpc>
+                <a:spcPct val="150000"/>
+              </a:lnSpc>
+            </a:pPr>
+            <a:r>
+              <a:rPr lang="sa-IN" sz="3200" dirty="0" smtClean="0">
+                <a:solidFill>
+                  <a:srgbClr val="FF0000"/>
+                </a:solidFill>
+              </a:rPr>
+              <a:t>वः</a:t>
+            </a:r>
+            <a:r>
+              <a:rPr lang="sa-IN" sz="3200" dirty="0" smtClean="0"/>
+              <a:t> </a:t>
+            </a:r>
+            <a:r>
+              <a:rPr lang="kn-IN" sz="3200" dirty="0" smtClean="0"/>
+              <a:t>ನಿಮ್ಮ ಅಭೀಷ್ಟಸಿದ್ಧಿಗಾಗಿ</a:t>
+            </a:r>
+            <a:r>
+              <a:rPr lang="sa-IN" sz="3200" dirty="0" smtClean="0">
+                <a:solidFill>
+                  <a:srgbClr val="FF0000"/>
+                </a:solidFill>
+              </a:rPr>
+              <a:t> शुक्राय </a:t>
+            </a:r>
+            <a:r>
+              <a:rPr lang="kn-IN" sz="3200" dirty="0" smtClean="0">
+                <a:solidFill>
+                  <a:srgbClr val="FF0000"/>
+                </a:solidFill>
+              </a:rPr>
+              <a:t> </a:t>
+            </a:r>
+            <a:r>
+              <a:rPr lang="kn-IN" sz="3200" dirty="0" smtClean="0"/>
+              <a:t>ನಿರ್ಮಲವಾದ </a:t>
+            </a:r>
+            <a:r>
+              <a:rPr lang="sa-IN" sz="3200" dirty="0" smtClean="0">
+                <a:solidFill>
+                  <a:srgbClr val="FF0000"/>
+                </a:solidFill>
+              </a:rPr>
+              <a:t>भानवे</a:t>
+            </a:r>
+            <a:r>
+              <a:rPr lang="kn-IN" sz="3200" dirty="0" smtClean="0"/>
+              <a:t> ರಶ್ಮಿಯುಕ್ತವಾದ</a:t>
+            </a:r>
+            <a:r>
+              <a:rPr lang="sa-IN" sz="3200" dirty="0" smtClean="0"/>
+              <a:t> </a:t>
+            </a:r>
+            <a:r>
+              <a:rPr lang="sa-IN" sz="3200" dirty="0" smtClean="0">
+                <a:solidFill>
+                  <a:srgbClr val="FF0000"/>
+                </a:solidFill>
+              </a:rPr>
+              <a:t>च</a:t>
+            </a:r>
+            <a:r>
+              <a:rPr lang="sa-IN" sz="3200" dirty="0" smtClean="0"/>
+              <a:t> </a:t>
+            </a:r>
+            <a:r>
+              <a:rPr lang="sa-IN" sz="3200" dirty="0" smtClean="0">
+                <a:solidFill>
+                  <a:srgbClr val="FF0000"/>
+                </a:solidFill>
+              </a:rPr>
+              <a:t>अग्नये</a:t>
+            </a:r>
+            <a:r>
+              <a:rPr lang="kn-IN" sz="3200" dirty="0" smtClean="0"/>
+              <a:t> ಅಗ್ನಿಯ ಧ್ಯಾನಕ್ಕಾಗಿ</a:t>
+            </a:r>
+            <a:r>
+              <a:rPr lang="sa-IN" sz="3200" dirty="0" smtClean="0"/>
+              <a:t> </a:t>
+            </a:r>
+            <a:r>
+              <a:rPr lang="sa-IN" sz="3200" dirty="0" smtClean="0">
+                <a:solidFill>
+                  <a:srgbClr val="FF0000"/>
+                </a:solidFill>
+              </a:rPr>
+              <a:t>सुपूतं</a:t>
+            </a:r>
+            <a:r>
+              <a:rPr lang="kn-IN" sz="3200" dirty="0" smtClean="0"/>
+              <a:t> ಶುದ್ಧವಾದ</a:t>
+            </a:r>
+            <a:r>
+              <a:rPr lang="sa-IN" sz="3200" dirty="0" smtClean="0"/>
+              <a:t> </a:t>
+            </a:r>
+            <a:r>
+              <a:rPr lang="sa-IN" sz="3200" dirty="0" smtClean="0">
+                <a:solidFill>
+                  <a:srgbClr val="FF0000"/>
+                </a:solidFill>
+              </a:rPr>
+              <a:t>हव्यं मतिं</a:t>
+            </a:r>
+            <a:r>
+              <a:rPr lang="kn-IN" sz="3200" dirty="0" smtClean="0"/>
+              <a:t> ಅಗ್ನಿಧ್ಯಾನಾಸಕ್ತ ಬುದ್ದಿಯನ್ನು</a:t>
+            </a:r>
+            <a:r>
+              <a:rPr lang="sa-IN" sz="3200" dirty="0" smtClean="0"/>
+              <a:t> </a:t>
+            </a:r>
+            <a:r>
+              <a:rPr lang="sa-IN" sz="3200" dirty="0" smtClean="0">
+                <a:solidFill>
+                  <a:srgbClr val="FF0000"/>
+                </a:solidFill>
+              </a:rPr>
+              <a:t>प्रभरध्वम्</a:t>
+            </a:r>
+            <a:r>
+              <a:rPr lang="kn-IN" sz="3200" dirty="0" smtClean="0"/>
+              <a:t>  ಸಂಪಾದಿಸಿ |</a:t>
+            </a:r>
+            <a:r>
+              <a:rPr lang="sa-IN" sz="3200" dirty="0" smtClean="0"/>
+              <a:t> </a:t>
+            </a:r>
+            <a:r>
+              <a:rPr lang="sa-IN" sz="3200" dirty="0" smtClean="0">
+                <a:solidFill>
+                  <a:srgbClr val="FF0000"/>
+                </a:solidFill>
+              </a:rPr>
+              <a:t>यो </a:t>
+            </a:r>
+            <a:r>
+              <a:rPr lang="kn-IN" sz="3200" dirty="0" smtClean="0"/>
+              <a:t>ಯಾವ ಅಗ್ನಿದೇವನು </a:t>
+            </a:r>
+            <a:r>
+              <a:rPr lang="sa-IN" sz="3200" dirty="0" smtClean="0">
+                <a:solidFill>
+                  <a:srgbClr val="FF0000"/>
+                </a:solidFill>
+              </a:rPr>
+              <a:t>दैव्यानि</a:t>
+            </a:r>
+            <a:r>
+              <a:rPr lang="kn-IN" sz="3200" dirty="0" smtClean="0">
+                <a:solidFill>
+                  <a:srgbClr val="FF0000"/>
+                </a:solidFill>
+              </a:rPr>
+              <a:t> </a:t>
+            </a:r>
+            <a:r>
+              <a:rPr lang="kn-IN" sz="3200" dirty="0" smtClean="0"/>
+              <a:t>ದೈವಿಕ</a:t>
+            </a:r>
+            <a:r>
+              <a:rPr lang="sa-IN" sz="3200" dirty="0" smtClean="0"/>
+              <a:t> </a:t>
+            </a:r>
+            <a:r>
+              <a:rPr lang="kn-IN" sz="3200" dirty="0" smtClean="0"/>
+              <a:t>,</a:t>
+            </a:r>
+            <a:r>
+              <a:rPr lang="sa-IN" sz="3200" dirty="0" smtClean="0">
+                <a:solidFill>
+                  <a:srgbClr val="FF0000"/>
+                </a:solidFill>
+              </a:rPr>
+              <a:t>मानुषा</a:t>
+            </a:r>
+            <a:r>
+              <a:rPr lang="kn-IN" sz="3200" dirty="0" smtClean="0">
+                <a:solidFill>
+                  <a:srgbClr val="FF0000"/>
+                </a:solidFill>
+              </a:rPr>
+              <a:t> </a:t>
+            </a:r>
+            <a:r>
+              <a:rPr lang="kn-IN" sz="3200" dirty="0" smtClean="0"/>
+              <a:t>ಮಾನುಷಿಕ</a:t>
+            </a:r>
+            <a:r>
+              <a:rPr lang="sa-IN" sz="3200" dirty="0" smtClean="0"/>
+              <a:t> </a:t>
+            </a:r>
+            <a:r>
+              <a:rPr lang="sa-IN" sz="3200" dirty="0" smtClean="0">
+                <a:solidFill>
+                  <a:srgbClr val="FF0000"/>
+                </a:solidFill>
+              </a:rPr>
+              <a:t>जनूंषि</a:t>
+            </a:r>
+            <a:r>
+              <a:rPr lang="kn-IN" sz="3200" dirty="0" smtClean="0"/>
+              <a:t> ಜನ್ಮಗಳನ್ನು</a:t>
+            </a:r>
+            <a:r>
+              <a:rPr lang="sa-IN" sz="3200" dirty="0" smtClean="0"/>
+              <a:t> </a:t>
+            </a:r>
+            <a:r>
+              <a:rPr lang="sa-IN" sz="3200" dirty="0" smtClean="0">
+                <a:solidFill>
+                  <a:srgbClr val="FF0000"/>
+                </a:solidFill>
+              </a:rPr>
+              <a:t>विश्वानि</a:t>
+            </a:r>
+            <a:r>
+              <a:rPr lang="kn-IN" sz="3200" dirty="0" smtClean="0">
+                <a:solidFill>
+                  <a:srgbClr val="FF0000"/>
+                </a:solidFill>
+              </a:rPr>
+              <a:t> </a:t>
+            </a:r>
+            <a:r>
+              <a:rPr lang="kn-IN" sz="3200" dirty="0" smtClean="0"/>
+              <a:t>ಎಲ್ಲಾ </a:t>
+            </a:r>
+            <a:r>
+              <a:rPr lang="sa-IN" sz="3200" dirty="0" smtClean="0"/>
+              <a:t> </a:t>
+            </a:r>
+            <a:r>
+              <a:rPr lang="sa-IN" sz="3200" dirty="0" smtClean="0">
+                <a:solidFill>
+                  <a:srgbClr val="FF0000"/>
+                </a:solidFill>
+              </a:rPr>
+              <a:t>अन्तः</a:t>
+            </a:r>
+            <a:r>
+              <a:rPr lang="kn-IN" sz="3200" dirty="0" smtClean="0"/>
+              <a:t> ಒಳಗಿನ ಇತರ ಯಕ್ಷಗಂಧರ್ವಾದಿಗಳ ಜನ್ಮಗಳನ್ನು</a:t>
+            </a:r>
+            <a:r>
+              <a:rPr lang="sa-IN" sz="3200" dirty="0" smtClean="0"/>
+              <a:t>  </a:t>
+            </a:r>
+            <a:r>
+              <a:rPr lang="sa-IN" sz="3200" dirty="0" smtClean="0">
+                <a:solidFill>
+                  <a:srgbClr val="FF0000"/>
+                </a:solidFill>
+              </a:rPr>
+              <a:t>विद्मना</a:t>
+            </a:r>
+            <a:r>
+              <a:rPr lang="kn-IN" sz="3200" dirty="0" smtClean="0">
+                <a:solidFill>
+                  <a:srgbClr val="FF0000"/>
+                </a:solidFill>
+              </a:rPr>
+              <a:t> </a:t>
+            </a:r>
+            <a:r>
+              <a:rPr lang="kn-IN" sz="3200" dirty="0" smtClean="0"/>
+              <a:t>ತಿಳಿದಿರುವುದರಿಂದ</a:t>
+            </a:r>
+            <a:r>
+              <a:rPr lang="kn-IN" sz="3200" dirty="0" smtClean="0"/>
+              <a:t> </a:t>
+            </a:r>
+            <a:r>
+              <a:rPr lang="sa-IN" sz="3200" dirty="0" smtClean="0"/>
+              <a:t> </a:t>
+            </a:r>
+            <a:r>
+              <a:rPr lang="sa-IN" sz="3200" dirty="0" smtClean="0">
+                <a:solidFill>
+                  <a:srgbClr val="FF0000"/>
+                </a:solidFill>
+              </a:rPr>
+              <a:t>जिगाति </a:t>
+            </a:r>
+            <a:r>
+              <a:rPr lang="kn-IN" sz="3200" dirty="0" smtClean="0"/>
+              <a:t>(ಚರಾಚರಗಳನ್ನು) ಸೃಷ್ಟಿಸುತ್ತಾನೆ </a:t>
+            </a:r>
+            <a:r>
+              <a:rPr lang="sa-IN" sz="3200" dirty="0" smtClean="0"/>
+              <a:t>।</a:t>
+            </a:r>
+            <a:r>
+              <a:rPr lang="en-IN" sz="3200" dirty="0" smtClean="0"/>
+              <a:t/>
+            </a:r>
+            <a:br>
+              <a:rPr lang="en-IN" sz="3200" dirty="0" smtClean="0"/>
+            </a:br>
+            <a:r>
+              <a:rPr lang="en-IN" sz="3200" dirty="0"/>
+              <a:t>	</a:t>
+            </a:r>
+            <a:r>
+              <a:rPr lang="en-IN" sz="3200" dirty="0" smtClean="0"/>
+              <a:t>	</a:t>
+            </a:r>
+            <a:r>
+              <a:rPr lang="sa-IN" sz="3200" dirty="0" smtClean="0"/>
+              <a:t>		अग्निसूक्त </a:t>
+            </a:r>
+            <a:r>
+              <a:rPr lang="en-IN" sz="3200" dirty="0" smtClean="0"/>
+              <a:t>2</a:t>
+            </a:r>
+            <a:endParaRPr lang="en-IN" sz="3200" dirty="0"/>
           </a:p>
         </p:txBody>
       </p:sp>
     </p:spTree>
     <p:extLst>
       <p:ext uri="{BB962C8B-B14F-4D97-AF65-F5344CB8AC3E}">
-        <p14:creationId xmlns:p14="http://schemas.microsoft.com/office/powerpoint/2010/main" val="1064436913"/>
+        <p14:creationId xmlns:p14="http://schemas.microsoft.com/office/powerpoint/2010/main" val="3283006563"/>
       </p:ext>
     </p:extLst>
   </p:cSld>
@@ -3449,6 +9736,16 @@
 <file path=ppt/slides/slide3.xml><?xml version="1.0" encoding="utf-8"?>
 <p:sld xmlns:a="http://schemas.openxmlformats.org/drawingml/2006/main" xmlns:r="http://schemas.openxmlformats.org/officeDocument/2006/relationships" xmlns:p="http://schemas.openxmlformats.org/presentationml/2006/main">
   <p:cSld>
+    <p:bg>
+      <p:bgPr>
+        <a:solidFill>
+          <a:schemeClr val="bg1">
+            <a:lumMod val="95000"/>
+          </a:schemeClr>
+        </a:solidFill>
+        <a:effectLst/>
+      </p:bgPr>
+    </p:bg>
     <p:spTree>
       <p:nvGrpSpPr>
         <p:cNvPr id="1" name=""/>
@@ -3480,18 +9777,263 @@
           </a:xfrm>
         </p:spPr>
         <p:txBody>
-          <a:bodyPr anchor="t"/>
-          <a:lstStyle/>
-          <a:p>
-            <a:pPr algn="l"/>
-            <a:endParaRPr lang="en-IN" dirty="0"/>
+          <a:bodyPr anchor="t">
+            <a:noAutofit/>
+          </a:bodyPr>
+          <a:lstStyle/>
+          <a:p>
+            <a:pPr algn="l">
+              <a:lnSpc>
+                <a:spcPct val="150000"/>
+              </a:lnSpc>
+            </a:pPr>
+            <a:r>
+              <a:rPr lang="sa-IN" sz="3200" dirty="0">
+                <a:solidFill>
+                  <a:srgbClr val="FF0000"/>
+                </a:solidFill>
+              </a:rPr>
+              <a:t>देवयन्तीः</a:t>
+            </a:r>
+            <a:r>
+              <a:rPr lang="kn-IN" sz="3200" dirty="0">
+                <a:solidFill>
+                  <a:srgbClr val="FF0000"/>
+                </a:solidFill>
+              </a:rPr>
+              <a:t> </a:t>
+            </a:r>
+            <a:r>
+              <a:rPr lang="kn-IN" sz="3200" dirty="0"/>
+              <a:t>ದೇವತೆಗಳನ್ನು ಕುರಿತು </a:t>
+            </a:r>
+            <a:r>
+              <a:rPr lang="sa-IN" sz="3200" dirty="0" smtClean="0">
+                <a:solidFill>
+                  <a:srgbClr val="FF0000"/>
+                </a:solidFill>
+              </a:rPr>
+              <a:t>द्रविणं </a:t>
+            </a:r>
+            <a:r>
+              <a:rPr lang="sa-IN" sz="3200" dirty="0">
+                <a:solidFill>
+                  <a:srgbClr val="FF0000"/>
+                </a:solidFill>
+              </a:rPr>
+              <a:t>भिक्षमाणा</a:t>
+            </a:r>
+            <a:r>
+              <a:rPr lang="sa-IN" sz="3200" dirty="0"/>
+              <a:t> </a:t>
+            </a:r>
+            <a:r>
+              <a:rPr lang="kn-IN" sz="3200" dirty="0"/>
+              <a:t>ಸಂಪತ್ತನ್ನು </a:t>
+            </a:r>
+            <a:r>
+              <a:rPr lang="kn-IN" sz="3200" dirty="0" smtClean="0"/>
+              <a:t>ಯಾಚಿಸುತ್ತಿರುವ </a:t>
+            </a:r>
+            <a:r>
+              <a:rPr lang="sa-IN" sz="3200" dirty="0" smtClean="0">
+                <a:solidFill>
+                  <a:srgbClr val="FF0000"/>
+                </a:solidFill>
+              </a:rPr>
+              <a:t>गिरो</a:t>
+            </a:r>
+            <a:r>
+              <a:rPr lang="sa-IN" sz="3200" dirty="0" smtClean="0"/>
+              <a:t> </a:t>
+            </a:r>
+            <a:r>
+              <a:rPr lang="kn-IN" sz="3200" dirty="0" smtClean="0"/>
+              <a:t>ನಮ್ಮ ಸ್ತುತಿ ರೂಪವಾದ ಮಾತುಗಳು</a:t>
+            </a:r>
+            <a:r>
+              <a:rPr lang="sa-IN" sz="3200" dirty="0" smtClean="0"/>
+              <a:t> </a:t>
+            </a:r>
+            <a:r>
+              <a:rPr lang="sa-IN" sz="3200" dirty="0" smtClean="0">
+                <a:solidFill>
+                  <a:srgbClr val="FF0000"/>
+                </a:solidFill>
+              </a:rPr>
+              <a:t>मतयः</a:t>
+            </a:r>
+            <a:r>
+              <a:rPr lang="kn-IN" sz="3200" dirty="0" smtClean="0"/>
+              <a:t> ಧ್ಯಾನಾಸಕ್ತ ಬುದ್ಧಿಗಳು</a:t>
+            </a:r>
+            <a:r>
+              <a:rPr lang="sa-IN" sz="3200" dirty="0" smtClean="0"/>
+              <a:t> </a:t>
+            </a:r>
+            <a:r>
+              <a:rPr lang="sa-IN" sz="3200" dirty="0" smtClean="0">
+                <a:solidFill>
+                  <a:srgbClr val="FF0000"/>
+                </a:solidFill>
+              </a:rPr>
+              <a:t>सुसंदृशं</a:t>
+            </a:r>
+            <a:r>
+              <a:rPr lang="sa-IN" sz="3200" dirty="0" smtClean="0"/>
+              <a:t> </a:t>
+            </a:r>
+            <a:r>
+              <a:rPr lang="kn-IN" sz="3200" dirty="0" smtClean="0"/>
+              <a:t>ನೋಡಲು ಸುಂದರ ರೂಪವುಳ್ಳ </a:t>
+            </a:r>
+            <a:r>
+              <a:rPr lang="sa-IN" sz="3200" dirty="0" smtClean="0">
+                <a:solidFill>
+                  <a:srgbClr val="FF0000"/>
+                </a:solidFill>
+              </a:rPr>
+              <a:t>सुप्रतीकं</a:t>
+            </a:r>
+            <a:r>
+              <a:rPr lang="kn-IN" sz="3200" dirty="0" smtClean="0"/>
+              <a:t> ಸುಂದರ ಅವಯವಗಳಿಂದ ಕೂಡಿದ</a:t>
+            </a:r>
+            <a:r>
+              <a:rPr lang="sa-IN" sz="3200" dirty="0" smtClean="0"/>
+              <a:t> </a:t>
+            </a:r>
+            <a:r>
+              <a:rPr lang="sa-IN" sz="3200" dirty="0" smtClean="0">
+                <a:solidFill>
+                  <a:srgbClr val="FF0000"/>
+                </a:solidFill>
+              </a:rPr>
+              <a:t>स्वंञ्चं</a:t>
+            </a:r>
+            <a:r>
+              <a:rPr lang="kn-IN" sz="3200" dirty="0" smtClean="0"/>
+              <a:t> ಸುಂದರ ಗತಿಯುಳ್ಳ</a:t>
+            </a:r>
+            <a:r>
+              <a:rPr lang="sa-IN" sz="3200" dirty="0" smtClean="0"/>
+              <a:t> </a:t>
+            </a:r>
+            <a:r>
+              <a:rPr lang="sa-IN" sz="3200" dirty="0" smtClean="0">
+                <a:solidFill>
+                  <a:srgbClr val="FF0000"/>
+                </a:solidFill>
+              </a:rPr>
+              <a:t>अरतिं</a:t>
+            </a:r>
+            <a:r>
+              <a:rPr lang="sa-IN" sz="3200" dirty="0" smtClean="0"/>
+              <a:t> </a:t>
+            </a:r>
+            <a:r>
+              <a:rPr lang="kn-IN" sz="3200" dirty="0" smtClean="0"/>
+              <a:t>ನಿರಂತರ </a:t>
+            </a:r>
+            <a:r>
+              <a:rPr lang="sa-IN" sz="3200" dirty="0" smtClean="0">
+                <a:solidFill>
+                  <a:srgbClr val="FF0000"/>
+                </a:solidFill>
+              </a:rPr>
+              <a:t>मानुषाणां</a:t>
+            </a:r>
+            <a:r>
+              <a:rPr lang="kn-IN" sz="3200" dirty="0" smtClean="0"/>
+              <a:t> ಯಜಮಾನನ </a:t>
+            </a:r>
+            <a:r>
+              <a:rPr lang="sa-IN" sz="3200" dirty="0" smtClean="0">
+                <a:solidFill>
+                  <a:srgbClr val="FF0000"/>
+                </a:solidFill>
+              </a:rPr>
+              <a:t>हव्यवाहं</a:t>
+            </a:r>
+            <a:r>
+              <a:rPr lang="kn-IN" sz="3200" dirty="0" smtClean="0"/>
+              <a:t> ಹವಿಸ್ಸನ್ನು ದೇವತೆಗಳ ಪ್ರತಿ ಒಯ್ಯವ </a:t>
+            </a:r>
+            <a:r>
+              <a:rPr lang="sa-IN" sz="3200" dirty="0" smtClean="0"/>
+              <a:t> </a:t>
+            </a:r>
+            <a:r>
+              <a:rPr lang="sa-IN" sz="3200" dirty="0" smtClean="0">
+                <a:solidFill>
+                  <a:srgbClr val="FF0000"/>
+                </a:solidFill>
+              </a:rPr>
+              <a:t>अग्निम् अच्छ</a:t>
+            </a:r>
+            <a:r>
+              <a:rPr lang="kn-IN" sz="3200" dirty="0" smtClean="0">
+                <a:solidFill>
+                  <a:srgbClr val="FF0000"/>
+                </a:solidFill>
+              </a:rPr>
+              <a:t> </a:t>
+            </a:r>
+            <a:r>
+              <a:rPr lang="kn-IN" sz="3200" dirty="0" smtClean="0"/>
+              <a:t>ಅಗ್ನಿಯ ಮುಖೇನವಾಗಿ </a:t>
+            </a:r>
+            <a:r>
+              <a:rPr lang="sa-IN" sz="3200" dirty="0" smtClean="0">
+                <a:solidFill>
+                  <a:srgbClr val="FF0000"/>
+                </a:solidFill>
+              </a:rPr>
+              <a:t>यन्ति</a:t>
+            </a:r>
+            <a:r>
+              <a:rPr lang="kn-IN" sz="3200" dirty="0">
+                <a:solidFill>
+                  <a:srgbClr val="FF0000"/>
+                </a:solidFill>
+              </a:rPr>
+              <a:t> </a:t>
+            </a:r>
+            <a:r>
+              <a:rPr lang="kn-IN" sz="3200" dirty="0" smtClean="0"/>
+              <a:t> (ದೇವತೆಗಳ ಬಳಿ ) ಹೋಗುತ್ತದೆ </a:t>
+            </a:r>
+            <a:r>
+              <a:rPr lang="sa-IN" sz="3200" dirty="0" smtClean="0"/>
+              <a:t>।</a:t>
+            </a:r>
+            <a:r>
+              <a:rPr lang="en-IN" sz="3200" dirty="0" smtClean="0"/>
+              <a:t/>
+            </a:r>
+            <a:br>
+              <a:rPr lang="en-IN" sz="3200" dirty="0" smtClean="0"/>
+            </a:br>
+            <a:r>
+              <a:rPr lang="en-IN" sz="3200" dirty="0" smtClean="0"/>
+              <a:t>		</a:t>
+            </a:r>
+            <a:r>
+              <a:rPr lang="sa-IN" sz="3200" dirty="0" smtClean="0"/>
+              <a:t>		अग्निसूक्त </a:t>
+            </a:r>
+            <a:r>
+              <a:rPr lang="kn-IN" sz="3200" dirty="0"/>
+              <a:t>3</a:t>
+            </a:r>
+            <a:endParaRPr lang="en-IN" sz="3200" dirty="0"/>
           </a:p>
         </p:txBody>
       </p:sp>
     </p:spTree>
     <p:extLst>
       <p:ext uri="{BB962C8B-B14F-4D97-AF65-F5344CB8AC3E}">
-        <p14:creationId xmlns:p14="http://schemas.microsoft.com/office/powerpoint/2010/main" val="3105159823"/>
+        <p14:creationId xmlns:p14="http://schemas.microsoft.com/office/powerpoint/2010/main" val="3153357075"/>
       </p:ext>
     </p:extLst>
   </p:cSld>
@@ -3535,18 +10077,294 @@
           </a:xfrm>
         </p:spPr>
         <p:txBody>
-          <a:bodyPr anchor="t"/>
-          <a:lstStyle/>
-          <a:p>
-            <a:pPr algn="l"/>
-            <a:endParaRPr lang="en-IN" dirty="0"/>
+          <a:bodyPr anchor="t">
+            <a:noAutofit/>
+          </a:bodyPr>
+          <a:lstStyle/>
+          <a:p>
+            <a:pPr algn="l">
+              <a:lnSpc>
+                <a:spcPct val="150000"/>
+              </a:lnSpc>
+            </a:pPr>
+            <a:r>
+              <a:rPr lang="sa-IN" sz="3200" dirty="0" smtClean="0">
+                <a:solidFill>
+                  <a:srgbClr val="FF0000"/>
+                </a:solidFill>
+              </a:rPr>
+              <a:t>हे अग्ने</a:t>
+            </a:r>
+            <a:r>
+              <a:rPr lang="sa-IN" sz="3200" dirty="0" smtClean="0"/>
+              <a:t> </a:t>
+            </a:r>
+            <a:r>
+              <a:rPr lang="kn-IN" sz="3200" dirty="0" smtClean="0"/>
+              <a:t>ಹೇ ಅಗ್ನಿಯೇ </a:t>
+            </a:r>
+            <a:r>
+              <a:rPr lang="sa-IN" sz="3200" dirty="0" smtClean="0">
+                <a:solidFill>
+                  <a:srgbClr val="FF0000"/>
+                </a:solidFill>
+              </a:rPr>
+              <a:t>हे यजत्र</a:t>
+            </a:r>
+            <a:r>
+              <a:rPr lang="kn-IN" sz="3200" dirty="0" smtClean="0"/>
+              <a:t> ಹೇ ಯಜಿಸುವ ದೇವನೇ</a:t>
+            </a:r>
+            <a:r>
+              <a:rPr lang="sa-IN" sz="3200" dirty="0" smtClean="0"/>
+              <a:t> </a:t>
+            </a:r>
+            <a:r>
+              <a:rPr lang="sa-IN" sz="3200" dirty="0" smtClean="0">
+                <a:solidFill>
+                  <a:srgbClr val="FF0000"/>
+                </a:solidFill>
+              </a:rPr>
+              <a:t>हे देव</a:t>
+            </a:r>
+            <a:r>
+              <a:rPr lang="kn-IN" sz="3200" dirty="0" smtClean="0"/>
+              <a:t> ಹೇ ದೇವನೇ</a:t>
+            </a:r>
+            <a:r>
+              <a:rPr lang="sa-IN" sz="3200" dirty="0" smtClean="0"/>
+              <a:t> </a:t>
+            </a:r>
+            <a:r>
+              <a:rPr lang="sa-IN" sz="3200" dirty="0" smtClean="0">
+                <a:solidFill>
+                  <a:srgbClr val="FF0000"/>
+                </a:solidFill>
+              </a:rPr>
+              <a:t>त्वं</a:t>
+            </a:r>
+            <a:r>
+              <a:rPr lang="kn-IN" sz="3200" dirty="0"/>
+              <a:t> </a:t>
+            </a:r>
+            <a:r>
+              <a:rPr lang="kn-IN" sz="3200" dirty="0" smtClean="0"/>
+              <a:t>ನೀನು</a:t>
+            </a:r>
+            <a:r>
+              <a:rPr lang="sa-IN" sz="3200" dirty="0" smtClean="0"/>
+              <a:t> </a:t>
+            </a:r>
+            <a:r>
+              <a:rPr lang="sa-IN" sz="3200" dirty="0" smtClean="0">
+                <a:solidFill>
+                  <a:srgbClr val="FF0000"/>
+                </a:solidFill>
+              </a:rPr>
+              <a:t>कृष्टीः</a:t>
+            </a:r>
+            <a:r>
+              <a:rPr lang="kn-IN" sz="3200" dirty="0" smtClean="0"/>
+              <a:t> ಮನಷ್ಯರ</a:t>
+            </a:r>
+            <a:r>
+              <a:rPr lang="sa-IN" sz="3200" dirty="0" smtClean="0"/>
+              <a:t> </a:t>
+            </a:r>
+            <a:r>
+              <a:rPr lang="sa-IN" sz="3200" dirty="0" smtClean="0">
+                <a:solidFill>
+                  <a:srgbClr val="FF0000"/>
+                </a:solidFill>
+              </a:rPr>
+              <a:t>अभ्यमन्त</a:t>
+            </a:r>
+            <a:r>
+              <a:rPr lang="kn-IN" sz="3200" dirty="0" smtClean="0"/>
+              <a:t> ಸುತ್ತಲೂ ಬಾಧಿಸುವ </a:t>
+            </a:r>
+            <a:r>
+              <a:rPr lang="sa-IN" sz="3200" dirty="0" smtClean="0"/>
+              <a:t> </a:t>
+            </a:r>
+            <a:r>
+              <a:rPr lang="sa-IN" sz="3200" dirty="0" smtClean="0">
+                <a:solidFill>
+                  <a:srgbClr val="FF0000"/>
+                </a:solidFill>
+              </a:rPr>
+              <a:t>अनग्नित्राः</a:t>
+            </a:r>
+            <a:r>
+              <a:rPr lang="kn-IN" sz="3200" dirty="0" smtClean="0"/>
+              <a:t> ಮಂದಾಗ್ನಿ </a:t>
+            </a:r>
+            <a:r>
+              <a:rPr lang="sa-IN" sz="3200" dirty="0" smtClean="0"/>
+              <a:t> </a:t>
+            </a:r>
+            <a:r>
+              <a:rPr lang="sa-IN" sz="3200" dirty="0" smtClean="0">
+                <a:solidFill>
+                  <a:srgbClr val="FF0000"/>
+                </a:solidFill>
+              </a:rPr>
+              <a:t>क्षां </a:t>
+            </a:r>
+            <a:r>
+              <a:rPr lang="kn-IN" sz="3200" dirty="0" smtClean="0"/>
+              <a:t>ಕ್ಷಯ </a:t>
+            </a:r>
+            <a:r>
+              <a:rPr lang="sa-IN" sz="3200" dirty="0" smtClean="0">
+                <a:solidFill>
+                  <a:srgbClr val="FF0000"/>
+                </a:solidFill>
+              </a:rPr>
+              <a:t>अमीवाः</a:t>
+            </a:r>
+            <a:r>
+              <a:rPr lang="kn-IN" sz="3200" dirty="0" smtClean="0"/>
+              <a:t> ರೋಗಜಾತಿಗಳನ್ನು</a:t>
+            </a:r>
+            <a:r>
+              <a:rPr lang="sa-IN" sz="3200" dirty="0" smtClean="0"/>
+              <a:t> </a:t>
+            </a:r>
+            <a:r>
+              <a:rPr lang="sa-IN" sz="3200" dirty="0" smtClean="0">
+                <a:solidFill>
+                  <a:srgbClr val="FF0000"/>
+                </a:solidFill>
+              </a:rPr>
+              <a:t>अजरेभिः</a:t>
+            </a:r>
+            <a:r>
+              <a:rPr lang="kn-IN" sz="3200" dirty="0" smtClean="0"/>
+              <a:t> ಮುಪ್ಪನ್ನು ದೂರಮಾಡುವ</a:t>
+            </a:r>
+            <a:r>
+              <a:rPr lang="sa-IN" sz="3200" dirty="0" smtClean="0"/>
+              <a:t> </a:t>
+            </a:r>
+            <a:r>
+              <a:rPr lang="sa-IN" sz="3200" dirty="0" smtClean="0">
+                <a:solidFill>
+                  <a:srgbClr val="FF0000"/>
+                </a:solidFill>
+              </a:rPr>
+              <a:t>विश्वेभिः</a:t>
+            </a:r>
+            <a:r>
+              <a:rPr lang="sa-IN" sz="3200" dirty="0" smtClean="0"/>
+              <a:t> </a:t>
+            </a:r>
+            <a:r>
+              <a:rPr lang="kn-IN" sz="3200" dirty="0" smtClean="0"/>
+              <a:t>ಎಲ್ಲಾ ಔಷಧಿಗಳಿಂದ </a:t>
+            </a:r>
+            <a:r>
+              <a:rPr lang="sa-IN" sz="3200" dirty="0" smtClean="0">
+                <a:solidFill>
+                  <a:srgbClr val="FF0000"/>
+                </a:solidFill>
+              </a:rPr>
+              <a:t>पुनः अस्मभ्यं</a:t>
+            </a:r>
+            <a:r>
+              <a:rPr lang="kn-IN" sz="3200" dirty="0" smtClean="0"/>
+              <a:t> ಮತ್ತೆ ನಮ್ಮ</a:t>
+            </a:r>
+            <a:r>
+              <a:rPr lang="sa-IN" sz="3200" dirty="0" smtClean="0"/>
+              <a:t> </a:t>
+            </a:r>
+            <a:r>
+              <a:rPr lang="sa-IN" sz="3200" dirty="0" smtClean="0">
+                <a:solidFill>
+                  <a:srgbClr val="FF0000"/>
+                </a:solidFill>
+              </a:rPr>
+              <a:t>सुविताय</a:t>
+            </a:r>
+            <a:r>
+              <a:rPr lang="kn-IN" sz="3200" dirty="0" smtClean="0"/>
+              <a:t> ಒಳಿತಿಗಾಗಿ</a:t>
+            </a:r>
+            <a:r>
+              <a:rPr lang="sa-IN" sz="3200" dirty="0" smtClean="0"/>
+              <a:t> </a:t>
+            </a:r>
+            <a:r>
+              <a:rPr lang="sa-IN" sz="3200" dirty="0" smtClean="0">
+                <a:solidFill>
+                  <a:srgbClr val="FF0000"/>
+                </a:solidFill>
+              </a:rPr>
+              <a:t>अस्मत्</a:t>
+            </a:r>
+            <a:r>
+              <a:rPr lang="kn-IN" sz="3200" dirty="0" smtClean="0"/>
+              <a:t> ನಮ್ಮಿಂದ</a:t>
+            </a:r>
+            <a:r>
+              <a:rPr lang="sa-IN" sz="3200" dirty="0" smtClean="0"/>
+              <a:t> </a:t>
+            </a:r>
+            <a:r>
+              <a:rPr lang="sa-IN" sz="3200" dirty="0" smtClean="0">
+                <a:solidFill>
+                  <a:srgbClr val="FF0000"/>
+                </a:solidFill>
+              </a:rPr>
+              <a:t>युयोधि</a:t>
+            </a:r>
+            <a:r>
+              <a:rPr lang="kn-IN" sz="3200" dirty="0" smtClean="0"/>
+              <a:t> ದೂರಮಾಡು</a:t>
+            </a:r>
+            <a:r>
+              <a:rPr lang="sa-IN" sz="3200" dirty="0" smtClean="0"/>
+              <a:t>।</a:t>
+            </a:r>
+            <a:r>
+              <a:rPr lang="en-IN" sz="3200" dirty="0" smtClean="0"/>
+              <a:t>	</a:t>
+            </a:r>
+            <a:r>
+              <a:rPr lang="kn-IN" sz="3200" dirty="0" smtClean="0"/>
+              <a:t/>
+            </a:r>
+            <a:br>
+              <a:rPr lang="kn-IN" sz="3200" dirty="0" smtClean="0"/>
+            </a:br>
+            <a:r>
+              <a:rPr lang="kn-IN" sz="3200" dirty="0"/>
+              <a:t/>
+            </a:r>
+            <a:br>
+              <a:rPr lang="kn-IN" sz="3200" dirty="0"/>
+            </a:br>
+            <a:r>
+              <a:rPr lang="en-IN" sz="3200" dirty="0" smtClean="0"/>
+              <a:t>	</a:t>
+            </a:r>
+            <a:r>
+              <a:rPr lang="sa-IN" sz="3200" dirty="0" smtClean="0"/>
+              <a:t>		अग्निसूक्त </a:t>
+            </a:r>
+            <a:r>
+              <a:rPr lang="kn-IN" sz="3200" dirty="0" smtClean="0"/>
+              <a:t>4</a:t>
+            </a:r>
+            <a:endParaRPr lang="en-IN" sz="3200" dirty="0"/>
           </a:p>
         </p:txBody>
       </p:sp>
     </p:spTree>
     <p:extLst>
       <p:ext uri="{BB962C8B-B14F-4D97-AF65-F5344CB8AC3E}">
-        <p14:creationId xmlns:p14="http://schemas.microsoft.com/office/powerpoint/2010/main" val="4153619066"/>
+        <p14:creationId xmlns:p14="http://schemas.microsoft.com/office/powerpoint/2010/main" val="2974320546"/>
       </p:ext>
     </p:extLst>
   </p:cSld>
@@ -3601,7 +10419,7 @@
     </p:spTree>
     <p:extLst>
       <p:ext uri="{BB962C8B-B14F-4D97-AF65-F5344CB8AC3E}">
-        <p14:creationId xmlns:p14="http://schemas.microsoft.com/office/powerpoint/2010/main" val="1804988727"/>
+        <p14:creationId xmlns:p14="http://schemas.microsoft.com/office/powerpoint/2010/main" val="1064436913"/>
       </p:ext>
     </p:extLst>
   </p:cSld>
@@ -3656,7 +10474,7 @@
     </p:spTree>
     <p:extLst>
       <p:ext uri="{BB962C8B-B14F-4D97-AF65-F5344CB8AC3E}">
-        <p14:creationId xmlns:p14="http://schemas.microsoft.com/office/powerpoint/2010/main" val="2085025512"/>
+        <p14:creationId xmlns:p14="http://schemas.microsoft.com/office/powerpoint/2010/main" val="3105159823"/>
       </p:ext>
     </p:extLst>
   </p:cSld>
@@ -3711,7 +10529,7 @@
     </p:spTree>
     <p:extLst>
       <p:ext uri="{BB962C8B-B14F-4D97-AF65-F5344CB8AC3E}">
-        <p14:creationId xmlns:p14="http://schemas.microsoft.com/office/powerpoint/2010/main" val="2129401415"/>
+        <p14:creationId xmlns:p14="http://schemas.microsoft.com/office/powerpoint/2010/main" val="4153619066"/>
       </p:ext>
     </p:extLst>
   </p:cSld>
@@ -3766,7 +10584,7 @@
     </p:spTree>
     <p:extLst>
       <p:ext uri="{BB962C8B-B14F-4D97-AF65-F5344CB8AC3E}">
-        <p14:creationId xmlns:p14="http://schemas.microsoft.com/office/powerpoint/2010/main" val="1392487884"/>
+        <p14:creationId xmlns:p14="http://schemas.microsoft.com/office/powerpoint/2010/main" val="1804988727"/>
       </p:ext>
     </p:extLst>
   </p:cSld>
@@ -3821,7 +10639,7 @@
     </p:spTree>
     <p:extLst>
       <p:ext uri="{BB962C8B-B14F-4D97-AF65-F5344CB8AC3E}">
-        <p14:creationId xmlns:p14="http://schemas.microsoft.com/office/powerpoint/2010/main" val="2447504536"/>
+        <p14:creationId xmlns:p14="http://schemas.microsoft.com/office/powerpoint/2010/main" val="2085025512"/>
       </p:ext>
     </p:extLst>
   </p:cSld>
@@ -4090,4 +10908,260 @@
     </a:ext>
   </a:extLst>
 </a:theme>
+</file>
+
+<file path=ppt/theme/theme2.xml><?xml version="1.0" encoding="utf-8"?>
+<a:theme xmlns:a="http://schemas.openxmlformats.org/drawingml/2006/main" name="Mesh">
+  <a:themeElements>
+    <a:clrScheme name="Mesh">
+      <a:dk1>
+        <a:sysClr val="windowText" lastClr="000000"/>
+      </a:dk1>
+      <a:lt1>
+        <a:sysClr val="window" lastClr="FFFFFF"/>
+      </a:lt1>
+      <a:dk2>
+        <a:srgbClr val="363D46"/>
+      </a:dk2>
+      <a:lt2>
+        <a:srgbClr val="EBEBEB"/>
+      </a:lt2>
+      <a:accent1>
+        <a:srgbClr val="6F6F6F"/>
+      </a:accent1>
+      <a:accent2>
+        <a:srgbClr val="BFBFA5"/>
+      </a:accent2>
+      <a:accent3>
+        <a:srgbClr val="DCD084"/>
+      </a:accent3>
+      <a:accent4>
+        <a:srgbClr val="E7BF5F"/>
+      </a:accent4>
+      <a:accent5>
+        <a:srgbClr val="E9A039"/>
+      </a:accent5>
+      <a:accent6>
+        <a:srgbClr val="CF7133"/>
+      </a:accent6>
+      <a:hlink>
+        <a:srgbClr val="F28943"/>
+      </a:hlink>
+      <a:folHlink>
+        <a:srgbClr val="F1B76C"/>
+      </a:folHlink>
+    </a:clrScheme>
+    <a:fontScheme name="Mesh">
+      <a:majorFont>
+        <a:latin typeface="Century Gothic" panose="020B0502020202020204"/>
+        <a:ea typeface=""/>
+        <a:cs typeface=""/>
+        <a:font script="Jpan" typeface="ＭＳ ゴシック"/>
+        <a:font script="Hang" typeface="맑은 고딕"/>
+        <a:font script="Hans" typeface="宋体"/>
+        <a:font script="Hant" typeface="新細明體"/>
+        <a:font script="Arab" typeface="Tahoma"/>
+        <a:font script="Hebr" typeface="Gisha"/>
+        <a:font script="Thai" typeface="DilleniaUPC"/>
+        <a:font script="Ethi" typeface="Nyala"/>
+        <a:font script="Beng" typeface="Vrinda"/>
+        <a:font script="Gujr" typeface="Shruti"/>
+        <a:font script="Khmr" typeface="DaunPenh"/>
+        <a:font script="Knda" typeface="Tunga"/>
+        <a:font script="Guru" typeface="Raavi"/>
+        <a:font script="Cans" typeface="Euphemia"/>
+        <a:font script="Cher" typeface="Plantagenet Cherokee"/>
+        <a:font script="Yiii" typeface="Microsoft Yi Baiti"/>
+        <a:font script="Tibt" typeface="Microsoft Himalaya"/>
+        <a:font script="Thaa" typeface="MV Boli"/>
+        <a:font script="Deva" typeface="Mangal"/>
+        <a:font script="Telu" typeface="Gautami"/>
+        <a:font script="Taml" typeface="Latha"/>
+        <a:font script="Syrc" typeface="Estrangelo Edessa"/>
+        <a:font script="Orya" typeface="Kalinga"/>
+        <a:font script="Mlym" typeface="Kartika"/>
+        <a:font script="Laoo" typeface="DokChampa"/>
+        <a:font script="Sinh" typeface="Iskoola Pota"/>
+        <a:font script="Mong" typeface="Mongolian Baiti"/>
+        <a:font script="Viet" typeface="Tahoma"/>
+        <a:font script="Uigh" typeface="Microsoft Uighur"/>
+        <a:font script="Geor" typeface="Sylfaen"/>
+      </a:majorFont>
+      <a:minorFont>
+        <a:latin typeface="Century Gothic" panose="020B0502020202020204"/>
+        <a:ea typeface=""/>
+        <a:cs typeface=""/>
+        <a:font script="Jpan" typeface="ＭＳ ゴシック"/>
+        <a:font script="Hang" typeface="맑은 고딕"/>
+        <a:font script="Hans" typeface="宋体"/>
+        <a:font script="Hant" typeface="新細明體"/>
+        <a:font script="Arab" typeface="Tahoma"/>
+        <a:font script="Hebr" typeface="Gisha"/>
+        <a:font script="Thai" typeface="DilleniaUPC"/>
+        <a:font script="Ethi" typeface="Nyala"/>
+        <a:font script="Beng" typeface="Vrinda"/>
+        <a:font script="Gujr" typeface="Shruti"/>
+        <a:font script="Khmr" typeface="DaunPenh"/>
+        <a:font script="Knda" typeface="Tunga"/>
+        <a:font script="Guru" typeface="Raavi"/>
+        <a:font script="Cans" typeface="Euphemia"/>
+        <a:font script="Cher" typeface="Plantagenet Cherokee"/>
+        <a:font script="Yiii" typeface="Microsoft Yi Baiti"/>
+        <a:font script="Tibt" typeface="Microsoft Himalaya"/>
+        <a:font script="Thaa" typeface="MV Boli"/>
+        <a:font script="Deva" typeface="Mangal"/>
+        <a:font script="Telu" typeface="Gautami"/>
+        <a:font script="Taml" typeface="Latha"/>
+        <a:font script="Syrc" typeface="Estrangelo Edessa"/>
+        <a:font script="Orya" typeface="Kalinga"/>
+        <a:font script="Mlym" typeface="Kartika"/>
+        <a:font script="Laoo" typeface="DokChampa"/>
+        <a:font script="Sinh" typeface="Iskoola Pota"/>
+        <a:font script="Mong" typeface="Mongolian Baiti"/>
+        <a:font script="Viet" typeface="Verdana"/>
+        <a:font script="Uigh" typeface="Microsoft Uighur"/>
+        <a:font script="Geor" typeface="Sylfaen"/>
+      </a:minorFont>
+    </a:fontScheme>
+    <a:fmtScheme name="Mesh">
+      <a:fillStyleLst>
+        <a:solidFill>
+          <a:schemeClr val="phClr"/>
+        </a:solidFill>
+        <a:gradFill rotWithShape="1">
+          <a:gsLst>
+            <a:gs pos="0">
+              <a:schemeClr val="phClr">
+                <a:tint val="60000"/>
+                <a:lumMod val="110000"/>
+              </a:schemeClr>
+            </a:gs>
+            <a:gs pos="100000">
+              <a:schemeClr val="phClr">
+                <a:tint val="82000"/>
+              </a:schemeClr>
+            </a:gs>
+          </a:gsLst>
+          <a:lin ang="5400000" scaled="0"/>
+        </a:gradFill>
+        <a:gradFill rotWithShape="1">
+          <a:gsLst>
+            <a:gs pos="0">
+              <a:schemeClr val="phClr">
+                <a:tint val="96000"/>
+                <a:lumMod val="104000"/>
+              </a:schemeClr>
+            </a:gs>
+            <a:gs pos="100000">
+              <a:schemeClr val="phClr">
+                <a:shade val="84000"/>
+                <a:lumMod val="84000"/>
+              </a:schemeClr>
+            </a:gs>
+          </a:gsLst>
+          <a:lin ang="5400000" scaled="0"/>
+        </a:gradFill>
+      </a:fillStyleLst>
+      <a:lnStyleLst>
+        <a:ln w="9525" cap="rnd" cmpd="sng" algn="ctr">
+          <a:solidFill>
+            <a:schemeClr val="phClr"/>
+          </a:solidFill>
+          <a:prstDash val="solid"/>
+        </a:ln>
+        <a:ln w="19050" cap="rnd" cmpd="sng" algn="ctr">
+          <a:solidFill>
+            <a:schemeClr val="phClr"/>
+          </a:solidFill>
+          <a:prstDash val="solid"/>
+        </a:ln>
+        <a:ln w="25400" cap="rnd" cmpd="sng" algn="ctr">
+          <a:solidFill>
+            <a:schemeClr val="phClr"/>
+          </a:solidFill>
+          <a:prstDash val="solid"/>
+        </a:ln>
+      </a:lnStyleLst>
+      <a:effectStyleLst>
+        <a:effectStyle>
+          <a:effectLst/>
+        </a:effectStyle>
+        <a:effectStyle>
+          <a:effectLst>
+            <a:innerShdw blurRad="50800" dist="25400" dir="13500000">
+              <a:srgbClr val="000000">
+                <a:alpha val="55000"/>
+              </a:srgbClr>
+            </a:innerShdw>
+          </a:effectLst>
+        </a:effectStyle>
+        <a:effectStyle>
+          <a:effectLst>
+            <a:outerShdw blurRad="50800" dist="38100" dir="5400000" rotWithShape="0">
+              <a:srgbClr val="000000">
+                <a:alpha val="60000"/>
+              </a:srgbClr>
+            </a:outerShdw>
+          </a:effectLst>
+          <a:scene3d>
+            <a:camera prst="orthographicFront">
+              <a:rot lat="0" lon="0" rev="0"/>
+            </a:camera>
+            <a:lightRig rig="threePt" dir="tl"/>
+          </a:scene3d>
+          <a:sp3d>
+            <a:bevelT w="25400" h="25400" prst="slope"/>
+          </a:sp3d>
+        </a:effectStyle>
+      </a:effectStyleLst>
+      <a:bgFillStyleLst>
+        <a:solidFill>
+          <a:schemeClr val="phClr"/>
+        </a:solidFill>
+        <a:gradFill rotWithShape="1">
+          <a:gsLst>
+            <a:gs pos="0">
+              <a:schemeClr val="phClr">
+                <a:tint val="90000"/>
+                <a:lumMod val="110000"/>
+              </a:schemeClr>
+            </a:gs>
+            <a:gs pos="100000">
+              <a:schemeClr val="phClr">
+                <a:shade val="64000"/>
+                <a:lumMod val="98000"/>
+              </a:schemeClr>
+            </a:gs>
+          </a:gsLst>
+          <a:lin ang="5400000" scaled="0"/>
+        </a:gradFill>
+        <a:blipFill rotWithShape="1">
+          <a:blip xmlns:r="http://schemas.openxmlformats.org/officeDocument/2006/relationships" r:embed="rId1">
+            <a:duotone>
+              <a:schemeClr val="phClr">
+                <a:shade val="28000"/>
+                <a:satMod val="94000"/>
+                <a:lumMod val="20000"/>
+              </a:schemeClr>
+              <a:schemeClr val="phClr">
+                <a:tint val="94000"/>
+                <a:shade val="84000"/>
+                <a:satMod val="148000"/>
+                <a:lumMod val="114000"/>
+              </a:schemeClr>
+            </a:duotone>
+          </a:blip>
+          <a:stretch/>
+        </a:blipFill>
+      </a:bgFillStyleLst>
+    </a:fmtScheme>
+  </a:themeElements>
+  <a:objectDefaults/>
+  <a:extraClrSchemeLst/>
+  <a:extLst>
+    <a:ext uri="{05A4C25C-085E-4340-85A3-A5531E510DB2}">
+      <thm15:themeFamily xmlns:thm15="http://schemas.microsoft.com/office/thememl/2012/main" name="Mesh" id="{789EC3FE-34FD-429C-9918-760025E6C145}" vid="{B8BE45C0-8141-4D58-8C71-A009BC26FBBB}"/>
+    </a:ext>
+  </a:extLst>
+</a:theme>
 </file>
--- a/Sookta_Artha/agni_sookta.pptx
+++ b/Sookta_Artha/agni_sookta.pptx
@@ -4134,7 +4134,11 @@
             </a:r>
             <a:r>
               <a:rPr lang="kn-IN" sz="3200" dirty="0" smtClean="0"/>
-              <a:t> ಮನಷ್ಯರ</a:t>
+              <a:t> </a:t>
+            </a:r>
+            <a:r>
+              <a:rPr lang="kn-IN" sz="3200" dirty="0" smtClean="0"/>
+              <a:t>ಮನುಷ್ಯರ</a:t>
             </a:r>
             <a:r>
               <a:rPr lang="sa-IN" sz="3200" dirty="0" smtClean="0"/>
@@ -4323,7 +4327,7 @@
               <a:t>		अग्निसूक्त </a:t>
             </a:r>
             <a:r>
-              <a:rPr lang="kn-IN" sz="3200" dirty="0" smtClean="0"/>
+              <a:rPr lang="kn-IN" sz="3200" dirty="0"/>
               <a:t>4</a:t>
             </a:r>
             <a:endParaRPr lang="en-IN" sz="3200" dirty="0"/>

--- a/Sookta_Artha/agni_sookta.pptx
+++ b/Sookta_Artha/agni_sookta.pptx
@@ -4134,11 +4134,7 @@
             </a:r>
             <a:r>
               <a:rPr lang="kn-IN" sz="3200" dirty="0" smtClean="0"/>
-              <a:t> </a:t>
-            </a:r>
-            <a:r>
-              <a:rPr lang="kn-IN" sz="3200" dirty="0" smtClean="0"/>
-              <a:t>ಮನುಷ್ಯರ</a:t>
+              <a:t> ಮನುಷ್ಯರ</a:t>
             </a:r>
             <a:r>
               <a:rPr lang="sa-IN" sz="3200" dirty="0" smtClean="0"/>

--- a/Sookta_Artha/agni_sookta.pptx
+++ b/Sookta_Artha/agni_sookta.pptx
@@ -246,7 +246,7 @@
           <a:p>
             <a:fld id="{BF1F22D6-1FD5-4F0B-A69E-C6566BAAF5BA}" type="datetimeFigureOut">
               <a:rPr lang="en-IN" smtClean="0"/>
-              <a:t>23-03-2022</a:t>
+              <a:t>26-03-2022</a:t>
             </a:fld>
             <a:endParaRPr lang="en-IN"/>
           </a:p>
@@ -416,7 +416,7 @@
           <a:p>
             <a:fld id="{BF1F22D6-1FD5-4F0B-A69E-C6566BAAF5BA}" type="datetimeFigureOut">
               <a:rPr lang="en-IN" smtClean="0"/>
-              <a:t>23-03-2022</a:t>
+              <a:t>26-03-2022</a:t>
             </a:fld>
             <a:endParaRPr lang="en-IN"/>
           </a:p>
@@ -596,7 +596,7 @@
           <a:p>
             <a:fld id="{BF1F22D6-1FD5-4F0B-A69E-C6566BAAF5BA}" type="datetimeFigureOut">
               <a:rPr lang="en-IN" smtClean="0"/>
-              <a:t>23-03-2022</a:t>
+              <a:t>26-03-2022</a:t>
             </a:fld>
             <a:endParaRPr lang="en-IN"/>
           </a:p>
@@ -766,7 +766,7 @@
           <a:p>
             <a:fld id="{BF1F22D6-1FD5-4F0B-A69E-C6566BAAF5BA}" type="datetimeFigureOut">
               <a:rPr lang="en-IN" smtClean="0"/>
-              <a:t>23-03-2022</a:t>
+              <a:t>26-03-2022</a:t>
             </a:fld>
             <a:endParaRPr lang="en-IN"/>
           </a:p>
@@ -1010,7 +1010,7 @@
           <a:p>
             <a:fld id="{BF1F22D6-1FD5-4F0B-A69E-C6566BAAF5BA}" type="datetimeFigureOut">
               <a:rPr lang="en-IN" smtClean="0"/>
-              <a:t>23-03-2022</a:t>
+              <a:t>26-03-2022</a:t>
             </a:fld>
             <a:endParaRPr lang="en-IN"/>
           </a:p>
@@ -1242,7 +1242,7 @@
           <a:p>
             <a:fld id="{BF1F22D6-1FD5-4F0B-A69E-C6566BAAF5BA}" type="datetimeFigureOut">
               <a:rPr lang="en-IN" smtClean="0"/>
-              <a:t>23-03-2022</a:t>
+              <a:t>26-03-2022</a:t>
             </a:fld>
             <a:endParaRPr lang="en-IN"/>
           </a:p>
@@ -1609,7 +1609,7 @@
           <a:p>
             <a:fld id="{BF1F22D6-1FD5-4F0B-A69E-C6566BAAF5BA}" type="datetimeFigureOut">
               <a:rPr lang="en-IN" smtClean="0"/>
-              <a:t>23-03-2022</a:t>
+              <a:t>26-03-2022</a:t>
             </a:fld>
             <a:endParaRPr lang="en-IN"/>
           </a:p>
@@ -1727,7 +1727,7 @@
           <a:p>
             <a:fld id="{BF1F22D6-1FD5-4F0B-A69E-C6566BAAF5BA}" type="datetimeFigureOut">
               <a:rPr lang="en-IN" smtClean="0"/>
-              <a:t>23-03-2022</a:t>
+              <a:t>26-03-2022</a:t>
             </a:fld>
             <a:endParaRPr lang="en-IN"/>
           </a:p>
@@ -1822,7 +1822,7 @@
           <a:p>
             <a:fld id="{BF1F22D6-1FD5-4F0B-A69E-C6566BAAF5BA}" type="datetimeFigureOut">
               <a:rPr lang="en-IN" smtClean="0"/>
-              <a:t>23-03-2022</a:t>
+              <a:t>26-03-2022</a:t>
             </a:fld>
             <a:endParaRPr lang="en-IN"/>
           </a:p>
@@ -2099,7 +2099,7 @@
           <a:p>
             <a:fld id="{BF1F22D6-1FD5-4F0B-A69E-C6566BAAF5BA}" type="datetimeFigureOut">
               <a:rPr lang="en-IN" smtClean="0"/>
-              <a:t>23-03-2022</a:t>
+              <a:t>26-03-2022</a:t>
             </a:fld>
             <a:endParaRPr lang="en-IN"/>
           </a:p>
@@ -2356,7 +2356,7 @@
           <a:p>
             <a:fld id="{BF1F22D6-1FD5-4F0B-A69E-C6566BAAF5BA}" type="datetimeFigureOut">
               <a:rPr lang="en-IN" smtClean="0"/>
-              <a:t>23-03-2022</a:t>
+              <a:t>26-03-2022</a:t>
             </a:fld>
             <a:endParaRPr lang="en-IN"/>
           </a:p>
@@ -2569,7 +2569,7 @@
           <a:p>
             <a:fld id="{BF1F22D6-1FD5-4F0B-A69E-C6566BAAF5BA}" type="datetimeFigureOut">
               <a:rPr lang="en-IN" smtClean="0"/>
-              <a:t>23-03-2022</a:t>
+              <a:t>26-03-2022</a:t>
             </a:fld>
             <a:endParaRPr lang="en-IN"/>
           </a:p>
@@ -2995,7 +2995,7 @@
         </p:nvSpPr>
         <p:spPr>
           <a:xfrm>
-            <a:off x="332510" y="457200"/>
+            <a:off x="394855" y="457200"/>
             <a:ext cx="6068290" cy="9414164"/>
           </a:xfrm>
         </p:spPr>
@@ -3016,7 +3016,15 @@
                   <a:srgbClr val="FF0000"/>
                 </a:solidFill>
               </a:rPr>
-              <a:t>हे अग्ने देव </a:t>
+              <a:t>हे </a:t>
+            </a:r>
+            <a:r>
+              <a:rPr lang="sa-IN" sz="3200" dirty="0" smtClean="0">
+                <a:solidFill>
+                  <a:srgbClr val="FF0000"/>
+                </a:solidFill>
+              </a:rPr>
+              <a:t>अग्ने देव </a:t>
             </a:r>
             <a:r>
               <a:rPr lang="kn-IN" sz="3200" dirty="0" smtClean="0"/>
@@ -3292,28 +3300,36 @@
             </a:r>
             <a:r>
               <a:rPr lang="sa-IN" sz="3200" dirty="0" smtClean="0"/>
-              <a:t> ।</a:t>
-            </a:r>
-            <a:r>
-              <a:rPr lang="en-IN" sz="3200" dirty="0" smtClean="0"/>
-              <a:t/>
+              <a:t> </a:t>
+            </a:r>
+            <a:r>
+              <a:rPr lang="sa-IN" sz="3200" dirty="0" smtClean="0"/>
+              <a:t>।</a:t>
             </a:r>
             <a:br>
-              <a:rPr lang="en-IN" sz="3200" dirty="0" smtClean="0"/>
+              <a:rPr lang="sa-IN" sz="3200" dirty="0" smtClean="0"/>
             </a:br>
             <a:r>
-              <a:rPr lang="en-IN" sz="3200" dirty="0"/>
+              <a:rPr lang="sa-IN" sz="3200" dirty="0"/>
               <a:t>	</a:t>
             </a:r>
             <a:r>
-              <a:rPr lang="en-IN" sz="3200" dirty="0" smtClean="0"/>
+              <a:rPr lang="sa-IN" sz="3200" dirty="0" smtClean="0"/>
               <a:t>	</a:t>
             </a:r>
             <a:r>
-              <a:rPr lang="sa-IN" sz="3200" dirty="0" smtClean="0"/>
-              <a:t>		अग्निसूक्त 1</a:t>
-            </a:r>
-            <a:endParaRPr lang="en-IN" sz="3200" dirty="0"/>
+              <a:rPr lang="sa-IN" sz="1600" dirty="0" smtClean="0"/>
+              <a:t>अग्ने नय ... नमउक्तिं विधेम ।   </a:t>
+            </a:r>
+            <a:r>
+              <a:rPr lang="sa-IN" sz="1600" dirty="0" smtClean="0"/>
+              <a:t>अग्निसूक्त </a:t>
+            </a:r>
+            <a:r>
+              <a:rPr lang="sa-IN" sz="1600" dirty="0" smtClean="0"/>
+              <a:t>1</a:t>
+            </a:r>
+            <a:endParaRPr lang="en-IN" sz="1200" dirty="0"/>
           </a:p>
         </p:txBody>
       </p:sp>
@@ -3670,19 +3686,23 @@
               <a:rPr lang="en-IN" sz="3200" dirty="0" smtClean="0"/>
             </a:br>
             <a:r>
-              <a:rPr lang="en-IN" sz="3200" dirty="0"/>
+              <a:rPr lang="en-IN" sz="1200" dirty="0"/>
               <a:t>	</a:t>
             </a:r>
             <a:r>
-              <a:rPr lang="en-IN" sz="3200" dirty="0" smtClean="0"/>
+              <a:rPr lang="en-IN" sz="1200" dirty="0" smtClean="0"/>
               <a:t>	</a:t>
             </a:r>
             <a:r>
-              <a:rPr lang="sa-IN" sz="3200" dirty="0" smtClean="0"/>
-              <a:t>		अग्निसूक्त </a:t>
-            </a:r>
-            <a:r>
-              <a:rPr lang="en-IN" sz="3200" dirty="0" smtClean="0"/>
+              <a:rPr lang="sa-IN" sz="1200" dirty="0" smtClean="0"/>
+              <a:t>	</a:t>
+            </a:r>
+            <a:r>
+              <a:rPr lang="sa-IN" sz="1400" dirty="0" smtClean="0"/>
+              <a:t>प्रवः शुक्राय ... विद्मना जिगाति । अग्निसूक्त </a:t>
+            </a:r>
+            <a:r>
+              <a:rPr lang="en-IN" sz="1400" dirty="0" smtClean="0"/>
               <a:t>2</a:t>
             </a:r>
             <a:endParaRPr lang="en-IN" sz="3200" dirty="0"/>
@@ -3985,14 +4005,18 @@
             </a:br>
             <a:r>
               <a:rPr lang="en-IN" sz="3200" dirty="0" smtClean="0"/>
-              <a:t>		</a:t>
-            </a:r>
-            <a:r>
-              <a:rPr lang="sa-IN" sz="3200" dirty="0" smtClean="0"/>
-              <a:t>		अग्निसूक्त </a:t>
-            </a:r>
-            <a:r>
-              <a:rPr lang="kn-IN" sz="3200" dirty="0"/>
+              <a:t>	</a:t>
+            </a:r>
+            <a:r>
+              <a:rPr lang="en-IN" sz="1600" dirty="0" smtClean="0"/>
+              <a:t>	</a:t>
+            </a:r>
+            <a:r>
+              <a:rPr lang="sa-IN" sz="1600" dirty="0" smtClean="0"/>
+              <a:t>अच्छा गिरो ... अरतिं मानुषाणाम् । अग्निसूक्त </a:t>
+            </a:r>
+            <a:r>
+              <a:rPr lang="kn-IN" sz="1600" dirty="0"/>
               <a:t>3</a:t>
             </a:r>
             <a:endParaRPr lang="en-IN" sz="3200" dirty="0"/>
@@ -4315,18 +4339,18 @@
               <a:rPr lang="kn-IN" sz="3200" dirty="0"/>
             </a:br>
             <a:r>
-              <a:rPr lang="en-IN" sz="3200" dirty="0" smtClean="0"/>
-              <a:t>	</a:t>
-            </a:r>
-            <a:r>
-              <a:rPr lang="sa-IN" sz="3200" dirty="0" smtClean="0"/>
-              <a:t>		अग्निसूक्त </a:t>
-            </a:r>
-            <a:r>
-              <a:rPr lang="kn-IN" sz="3200" dirty="0"/>
+              <a:rPr lang="sa-IN" sz="1600" dirty="0" smtClean="0"/>
+              <a:t>अग्ने त्वमस्मद्युयोध्यमीवाः...अजरेभिर्यजत्र । </a:t>
+            </a:r>
+            <a:r>
+              <a:rPr lang="sa-IN" sz="1800" dirty="0" smtClean="0"/>
+              <a:t>अग्निसूक्त </a:t>
+            </a:r>
+            <a:r>
+              <a:rPr lang="kn-IN" sz="1800" dirty="0"/>
               <a:t>4</a:t>
             </a:r>
-            <a:endParaRPr lang="en-IN" sz="3200" dirty="0"/>
+            <a:endParaRPr lang="en-IN" sz="2000" dirty="0"/>
           </a:p>
         </p:txBody>
       </p:sp>
